--- a/WayDo_backend_ukr.pptx
+++ b/WayDo_backend_ukr.pptx
@@ -12,7 +12,8 @@
     <p:sldId id="260" r:id="rId6"/>
     <p:sldId id="262" r:id="rId7"/>
     <p:sldId id="263" r:id="rId8"/>
-    <p:sldId id="264" r:id="rId9"/>
+    <p:sldId id="265" r:id="rId9"/>
+    <p:sldId id="264" r:id="rId10"/>
   </p:sldIdLst>
   <p:sldSz cx="12192000" cy="6858000"/>
   <p:notesSz cx="6858000" cy="9144000"/>
@@ -111,6 +112,11 @@
       </a:defRPr>
     </a:lvl9pPr>
   </p:defaultTextStyle>
+  <p:extLst>
+    <p:ext uri="{EFAFB233-063F-42B5-8137-9DF3F51BA10A}">
+      <p15:sldGuideLst xmlns:p15="http://schemas.microsoft.com/office/powerpoint/2012/main"/>
+    </p:ext>
+  </p:extLst>
 </p:presentation>
 </file>
 
@@ -164,7 +170,7 @@
           <a:noFill/>
           <a:extLst>
             <a:ext uri="{909E8E84-426E-40dd-AFC4-6F175D3DCCD1}">
-              <a14:hiddenFill xmlns:a14="http://schemas.microsoft.com/office/drawing/2010/main" xmlns="">
+              <a14:hiddenFill xmlns="" xmlns:a14="http://schemas.microsoft.com/office/drawing/2010/main">
                 <a:solidFill>
                   <a:srgbClr val="FFFFFF"/>
                 </a:solidFill>
@@ -224,7 +230,7 @@
             </a:ln>
             <a:extLst>
               <a:ext uri="{91240B29-F687-4f45-9708-019B960494DF}">
-                <a14:hiddenLine xmlns:a14="http://schemas.microsoft.com/office/drawing/2010/main" xmlns="" w="9525">
+                <a14:hiddenLine xmlns="" xmlns:a14="http://schemas.microsoft.com/office/drawing/2010/main" w="9525">
                   <a:solidFill>
                     <a:srgbClr val="000000"/>
                   </a:solidFill>
@@ -314,7 +320,7 @@
             </a:ln>
             <a:extLst>
               <a:ext uri="{91240B29-F687-4f45-9708-019B960494DF}">
-                <a14:hiddenLine xmlns:a14="http://schemas.microsoft.com/office/drawing/2010/main" xmlns="" w="9525">
+                <a14:hiddenLine xmlns="" xmlns:a14="http://schemas.microsoft.com/office/drawing/2010/main" w="9525">
                   <a:solidFill>
                     <a:srgbClr val="000000"/>
                   </a:solidFill>
@@ -404,7 +410,7 @@
             </a:ln>
             <a:extLst>
               <a:ext uri="{91240B29-F687-4f45-9708-019B960494DF}">
-                <a14:hiddenLine xmlns:a14="http://schemas.microsoft.com/office/drawing/2010/main" xmlns="" w="9525">
+                <a14:hiddenLine xmlns="" xmlns:a14="http://schemas.microsoft.com/office/drawing/2010/main" w="9525">
                   <a:solidFill>
                     <a:srgbClr val="000000"/>
                   </a:solidFill>
@@ -438,7 +444,7 @@
             </a:ln>
             <a:extLst>
               <a:ext uri="{91240B29-F687-4f45-9708-019B960494DF}">
-                <a14:hiddenLine xmlns:a14="http://schemas.microsoft.com/office/drawing/2010/main" xmlns="" w="9525">
+                <a14:hiddenLine xmlns="" xmlns:a14="http://schemas.microsoft.com/office/drawing/2010/main" w="9525">
                   <a:solidFill>
                     <a:srgbClr val="000000"/>
                   </a:solidFill>
@@ -528,7 +534,7 @@
             </a:ln>
             <a:extLst>
               <a:ext uri="{91240B29-F687-4f45-9708-019B960494DF}">
-                <a14:hiddenLine xmlns:a14="http://schemas.microsoft.com/office/drawing/2010/main" xmlns="" w="9525">
+                <a14:hiddenLine xmlns="" xmlns:a14="http://schemas.microsoft.com/office/drawing/2010/main" w="9525">
                   <a:solidFill>
                     <a:srgbClr val="000000"/>
                   </a:solidFill>
@@ -590,7 +596,7 @@
             </a:ln>
             <a:extLst>
               <a:ext uri="{91240B29-F687-4f45-9708-019B960494DF}">
-                <a14:hiddenLine xmlns:a14="http://schemas.microsoft.com/office/drawing/2010/main" xmlns="" w="9525">
+                <a14:hiddenLine xmlns="" xmlns:a14="http://schemas.microsoft.com/office/drawing/2010/main" w="9525">
                   <a:solidFill>
                     <a:srgbClr val="000000"/>
                   </a:solidFill>
@@ -652,7 +658,7 @@
             </a:ln>
             <a:extLst>
               <a:ext uri="{91240B29-F687-4f45-9708-019B960494DF}">
-                <a14:hiddenLine xmlns:a14="http://schemas.microsoft.com/office/drawing/2010/main" xmlns="" w="9525">
+                <a14:hiddenLine xmlns="" xmlns:a14="http://schemas.microsoft.com/office/drawing/2010/main" w="9525">
                   <a:solidFill>
                     <a:srgbClr val="000000"/>
                   </a:solidFill>
@@ -742,7 +748,7 @@
             </a:ln>
             <a:extLst>
               <a:ext uri="{91240B29-F687-4f45-9708-019B960494DF}">
-                <a14:hiddenLine xmlns:a14="http://schemas.microsoft.com/office/drawing/2010/main" xmlns="" w="9525">
+                <a14:hiddenLine xmlns="" xmlns:a14="http://schemas.microsoft.com/office/drawing/2010/main" w="9525">
                   <a:solidFill>
                     <a:srgbClr val="000000"/>
                   </a:solidFill>
@@ -804,7 +810,7 @@
             </a:ln>
             <a:extLst>
               <a:ext uri="{91240B29-F687-4f45-9708-019B960494DF}">
-                <a14:hiddenLine xmlns:a14="http://schemas.microsoft.com/office/drawing/2010/main" xmlns="" w="9525">
+                <a14:hiddenLine xmlns="" xmlns:a14="http://schemas.microsoft.com/office/drawing/2010/main" w="9525">
                   <a:solidFill>
                     <a:srgbClr val="000000"/>
                   </a:solidFill>
@@ -866,7 +872,7 @@
             </a:ln>
             <a:extLst>
               <a:ext uri="{91240B29-F687-4f45-9708-019B960494DF}">
-                <a14:hiddenLine xmlns:a14="http://schemas.microsoft.com/office/drawing/2010/main" xmlns="" w="9525">
+                <a14:hiddenLine xmlns="" xmlns:a14="http://schemas.microsoft.com/office/drawing/2010/main" w="9525">
                   <a:solidFill>
                     <a:srgbClr val="000000"/>
                   </a:solidFill>
@@ -956,7 +962,7 @@
             </a:ln>
             <a:extLst>
               <a:ext uri="{91240B29-F687-4f45-9708-019B960494DF}">
-                <a14:hiddenLine xmlns:a14="http://schemas.microsoft.com/office/drawing/2010/main" xmlns="" w="9525">
+                <a14:hiddenLine xmlns="" xmlns:a14="http://schemas.microsoft.com/office/drawing/2010/main" w="9525">
                   <a:solidFill>
                     <a:srgbClr val="000000"/>
                   </a:solidFill>
@@ -1046,7 +1052,7 @@
             </a:ln>
             <a:extLst>
               <a:ext uri="{91240B29-F687-4f45-9708-019B960494DF}">
-                <a14:hiddenLine xmlns:a14="http://schemas.microsoft.com/office/drawing/2010/main" xmlns="" w="9525">
+                <a14:hiddenLine xmlns="" xmlns:a14="http://schemas.microsoft.com/office/drawing/2010/main" w="9525">
                   <a:solidFill>
                     <a:srgbClr val="000000"/>
                   </a:solidFill>
@@ -1108,7 +1114,7 @@
             </a:ln>
             <a:extLst>
               <a:ext uri="{91240B29-F687-4f45-9708-019B960494DF}">
-                <a14:hiddenLine xmlns:a14="http://schemas.microsoft.com/office/drawing/2010/main" xmlns="" w="9525">
+                <a14:hiddenLine xmlns="" xmlns:a14="http://schemas.microsoft.com/office/drawing/2010/main" w="9525">
                   <a:solidFill>
                     <a:srgbClr val="000000"/>
                   </a:solidFill>
@@ -1218,7 +1224,7 @@
             </a:ln>
             <a:extLst>
               <a:ext uri="{91240B29-F687-4f45-9708-019B960494DF}">
-                <a14:hiddenLine xmlns:a14="http://schemas.microsoft.com/office/drawing/2010/main" xmlns="" w="9525">
+                <a14:hiddenLine xmlns="" xmlns:a14="http://schemas.microsoft.com/office/drawing/2010/main" w="9525">
                   <a:solidFill>
                     <a:srgbClr val="000000"/>
                   </a:solidFill>
@@ -1280,7 +1286,7 @@
             </a:ln>
             <a:extLst>
               <a:ext uri="{91240B29-F687-4f45-9708-019B960494DF}">
-                <a14:hiddenLine xmlns:a14="http://schemas.microsoft.com/office/drawing/2010/main" xmlns="" w="9525">
+                <a14:hiddenLine xmlns="" xmlns:a14="http://schemas.microsoft.com/office/drawing/2010/main" w="9525">
                   <a:solidFill>
                     <a:srgbClr val="000000"/>
                   </a:solidFill>
@@ -1370,7 +1376,7 @@
             </a:ln>
             <a:extLst>
               <a:ext uri="{91240B29-F687-4f45-9708-019B960494DF}">
-                <a14:hiddenLine xmlns:a14="http://schemas.microsoft.com/office/drawing/2010/main" xmlns="" w="9525">
+                <a14:hiddenLine xmlns="" xmlns:a14="http://schemas.microsoft.com/office/drawing/2010/main" w="9525">
                   <a:solidFill>
                     <a:srgbClr val="000000"/>
                   </a:solidFill>
@@ -1460,7 +1466,7 @@
             </a:ln>
             <a:extLst>
               <a:ext uri="{91240B29-F687-4f45-9708-019B960494DF}">
-                <a14:hiddenLine xmlns:a14="http://schemas.microsoft.com/office/drawing/2010/main" xmlns="" w="9525">
+                <a14:hiddenLine xmlns="" xmlns:a14="http://schemas.microsoft.com/office/drawing/2010/main" w="9525">
                   <a:solidFill>
                     <a:srgbClr val="000000"/>
                   </a:solidFill>
@@ -1522,7 +1528,7 @@
             </a:ln>
             <a:extLst>
               <a:ext uri="{91240B29-F687-4f45-9708-019B960494DF}">
-                <a14:hiddenLine xmlns:a14="http://schemas.microsoft.com/office/drawing/2010/main" xmlns="" w="9525">
+                <a14:hiddenLine xmlns="" xmlns:a14="http://schemas.microsoft.com/office/drawing/2010/main" w="9525">
                   <a:solidFill>
                     <a:srgbClr val="000000"/>
                   </a:solidFill>
@@ -1612,7 +1618,7 @@
             </a:ln>
             <a:extLst>
               <a:ext uri="{91240B29-F687-4f45-9708-019B960494DF}">
-                <a14:hiddenLine xmlns:a14="http://schemas.microsoft.com/office/drawing/2010/main" xmlns="" w="9525">
+                <a14:hiddenLine xmlns="" xmlns:a14="http://schemas.microsoft.com/office/drawing/2010/main" w="9525">
                   <a:solidFill>
                     <a:srgbClr val="000000"/>
                   </a:solidFill>
@@ -1702,7 +1708,7 @@
             </a:ln>
             <a:extLst>
               <a:ext uri="{91240B29-F687-4f45-9708-019B960494DF}">
-                <a14:hiddenLine xmlns:a14="http://schemas.microsoft.com/office/drawing/2010/main" xmlns="" w="9525">
+                <a14:hiddenLine xmlns="" xmlns:a14="http://schemas.microsoft.com/office/drawing/2010/main" w="9525">
                   <a:solidFill>
                     <a:srgbClr val="000000"/>
                   </a:solidFill>
@@ -1758,7 +1764,7 @@
             </a:ln>
             <a:extLst>
               <a:ext uri="{91240B29-F687-4f45-9708-019B960494DF}">
-                <a14:hiddenLine xmlns:a14="http://schemas.microsoft.com/office/drawing/2010/main" xmlns="" w="9525">
+                <a14:hiddenLine xmlns="" xmlns:a14="http://schemas.microsoft.com/office/drawing/2010/main" w="9525">
                   <a:solidFill>
                     <a:srgbClr val="000000"/>
                   </a:solidFill>
@@ -1848,7 +1854,7 @@
             </a:ln>
             <a:extLst>
               <a:ext uri="{91240B29-F687-4f45-9708-019B960494DF}">
-                <a14:hiddenLine xmlns:a14="http://schemas.microsoft.com/office/drawing/2010/main" xmlns="" w="9525">
+                <a14:hiddenLine xmlns="" xmlns:a14="http://schemas.microsoft.com/office/drawing/2010/main" w="9525">
                   <a:solidFill>
                     <a:srgbClr val="000000"/>
                   </a:solidFill>
@@ -1904,7 +1910,7 @@
             </a:ln>
             <a:extLst>
               <a:ext uri="{91240B29-F687-4f45-9708-019B960494DF}">
-                <a14:hiddenLine xmlns:a14="http://schemas.microsoft.com/office/drawing/2010/main" xmlns="" w="9525">
+                <a14:hiddenLine xmlns="" xmlns:a14="http://schemas.microsoft.com/office/drawing/2010/main" w="9525">
                   <a:solidFill>
                     <a:srgbClr val="000000"/>
                   </a:solidFill>
@@ -1994,7 +2000,7 @@
             </a:ln>
             <a:extLst>
               <a:ext uri="{91240B29-F687-4f45-9708-019B960494DF}">
-                <a14:hiddenLine xmlns:a14="http://schemas.microsoft.com/office/drawing/2010/main" xmlns="" w="9525">
+                <a14:hiddenLine xmlns="" xmlns:a14="http://schemas.microsoft.com/office/drawing/2010/main" w="9525">
                   <a:solidFill>
                     <a:srgbClr val="000000"/>
                   </a:solidFill>
@@ -2062,7 +2068,7 @@
             </a:ln>
             <a:extLst>
               <a:ext uri="{91240B29-F687-4f45-9708-019B960494DF}">
-                <a14:hiddenLine xmlns:a14="http://schemas.microsoft.com/office/drawing/2010/main" xmlns="" w="9525">
+                <a14:hiddenLine xmlns="" xmlns:a14="http://schemas.microsoft.com/office/drawing/2010/main" w="9525">
                   <a:solidFill>
                     <a:srgbClr val="000000"/>
                   </a:solidFill>
@@ -2152,7 +2158,7 @@
             </a:ln>
             <a:extLst>
               <a:ext uri="{91240B29-F687-4f45-9708-019B960494DF}">
-                <a14:hiddenLine xmlns:a14="http://schemas.microsoft.com/office/drawing/2010/main" xmlns="" w="9525">
+                <a14:hiddenLine xmlns="" xmlns:a14="http://schemas.microsoft.com/office/drawing/2010/main" w="9525">
                   <a:solidFill>
                     <a:srgbClr val="000000"/>
                   </a:solidFill>
@@ -2220,7 +2226,7 @@
             </a:ln>
             <a:extLst>
               <a:ext uri="{91240B29-F687-4f45-9708-019B960494DF}">
-                <a14:hiddenLine xmlns:a14="http://schemas.microsoft.com/office/drawing/2010/main" xmlns="" w="9525">
+                <a14:hiddenLine xmlns="" xmlns:a14="http://schemas.microsoft.com/office/drawing/2010/main" w="9525">
                   <a:solidFill>
                     <a:srgbClr val="000000"/>
                   </a:solidFill>
@@ -2310,7 +2316,7 @@
             </a:ln>
             <a:extLst>
               <a:ext uri="{91240B29-F687-4f45-9708-019B960494DF}">
-                <a14:hiddenLine xmlns:a14="http://schemas.microsoft.com/office/drawing/2010/main" xmlns="" w="9525">
+                <a14:hiddenLine xmlns="" xmlns:a14="http://schemas.microsoft.com/office/drawing/2010/main" w="9525">
                   <a:solidFill>
                     <a:srgbClr val="000000"/>
                   </a:solidFill>
@@ -2344,7 +2350,7 @@
             </a:ln>
             <a:extLst>
               <a:ext uri="{91240B29-F687-4f45-9708-019B960494DF}">
-                <a14:hiddenLine xmlns:a14="http://schemas.microsoft.com/office/drawing/2010/main" xmlns="" w="9525">
+                <a14:hiddenLine xmlns="" xmlns:a14="http://schemas.microsoft.com/office/drawing/2010/main" w="9525">
                   <a:solidFill>
                     <a:srgbClr val="000000"/>
                   </a:solidFill>
@@ -2434,7 +2440,7 @@
             </a:ln>
             <a:extLst>
               <a:ext uri="{91240B29-F687-4f45-9708-019B960494DF}">
-                <a14:hiddenLine xmlns:a14="http://schemas.microsoft.com/office/drawing/2010/main" xmlns="" w="9525">
+                <a14:hiddenLine xmlns="" xmlns:a14="http://schemas.microsoft.com/office/drawing/2010/main" w="9525">
                   <a:solidFill>
                     <a:srgbClr val="000000"/>
                   </a:solidFill>
@@ -2496,7 +2502,7 @@
             </a:ln>
             <a:extLst>
               <a:ext uri="{91240B29-F687-4f45-9708-019B960494DF}">
-                <a14:hiddenLine xmlns:a14="http://schemas.microsoft.com/office/drawing/2010/main" xmlns="" w="9525">
+                <a14:hiddenLine xmlns="" xmlns:a14="http://schemas.microsoft.com/office/drawing/2010/main" w="9525">
                   <a:solidFill>
                     <a:srgbClr val="000000"/>
                   </a:solidFill>
@@ -2558,7 +2564,7 @@
             </a:ln>
             <a:extLst>
               <a:ext uri="{91240B29-F687-4f45-9708-019B960494DF}">
-                <a14:hiddenLine xmlns:a14="http://schemas.microsoft.com/office/drawing/2010/main" xmlns="" w="9525">
+                <a14:hiddenLine xmlns="" xmlns:a14="http://schemas.microsoft.com/office/drawing/2010/main" w="9525">
                   <a:solidFill>
                     <a:srgbClr val="000000"/>
                   </a:solidFill>
@@ -2648,7 +2654,7 @@
             </a:ln>
             <a:extLst>
               <a:ext uri="{91240B29-F687-4f45-9708-019B960494DF}">
-                <a14:hiddenLine xmlns:a14="http://schemas.microsoft.com/office/drawing/2010/main" xmlns="" w="9525">
+                <a14:hiddenLine xmlns="" xmlns:a14="http://schemas.microsoft.com/office/drawing/2010/main" w="9525">
                   <a:solidFill>
                     <a:srgbClr val="000000"/>
                   </a:solidFill>
@@ -2716,7 +2722,7 @@
             </a:ln>
             <a:extLst>
               <a:ext uri="{91240B29-F687-4f45-9708-019B960494DF}">
-                <a14:hiddenLine xmlns:a14="http://schemas.microsoft.com/office/drawing/2010/main" xmlns="" w="9525">
+                <a14:hiddenLine xmlns="" xmlns:a14="http://schemas.microsoft.com/office/drawing/2010/main" w="9525">
                   <a:solidFill>
                     <a:srgbClr val="000000"/>
                   </a:solidFill>
@@ -2778,7 +2784,7 @@
             </a:ln>
             <a:extLst>
               <a:ext uri="{91240B29-F687-4f45-9708-019B960494DF}">
-                <a14:hiddenLine xmlns:a14="http://schemas.microsoft.com/office/drawing/2010/main" xmlns="" w="9525">
+                <a14:hiddenLine xmlns="" xmlns:a14="http://schemas.microsoft.com/office/drawing/2010/main" w="9525">
                   <a:solidFill>
                     <a:srgbClr val="000000"/>
                   </a:solidFill>
@@ -2868,7 +2874,7 @@
             </a:ln>
             <a:extLst>
               <a:ext uri="{91240B29-F687-4f45-9708-019B960494DF}">
-                <a14:hiddenLine xmlns:a14="http://schemas.microsoft.com/office/drawing/2010/main" xmlns="" w="9525">
+                <a14:hiddenLine xmlns="" xmlns:a14="http://schemas.microsoft.com/office/drawing/2010/main" w="9525">
                   <a:solidFill>
                     <a:srgbClr val="000000"/>
                   </a:solidFill>
@@ -2930,7 +2936,7 @@
             </a:ln>
             <a:extLst>
               <a:ext uri="{91240B29-F687-4f45-9708-019B960494DF}">
-                <a14:hiddenLine xmlns:a14="http://schemas.microsoft.com/office/drawing/2010/main" xmlns="" w="9525">
+                <a14:hiddenLine xmlns="" xmlns:a14="http://schemas.microsoft.com/office/drawing/2010/main" w="9525">
                   <a:solidFill>
                     <a:srgbClr val="000000"/>
                   </a:solidFill>
@@ -3020,7 +3026,7 @@
             </a:ln>
             <a:extLst>
               <a:ext uri="{91240B29-F687-4f45-9708-019B960494DF}">
-                <a14:hiddenLine xmlns:a14="http://schemas.microsoft.com/office/drawing/2010/main" xmlns="" w="9525">
+                <a14:hiddenLine xmlns="" xmlns:a14="http://schemas.microsoft.com/office/drawing/2010/main" w="9525">
                   <a:solidFill>
                     <a:srgbClr val="000000"/>
                   </a:solidFill>
@@ -3082,7 +3088,7 @@
             </a:ln>
             <a:extLst>
               <a:ext uri="{91240B29-F687-4f45-9708-019B960494DF}">
-                <a14:hiddenLine xmlns:a14="http://schemas.microsoft.com/office/drawing/2010/main" xmlns="" w="9525">
+                <a14:hiddenLine xmlns="" xmlns:a14="http://schemas.microsoft.com/office/drawing/2010/main" w="9525">
                   <a:solidFill>
                     <a:srgbClr val="000000"/>
                   </a:solidFill>
@@ -3172,7 +3178,7 @@
             </a:ln>
             <a:extLst>
               <a:ext uri="{91240B29-F687-4f45-9708-019B960494DF}">
-                <a14:hiddenLine xmlns:a14="http://schemas.microsoft.com/office/drawing/2010/main" xmlns="" w="9525">
+                <a14:hiddenLine xmlns="" xmlns:a14="http://schemas.microsoft.com/office/drawing/2010/main" w="9525">
                   <a:solidFill>
                     <a:srgbClr val="000000"/>
                   </a:solidFill>
@@ -3206,7 +3212,7 @@
             </a:ln>
             <a:extLst>
               <a:ext uri="{91240B29-F687-4f45-9708-019B960494DF}">
-                <a14:hiddenLine xmlns:a14="http://schemas.microsoft.com/office/drawing/2010/main" xmlns="" w="9525">
+                <a14:hiddenLine xmlns="" xmlns:a14="http://schemas.microsoft.com/office/drawing/2010/main" w="9525">
                   <a:solidFill>
                     <a:srgbClr val="000000"/>
                   </a:solidFill>
@@ -3271,7 +3277,7 @@
             </a:ln>
             <a:extLst>
               <a:ext uri="{91240B29-F687-4f45-9708-019B960494DF}">
-                <a14:hiddenLine xmlns:a14="http://schemas.microsoft.com/office/drawing/2010/main" xmlns="" w="9525">
+                <a14:hiddenLine xmlns="" xmlns:a14="http://schemas.microsoft.com/office/drawing/2010/main" w="9525">
                   <a:solidFill>
                     <a:srgbClr val="000000"/>
                   </a:solidFill>
@@ -3361,7 +3367,7 @@
             </a:ln>
             <a:extLst>
               <a:ext uri="{91240B29-F687-4f45-9708-019B960494DF}">
-                <a14:hiddenLine xmlns:a14="http://schemas.microsoft.com/office/drawing/2010/main" xmlns="" w="9525">
+                <a14:hiddenLine xmlns="" xmlns:a14="http://schemas.microsoft.com/office/drawing/2010/main" w="9525">
                   <a:solidFill>
                     <a:srgbClr val="000000"/>
                   </a:solidFill>
@@ -3423,7 +3429,7 @@
             </a:ln>
             <a:extLst>
               <a:ext uri="{91240B29-F687-4f45-9708-019B960494DF}">
-                <a14:hiddenLine xmlns:a14="http://schemas.microsoft.com/office/drawing/2010/main" xmlns="" w="9525">
+                <a14:hiddenLine xmlns="" xmlns:a14="http://schemas.microsoft.com/office/drawing/2010/main" w="9525">
                   <a:solidFill>
                     <a:srgbClr val="000000"/>
                   </a:solidFill>
@@ -3513,7 +3519,7 @@
             </a:ln>
             <a:extLst>
               <a:ext uri="{91240B29-F687-4f45-9708-019B960494DF}">
-                <a14:hiddenLine xmlns:a14="http://schemas.microsoft.com/office/drawing/2010/main" xmlns="" w="9525">
+                <a14:hiddenLine xmlns="" xmlns:a14="http://schemas.microsoft.com/office/drawing/2010/main" w="9525">
                   <a:solidFill>
                     <a:srgbClr val="000000"/>
                   </a:solidFill>
@@ -3603,7 +3609,7 @@
             </a:ln>
             <a:extLst>
               <a:ext uri="{91240B29-F687-4f45-9708-019B960494DF}">
-                <a14:hiddenLine xmlns:a14="http://schemas.microsoft.com/office/drawing/2010/main" xmlns="" w="9525">
+                <a14:hiddenLine xmlns="" xmlns:a14="http://schemas.microsoft.com/office/drawing/2010/main" w="9525">
                   <a:solidFill>
                     <a:srgbClr val="000000"/>
                   </a:solidFill>
@@ -3668,7 +3674,7 @@
             </a:ln>
             <a:extLst>
               <a:ext uri="{91240B29-F687-4f45-9708-019B960494DF}">
-                <a14:hiddenLine xmlns:a14="http://schemas.microsoft.com/office/drawing/2010/main" xmlns="" w="9525">
+                <a14:hiddenLine xmlns="" xmlns:a14="http://schemas.microsoft.com/office/drawing/2010/main" w="9525">
                   <a:solidFill>
                     <a:srgbClr val="000000"/>
                   </a:solidFill>
@@ -3730,7 +3736,7 @@
             </a:ln>
             <a:extLst>
               <a:ext uri="{91240B29-F687-4f45-9708-019B960494DF}">
-                <a14:hiddenLine xmlns:a14="http://schemas.microsoft.com/office/drawing/2010/main" xmlns="" w="9525">
+                <a14:hiddenLine xmlns="" xmlns:a14="http://schemas.microsoft.com/office/drawing/2010/main" w="9525">
                   <a:solidFill>
                     <a:srgbClr val="000000"/>
                   </a:solidFill>
@@ -3820,7 +3826,7 @@
             </a:ln>
             <a:extLst>
               <a:ext uri="{91240B29-F687-4f45-9708-019B960494DF}">
-                <a14:hiddenLine xmlns:a14="http://schemas.microsoft.com/office/drawing/2010/main" xmlns="" w="9525">
+                <a14:hiddenLine xmlns="" xmlns:a14="http://schemas.microsoft.com/office/drawing/2010/main" w="9525">
                   <a:solidFill>
                     <a:srgbClr val="000000"/>
                   </a:solidFill>
@@ -3910,7 +3916,7 @@
             </a:ln>
             <a:extLst>
               <a:ext uri="{91240B29-F687-4f45-9708-019B960494DF}">
-                <a14:hiddenLine xmlns:a14="http://schemas.microsoft.com/office/drawing/2010/main" xmlns="" w="9525">
+                <a14:hiddenLine xmlns="" xmlns:a14="http://schemas.microsoft.com/office/drawing/2010/main" w="9525">
                   <a:solidFill>
                     <a:srgbClr val="000000"/>
                   </a:solidFill>
@@ -3972,7 +3978,7 @@
             </a:ln>
             <a:extLst>
               <a:ext uri="{91240B29-F687-4f45-9708-019B960494DF}">
-                <a14:hiddenLine xmlns:a14="http://schemas.microsoft.com/office/drawing/2010/main" xmlns="" w="9525">
+                <a14:hiddenLine xmlns="" xmlns:a14="http://schemas.microsoft.com/office/drawing/2010/main" w="9525">
                   <a:solidFill>
                     <a:srgbClr val="000000"/>
                   </a:solidFill>
@@ -4092,7 +4098,7 @@
             </a:ln>
             <a:extLst>
               <a:ext uri="{91240B29-F687-4f45-9708-019B960494DF}">
-                <a14:hiddenLine xmlns:a14="http://schemas.microsoft.com/office/drawing/2010/main" xmlns="" w="9525">
+                <a14:hiddenLine xmlns="" xmlns:a14="http://schemas.microsoft.com/office/drawing/2010/main" w="9525">
                   <a:solidFill>
                     <a:srgbClr val="000000"/>
                   </a:solidFill>
@@ -4160,7 +4166,7 @@
             </a:ln>
             <a:extLst>
               <a:ext uri="{91240B29-F687-4f45-9708-019B960494DF}">
-                <a14:hiddenLine xmlns:a14="http://schemas.microsoft.com/office/drawing/2010/main" xmlns="" w="9525">
+                <a14:hiddenLine xmlns="" xmlns:a14="http://schemas.microsoft.com/office/drawing/2010/main" w="9525">
                   <a:solidFill>
                     <a:srgbClr val="000000"/>
                   </a:solidFill>
@@ -4250,7 +4256,7 @@
             </a:ln>
             <a:extLst>
               <a:ext uri="{91240B29-F687-4f45-9708-019B960494DF}">
-                <a14:hiddenLine xmlns:a14="http://schemas.microsoft.com/office/drawing/2010/main" xmlns="" w="9525">
+                <a14:hiddenLine xmlns="" xmlns:a14="http://schemas.microsoft.com/office/drawing/2010/main" w="9525">
                   <a:solidFill>
                     <a:srgbClr val="000000"/>
                   </a:solidFill>
@@ -9057,7 +9063,7 @@
           <a:noFill/>
           <a:extLst>
             <a:ext uri="{909E8E84-426E-40dd-AFC4-6F175D3DCCD1}">
-              <a14:hiddenFill xmlns:a14="http://schemas.microsoft.com/office/drawing/2010/main" xmlns="">
+              <a14:hiddenFill xmlns="" xmlns:a14="http://schemas.microsoft.com/office/drawing/2010/main">
                 <a:solidFill>
                   <a:srgbClr val="FFFFFF"/>
                 </a:solidFill>
@@ -9131,7 +9137,7 @@
               </a:ln>
               <a:extLst>
                 <a:ext uri="{91240B29-F687-4f45-9708-019B960494DF}">
-                  <a14:hiddenLine xmlns:a14="http://schemas.microsoft.com/office/drawing/2010/main" xmlns="" w="9525">
+                  <a14:hiddenLine xmlns="" xmlns:a14="http://schemas.microsoft.com/office/drawing/2010/main" w="9525">
                     <a:solidFill>
                       <a:srgbClr val="000000"/>
                     </a:solidFill>
@@ -9221,7 +9227,7 @@
               </a:ln>
               <a:extLst>
                 <a:ext uri="{91240B29-F687-4f45-9708-019B960494DF}">
-                  <a14:hiddenLine xmlns:a14="http://schemas.microsoft.com/office/drawing/2010/main" xmlns="" w="9525">
+                  <a14:hiddenLine xmlns="" xmlns:a14="http://schemas.microsoft.com/office/drawing/2010/main" w="9525">
                     <a:solidFill>
                       <a:srgbClr val="000000"/>
                     </a:solidFill>
@@ -9311,7 +9317,7 @@
               </a:ln>
               <a:extLst>
                 <a:ext uri="{91240B29-F687-4f45-9708-019B960494DF}">
-                  <a14:hiddenLine xmlns:a14="http://schemas.microsoft.com/office/drawing/2010/main" xmlns="" w="9525">
+                  <a14:hiddenLine xmlns="" xmlns:a14="http://schemas.microsoft.com/office/drawing/2010/main" w="9525">
                     <a:solidFill>
                       <a:srgbClr val="000000"/>
                     </a:solidFill>
@@ -9373,7 +9379,7 @@
               </a:ln>
               <a:extLst>
                 <a:ext uri="{91240B29-F687-4f45-9708-019B960494DF}">
-                  <a14:hiddenLine xmlns:a14="http://schemas.microsoft.com/office/drawing/2010/main" xmlns="" w="9525">
+                  <a14:hiddenLine xmlns="" xmlns:a14="http://schemas.microsoft.com/office/drawing/2010/main" w="9525">
                     <a:solidFill>
                       <a:srgbClr val="000000"/>
                     </a:solidFill>
@@ -9463,7 +9469,7 @@
               </a:ln>
               <a:extLst>
                 <a:ext uri="{91240B29-F687-4f45-9708-019B960494DF}">
-                  <a14:hiddenLine xmlns:a14="http://schemas.microsoft.com/office/drawing/2010/main" xmlns="" w="9525">
+                  <a14:hiddenLine xmlns="" xmlns:a14="http://schemas.microsoft.com/office/drawing/2010/main" w="9525">
                     <a:solidFill>
                       <a:srgbClr val="000000"/>
                     </a:solidFill>
@@ -9525,7 +9531,7 @@
               </a:ln>
               <a:extLst>
                 <a:ext uri="{91240B29-F687-4f45-9708-019B960494DF}">
-                  <a14:hiddenLine xmlns:a14="http://schemas.microsoft.com/office/drawing/2010/main" xmlns="" w="9525">
+                  <a14:hiddenLine xmlns="" xmlns:a14="http://schemas.microsoft.com/office/drawing/2010/main" w="9525">
                     <a:solidFill>
                       <a:srgbClr val="000000"/>
                     </a:solidFill>
@@ -9587,7 +9593,7 @@
               </a:ln>
               <a:extLst>
                 <a:ext uri="{91240B29-F687-4f45-9708-019B960494DF}">
-                  <a14:hiddenLine xmlns:a14="http://schemas.microsoft.com/office/drawing/2010/main" xmlns="" w="9525">
+                  <a14:hiddenLine xmlns="" xmlns:a14="http://schemas.microsoft.com/office/drawing/2010/main" w="9525">
                     <a:solidFill>
                       <a:srgbClr val="000000"/>
                     </a:solidFill>
@@ -9677,7 +9683,7 @@
               </a:ln>
               <a:extLst>
                 <a:ext uri="{91240B29-F687-4f45-9708-019B960494DF}">
-                  <a14:hiddenLine xmlns:a14="http://schemas.microsoft.com/office/drawing/2010/main" xmlns="" w="9525">
+                  <a14:hiddenLine xmlns="" xmlns:a14="http://schemas.microsoft.com/office/drawing/2010/main" w="9525">
                     <a:solidFill>
                       <a:srgbClr val="000000"/>
                     </a:solidFill>
@@ -9767,7 +9773,7 @@
               </a:ln>
               <a:extLst>
                 <a:ext uri="{91240B29-F687-4f45-9708-019B960494DF}">
-                  <a14:hiddenLine xmlns:a14="http://schemas.microsoft.com/office/drawing/2010/main" xmlns="" w="9525">
+                  <a14:hiddenLine xmlns="" xmlns:a14="http://schemas.microsoft.com/office/drawing/2010/main" w="9525">
                     <a:solidFill>
                       <a:srgbClr val="000000"/>
                     </a:solidFill>
@@ -9829,7 +9835,7 @@
               </a:ln>
               <a:extLst>
                 <a:ext uri="{91240B29-F687-4f45-9708-019B960494DF}">
-                  <a14:hiddenLine xmlns:a14="http://schemas.microsoft.com/office/drawing/2010/main" xmlns="" w="9525">
+                  <a14:hiddenLine xmlns="" xmlns:a14="http://schemas.microsoft.com/office/drawing/2010/main" w="9525">
                     <a:solidFill>
                       <a:srgbClr val="000000"/>
                     </a:solidFill>
@@ -9939,7 +9945,7 @@
               </a:ln>
               <a:extLst>
                 <a:ext uri="{91240B29-F687-4f45-9708-019B960494DF}">
-                  <a14:hiddenLine xmlns:a14="http://schemas.microsoft.com/office/drawing/2010/main" xmlns="" w="9525">
+                  <a14:hiddenLine xmlns="" xmlns:a14="http://schemas.microsoft.com/office/drawing/2010/main" w="9525">
                     <a:solidFill>
                       <a:srgbClr val="000000"/>
                     </a:solidFill>
@@ -10023,7 +10029,7 @@
               </a:ln>
               <a:extLst>
                 <a:ext uri="{91240B29-F687-4f45-9708-019B960494DF}">
-                  <a14:hiddenLine xmlns:a14="http://schemas.microsoft.com/office/drawing/2010/main" xmlns="" w="9525">
+                  <a14:hiddenLine xmlns="" xmlns:a14="http://schemas.microsoft.com/office/drawing/2010/main" w="9525">
                     <a:solidFill>
                       <a:srgbClr val="000000"/>
                     </a:solidFill>
@@ -10085,7 +10091,7 @@
               </a:ln>
               <a:extLst>
                 <a:ext uri="{91240B29-F687-4f45-9708-019B960494DF}">
-                  <a14:hiddenLine xmlns:a14="http://schemas.microsoft.com/office/drawing/2010/main" xmlns="" w="9525">
+                  <a14:hiddenLine xmlns="" xmlns:a14="http://schemas.microsoft.com/office/drawing/2010/main" w="9525">
                     <a:solidFill>
                       <a:srgbClr val="000000"/>
                     </a:solidFill>
@@ -10147,7 +10153,7 @@
               </a:ln>
               <a:extLst>
                 <a:ext uri="{91240B29-F687-4f45-9708-019B960494DF}">
-                  <a14:hiddenLine xmlns:a14="http://schemas.microsoft.com/office/drawing/2010/main" xmlns="" w="9525">
+                  <a14:hiddenLine xmlns="" xmlns:a14="http://schemas.microsoft.com/office/drawing/2010/main" w="9525">
                     <a:solidFill>
                       <a:srgbClr val="000000"/>
                     </a:solidFill>
@@ -10237,7 +10243,7 @@
               </a:ln>
               <a:extLst>
                 <a:ext uri="{91240B29-F687-4f45-9708-019B960494DF}">
-                  <a14:hiddenLine xmlns:a14="http://schemas.microsoft.com/office/drawing/2010/main" xmlns="" w="9525">
+                  <a14:hiddenLine xmlns="" xmlns:a14="http://schemas.microsoft.com/office/drawing/2010/main" w="9525">
                     <a:solidFill>
                       <a:srgbClr val="000000"/>
                     </a:solidFill>
@@ -10271,7 +10277,7 @@
               </a:ln>
               <a:extLst>
                 <a:ext uri="{91240B29-F687-4f45-9708-019B960494DF}">
-                  <a14:hiddenLine xmlns:a14="http://schemas.microsoft.com/office/drawing/2010/main" xmlns="" w="9525">
+                  <a14:hiddenLine xmlns="" xmlns:a14="http://schemas.microsoft.com/office/drawing/2010/main" w="9525">
                     <a:solidFill>
                       <a:srgbClr val="000000"/>
                     </a:solidFill>
@@ -10336,7 +10342,7 @@
               </a:ln>
               <a:extLst>
                 <a:ext uri="{91240B29-F687-4f45-9708-019B960494DF}">
-                  <a14:hiddenLine xmlns:a14="http://schemas.microsoft.com/office/drawing/2010/main" xmlns="" w="9525">
+                  <a14:hiddenLine xmlns="" xmlns:a14="http://schemas.microsoft.com/office/drawing/2010/main" w="9525">
                     <a:solidFill>
                       <a:srgbClr val="000000"/>
                     </a:solidFill>
@@ -10426,7 +10432,7 @@
               </a:ln>
               <a:extLst>
                 <a:ext uri="{91240B29-F687-4f45-9708-019B960494DF}">
-                  <a14:hiddenLine xmlns:a14="http://schemas.microsoft.com/office/drawing/2010/main" xmlns="" w="9525">
+                  <a14:hiddenLine xmlns="" xmlns:a14="http://schemas.microsoft.com/office/drawing/2010/main" w="9525">
                     <a:solidFill>
                       <a:srgbClr val="000000"/>
                     </a:solidFill>
@@ -10488,7 +10494,7 @@
               </a:ln>
               <a:extLst>
                 <a:ext uri="{91240B29-F687-4f45-9708-019B960494DF}">
-                  <a14:hiddenLine xmlns:a14="http://schemas.microsoft.com/office/drawing/2010/main" xmlns="" w="9525">
+                  <a14:hiddenLine xmlns="" xmlns:a14="http://schemas.microsoft.com/office/drawing/2010/main" w="9525">
                     <a:solidFill>
                       <a:srgbClr val="000000"/>
                     </a:solidFill>
@@ -10578,7 +10584,7 @@
               </a:ln>
               <a:extLst>
                 <a:ext uri="{91240B29-F687-4f45-9708-019B960494DF}">
-                  <a14:hiddenLine xmlns:a14="http://schemas.microsoft.com/office/drawing/2010/main" xmlns="" w="9525">
+                  <a14:hiddenLine xmlns="" xmlns:a14="http://schemas.microsoft.com/office/drawing/2010/main" w="9525">
                     <a:solidFill>
                       <a:srgbClr val="000000"/>
                     </a:solidFill>
@@ -10643,7 +10649,7 @@
               </a:ln>
               <a:extLst>
                 <a:ext uri="{91240B29-F687-4f45-9708-019B960494DF}">
-                  <a14:hiddenLine xmlns:a14="http://schemas.microsoft.com/office/drawing/2010/main" xmlns="" w="9525">
+                  <a14:hiddenLine xmlns="" xmlns:a14="http://schemas.microsoft.com/office/drawing/2010/main" w="9525">
                     <a:solidFill>
                       <a:srgbClr val="000000"/>
                     </a:solidFill>
@@ -10705,7 +10711,7 @@
               </a:ln>
               <a:extLst>
                 <a:ext uri="{91240B29-F687-4f45-9708-019B960494DF}">
-                  <a14:hiddenLine xmlns:a14="http://schemas.microsoft.com/office/drawing/2010/main" xmlns="" w="9525">
+                  <a14:hiddenLine xmlns="" xmlns:a14="http://schemas.microsoft.com/office/drawing/2010/main" w="9525">
                     <a:solidFill>
                       <a:srgbClr val="000000"/>
                     </a:solidFill>
@@ -10795,7 +10801,7 @@
               </a:ln>
               <a:extLst>
                 <a:ext uri="{91240B29-F687-4f45-9708-019B960494DF}">
-                  <a14:hiddenLine xmlns:a14="http://schemas.microsoft.com/office/drawing/2010/main" xmlns="" w="9525">
+                  <a14:hiddenLine xmlns="" xmlns:a14="http://schemas.microsoft.com/office/drawing/2010/main" w="9525">
                     <a:solidFill>
                       <a:srgbClr val="000000"/>
                     </a:solidFill>
@@ -10885,7 +10891,7 @@
               </a:ln>
               <a:extLst>
                 <a:ext uri="{91240B29-F687-4f45-9708-019B960494DF}">
-                  <a14:hiddenLine xmlns:a14="http://schemas.microsoft.com/office/drawing/2010/main" xmlns="" w="9525">
+                  <a14:hiddenLine xmlns="" xmlns:a14="http://schemas.microsoft.com/office/drawing/2010/main" w="9525">
                     <a:solidFill>
                       <a:srgbClr val="000000"/>
                     </a:solidFill>
@@ -10950,7 +10956,7 @@
               </a:ln>
               <a:extLst>
                 <a:ext uri="{91240B29-F687-4f45-9708-019B960494DF}">
-                  <a14:hiddenLine xmlns:a14="http://schemas.microsoft.com/office/drawing/2010/main" xmlns="" w="9525">
+                  <a14:hiddenLine xmlns="" xmlns:a14="http://schemas.microsoft.com/office/drawing/2010/main" w="9525">
                     <a:solidFill>
                       <a:srgbClr val="000000"/>
                     </a:solidFill>
@@ -11070,7 +11076,7 @@
               </a:ln>
               <a:extLst>
                 <a:ext uri="{91240B29-F687-4f45-9708-019B960494DF}">
-                  <a14:hiddenLine xmlns:a14="http://schemas.microsoft.com/office/drawing/2010/main" xmlns="" w="9525">
+                  <a14:hiddenLine xmlns="" xmlns:a14="http://schemas.microsoft.com/office/drawing/2010/main" w="9525">
                     <a:solidFill>
                       <a:srgbClr val="000000"/>
                     </a:solidFill>
@@ -11168,7 +11174,7 @@
               </a:ln>
               <a:extLst>
                 <a:ext uri="{91240B29-F687-4f45-9708-019B960494DF}">
-                  <a14:hiddenLine xmlns:a14="http://schemas.microsoft.com/office/drawing/2010/main" xmlns="" w="9525">
+                  <a14:hiddenLine xmlns="" xmlns:a14="http://schemas.microsoft.com/office/drawing/2010/main" w="9525">
                     <a:solidFill>
                       <a:srgbClr val="000000"/>
                     </a:solidFill>
@@ -11283,7 +11289,7 @@
               </a:ln>
               <a:extLst>
                 <a:ext uri="{91240B29-F687-4f45-9708-019B960494DF}">
-                  <a14:hiddenLine xmlns:a14="http://schemas.microsoft.com/office/drawing/2010/main" xmlns="" w="9525">
+                  <a14:hiddenLine xmlns="" xmlns:a14="http://schemas.microsoft.com/office/drawing/2010/main" w="9525">
                     <a:solidFill>
                       <a:srgbClr val="000000"/>
                     </a:solidFill>
@@ -11373,7 +11379,7 @@
               </a:ln>
               <a:extLst>
                 <a:ext uri="{91240B29-F687-4f45-9708-019B960494DF}">
-                  <a14:hiddenLine xmlns:a14="http://schemas.microsoft.com/office/drawing/2010/main" xmlns="" w="9525">
+                  <a14:hiddenLine xmlns="" xmlns:a14="http://schemas.microsoft.com/office/drawing/2010/main" w="9525">
                     <a:solidFill>
                       <a:srgbClr val="000000"/>
                     </a:solidFill>
@@ -11438,7 +11444,7 @@
               </a:ln>
               <a:extLst>
                 <a:ext uri="{91240B29-F687-4f45-9708-019B960494DF}">
-                  <a14:hiddenLine xmlns:a14="http://schemas.microsoft.com/office/drawing/2010/main" xmlns="" w="9525">
+                  <a14:hiddenLine xmlns="" xmlns:a14="http://schemas.microsoft.com/office/drawing/2010/main" w="9525">
                     <a:solidFill>
                       <a:srgbClr val="000000"/>
                     </a:solidFill>
@@ -11528,7 +11534,7 @@
               </a:ln>
               <a:extLst>
                 <a:ext uri="{91240B29-F687-4f45-9708-019B960494DF}">
-                  <a14:hiddenLine xmlns:a14="http://schemas.microsoft.com/office/drawing/2010/main" xmlns="" w="9525">
+                  <a14:hiddenLine xmlns="" xmlns:a14="http://schemas.microsoft.com/office/drawing/2010/main" w="9525">
                     <a:solidFill>
                       <a:srgbClr val="000000"/>
                     </a:solidFill>
@@ -11596,7 +11602,7 @@
               </a:ln>
               <a:extLst>
                 <a:ext uri="{91240B29-F687-4f45-9708-019B960494DF}">
-                  <a14:hiddenLine xmlns:a14="http://schemas.microsoft.com/office/drawing/2010/main" xmlns="" w="9525">
+                  <a14:hiddenLine xmlns="" xmlns:a14="http://schemas.microsoft.com/office/drawing/2010/main" w="9525">
                     <a:solidFill>
                       <a:srgbClr val="000000"/>
                     </a:solidFill>
@@ -11686,7 +11692,7 @@
               </a:ln>
               <a:extLst>
                 <a:ext uri="{91240B29-F687-4f45-9708-019B960494DF}">
-                  <a14:hiddenLine xmlns:a14="http://schemas.microsoft.com/office/drawing/2010/main" xmlns="" w="9525">
+                  <a14:hiddenLine xmlns="" xmlns:a14="http://schemas.microsoft.com/office/drawing/2010/main" w="9525">
                     <a:solidFill>
                       <a:srgbClr val="000000"/>
                     </a:solidFill>
@@ -11754,7 +11760,7 @@
               </a:ln>
               <a:extLst>
                 <a:ext uri="{91240B29-F687-4f45-9708-019B960494DF}">
-                  <a14:hiddenLine xmlns:a14="http://schemas.microsoft.com/office/drawing/2010/main" xmlns="" w="9525">
+                  <a14:hiddenLine xmlns="" xmlns:a14="http://schemas.microsoft.com/office/drawing/2010/main" w="9525">
                     <a:solidFill>
                       <a:srgbClr val="000000"/>
                     </a:solidFill>
@@ -11844,7 +11850,7 @@
               </a:ln>
               <a:extLst>
                 <a:ext uri="{91240B29-F687-4f45-9708-019B960494DF}">
-                  <a14:hiddenLine xmlns:a14="http://schemas.microsoft.com/office/drawing/2010/main" xmlns="" w="9525">
+                  <a14:hiddenLine xmlns="" xmlns:a14="http://schemas.microsoft.com/office/drawing/2010/main" w="9525">
                     <a:solidFill>
                       <a:srgbClr val="000000"/>
                     </a:solidFill>
@@ -11878,7 +11884,7 @@
               </a:ln>
               <a:extLst>
                 <a:ext uri="{91240B29-F687-4f45-9708-019B960494DF}">
-                  <a14:hiddenLine xmlns:a14="http://schemas.microsoft.com/office/drawing/2010/main" xmlns="" w="9525">
+                  <a14:hiddenLine xmlns="" xmlns:a14="http://schemas.microsoft.com/office/drawing/2010/main" w="9525">
                     <a:solidFill>
                       <a:srgbClr val="000000"/>
                     </a:solidFill>
@@ -13856,6 +13862,10 @@
               <a:rPr lang="uk-UA" dirty="0"/>
               <a:t>Тому, що це було мені легше і зручніше</a:t>
             </a:r>
+            <a:r>
+              <a:rPr lang="en-US" dirty="0"/>
+              <a:t> </a:t>
+            </a:r>
             <a:endParaRPr lang="ru-RU" dirty="0"/>
           </a:p>
         </p:txBody>
@@ -13948,6 +13958,42 @@
           </a:p>
         </p:txBody>
       </p:sp>
+      <p:pic>
+        <p:nvPicPr>
+          <p:cNvPr id="4" name="Picture 3">
+            <a:extLst>
+              <a:ext uri="{FF2B5EF4-FFF2-40B4-BE49-F238E27FC236}">
+                <a16:creationId xmlns:a16="http://schemas.microsoft.com/office/drawing/2014/main" id="{696625F6-A8C3-4D26-B203-AD8EB5801401}"/>
+              </a:ext>
+            </a:extLst>
+          </p:cNvPr>
+          <p:cNvPicPr>
+            <a:picLocks noChangeAspect="1"/>
+          </p:cNvPicPr>
+          <p:nvPr/>
+        </p:nvPicPr>
+        <p:blipFill>
+          <a:blip r:embed="rId2">
+            <a:extLst>
+              <a:ext uri="{28A0092B-C50C-407E-A947-70E740481C1C}">
+                <a14:useLocalDpi xmlns:a14="http://schemas.microsoft.com/office/drawing/2010/main" val="0"/>
+              </a:ext>
+            </a:extLst>
+          </a:blip>
+          <a:stretch>
+            <a:fillRect/>
+          </a:stretch>
+        </p:blipFill>
+        <p:spPr>
+          <a:xfrm>
+            <a:off x="1371599" y="1316196"/>
+            <a:ext cx="7995963" cy="5020436"/>
+          </a:xfrm>
+          <a:prstGeom prst="rect">
+            <a:avLst/>
+          </a:prstGeom>
+        </p:spPr>
+      </p:pic>
     </p:spTree>
     <p:extLst>
       <p:ext uri="{BB962C8B-B14F-4D97-AF65-F5344CB8AC3E}">
@@ -13962,6 +14008,130 @@
 </file>
 
 <file path=ppt/slides/slide8.xml><?xml version="1.0" encoding="utf-8"?>
+<p:sld xmlns:a="http://schemas.openxmlformats.org/drawingml/2006/main" xmlns:r="http://schemas.openxmlformats.org/officeDocument/2006/relationships" xmlns:p="http://schemas.openxmlformats.org/presentationml/2006/main">
+  <p:cSld>
+    <p:spTree>
+      <p:nvGrpSpPr>
+        <p:cNvPr id="1" name=""/>
+        <p:cNvGrpSpPr/>
+        <p:nvPr/>
+      </p:nvGrpSpPr>
+      <p:grpSpPr>
+        <a:xfrm>
+          <a:off x="0" y="0"/>
+          <a:ext cx="0" cy="0"/>
+          <a:chOff x="0" y="0"/>
+          <a:chExt cx="0" cy="0"/>
+        </a:xfrm>
+      </p:grpSpPr>
+      <p:sp>
+        <p:nvSpPr>
+          <p:cNvPr id="3" name="TextBox 2">
+            <a:extLst>
+              <a:ext uri="{FF2B5EF4-FFF2-40B4-BE49-F238E27FC236}">
+                <a16:creationId xmlns:a16="http://schemas.microsoft.com/office/drawing/2014/main" id="{239FE6CD-7A1E-4F60-9019-C8C635E32CC5}"/>
+              </a:ext>
+            </a:extLst>
+          </p:cNvPr>
+          <p:cNvSpPr txBox="1"/>
+          <p:nvPr/>
+        </p:nvSpPr>
+        <p:spPr>
+          <a:xfrm flipH="1">
+            <a:off x="3313651" y="729842"/>
+            <a:ext cx="5276675" cy="523220"/>
+          </a:xfrm>
+          <a:prstGeom prst="rect">
+            <a:avLst/>
+          </a:prstGeom>
+          <a:noFill/>
+        </p:spPr>
+        <p:txBody>
+          <a:bodyPr wrap="square" rtlCol="0">
+            <a:spAutoFit/>
+          </a:bodyPr>
+          <a:lstStyle/>
+          <a:p>
+            <a:r>
+              <a:rPr lang="en-US" sz="2800" dirty="0">
+                <a:latin typeface="+mj-lt"/>
+              </a:rPr>
+              <a:t>USE CASE </a:t>
+            </a:r>
+            <a:r>
+              <a:rPr lang="ru-RU" sz="2800" dirty="0">
+                <a:latin typeface="+mj-lt"/>
+              </a:rPr>
+              <a:t>д</a:t>
+            </a:r>
+            <a:r>
+              <a:rPr lang="uk-UA" sz="2800" dirty="0" err="1">
+                <a:latin typeface="+mj-lt"/>
+              </a:rPr>
+              <a:t>іаграма</a:t>
+            </a:r>
+            <a:r>
+              <a:rPr lang="en-US" sz="2800" dirty="0">
+                <a:latin typeface="+mj-lt"/>
+              </a:rPr>
+              <a:t> </a:t>
+            </a:r>
+            <a:endParaRPr lang="ru-RU" sz="2800" dirty="0">
+              <a:latin typeface="+mj-lt"/>
+            </a:endParaRPr>
+          </a:p>
+        </p:txBody>
+      </p:sp>
+      <p:pic>
+        <p:nvPicPr>
+          <p:cNvPr id="4" name="Picture 3">
+            <a:extLst>
+              <a:ext uri="{FF2B5EF4-FFF2-40B4-BE49-F238E27FC236}">
+                <a16:creationId xmlns:a16="http://schemas.microsoft.com/office/drawing/2014/main" id="{097EF514-CB9A-48E0-87D0-3490A688E7B5}"/>
+              </a:ext>
+            </a:extLst>
+          </p:cNvPr>
+          <p:cNvPicPr>
+            <a:picLocks noChangeAspect="1"/>
+          </p:cNvPicPr>
+          <p:nvPr/>
+        </p:nvPicPr>
+        <p:blipFill>
+          <a:blip r:embed="rId2">
+            <a:extLst>
+              <a:ext uri="{28A0092B-C50C-407E-A947-70E740481C1C}">
+                <a14:useLocalDpi xmlns:a14="http://schemas.microsoft.com/office/drawing/2010/main" val="0"/>
+              </a:ext>
+            </a:extLst>
+          </a:blip>
+          <a:stretch>
+            <a:fillRect/>
+          </a:stretch>
+        </p:blipFill>
+        <p:spPr>
+          <a:xfrm>
+            <a:off x="1630323" y="1253061"/>
+            <a:ext cx="7722223" cy="5433283"/>
+          </a:xfrm>
+          <a:prstGeom prst="rect">
+            <a:avLst/>
+          </a:prstGeom>
+        </p:spPr>
+      </p:pic>
+    </p:spTree>
+    <p:extLst>
+      <p:ext uri="{BB962C8B-B14F-4D97-AF65-F5344CB8AC3E}">
+        <p14:creationId xmlns:p14="http://schemas.microsoft.com/office/powerpoint/2010/main" val="3675943108"/>
+      </p:ext>
+    </p:extLst>
+  </p:cSld>
+  <p:clrMapOvr>
+    <a:masterClrMapping/>
+  </p:clrMapOvr>
+</p:sld>
+</file>
+
+<file path=ppt/slides/slide9.xml><?xml version="1.0" encoding="utf-8"?>
 <p:sld xmlns:a="http://schemas.openxmlformats.org/drawingml/2006/main" xmlns:r="http://schemas.openxmlformats.org/officeDocument/2006/relationships" xmlns:p="http://schemas.openxmlformats.org/presentationml/2006/main">
   <p:cSld>
     <p:spTree>

--- a/WayDo_backend_ukr.pptx
+++ b/WayDo_backend_ukr.pptx
@@ -8,11 +8,11 @@
     <p:sldId id="256" r:id="rId2"/>
     <p:sldId id="257" r:id="rId3"/>
     <p:sldId id="258" r:id="rId4"/>
-    <p:sldId id="261" r:id="rId5"/>
-    <p:sldId id="260" r:id="rId6"/>
-    <p:sldId id="262" r:id="rId7"/>
-    <p:sldId id="263" r:id="rId8"/>
-    <p:sldId id="265" r:id="rId9"/>
+    <p:sldId id="267" r:id="rId5"/>
+    <p:sldId id="266" r:id="rId6"/>
+    <p:sldId id="268" r:id="rId7"/>
+    <p:sldId id="269" r:id="rId8"/>
+    <p:sldId id="270" r:id="rId9"/>
     <p:sldId id="264" r:id="rId10"/>
   </p:sldIdLst>
   <p:sldSz cx="12192000" cy="6858000"/>
@@ -120,6 +120,1235 @@
 </p:presentation>
 </file>
 
+<file path=ppt/charts/chart1.xml><?xml version="1.0" encoding="utf-8"?>
+<c:chartSpace xmlns:c="http://schemas.openxmlformats.org/drawingml/2006/chart" xmlns:a="http://schemas.openxmlformats.org/drawingml/2006/main" xmlns:r="http://schemas.openxmlformats.org/officeDocument/2006/relationships" xmlns:c16r2="http://schemas.microsoft.com/office/drawing/2015/06/chart">
+  <c:date1904 val="0"/>
+  <c:lang val="en-US"/>
+  <c:roundedCorners val="0"/>
+  <mc:AlternateContent xmlns:mc="http://schemas.openxmlformats.org/markup-compatibility/2006">
+    <mc:Choice xmlns:c14="http://schemas.microsoft.com/office/drawing/2007/8/2/chart" Requires="c14">
+      <c14:style val="102"/>
+    </mc:Choice>
+    <mc:Fallback>
+      <c:style val="2"/>
+    </mc:Fallback>
+  </mc:AlternateContent>
+  <c:chart>
+    <c:title>
+      <c:tx>
+        <c:rich>
+          <a:bodyPr rot="0" spcFirstLastPara="1" vertOverflow="ellipsis" vert="horz" wrap="square" anchor="ctr" anchorCtr="1"/>
+          <a:lstStyle/>
+          <a:p>
+            <a:pPr>
+              <a:defRPr sz="1600" b="1" i="0" u="none" strike="noStrike" kern="1200" spc="100" baseline="0">
+                <a:solidFill>
+                  <a:schemeClr val="lt1">
+                    <a:lumMod val="95000"/>
+                  </a:schemeClr>
+                </a:solidFill>
+                <a:effectLst>
+                  <a:outerShdw blurRad="50800" dist="38100" dir="5400000" algn="t" rotWithShape="0">
+                    <a:prstClr val="black">
+                      <a:alpha val="40000"/>
+                    </a:prstClr>
+                  </a:outerShdw>
+                </a:effectLst>
+                <a:latin typeface="+mn-lt"/>
+                <a:ea typeface="+mn-ea"/>
+                <a:cs typeface="+mn-cs"/>
+              </a:defRPr>
+            </a:pPr>
+            <a:r>
+              <a:rPr lang="en-US"/>
+              <a:t>DATA TRANSFER IN 30s</a:t>
+            </a:r>
+          </a:p>
+        </c:rich>
+      </c:tx>
+      <c:overlay val="0"/>
+      <c:spPr>
+        <a:noFill/>
+        <a:ln>
+          <a:noFill/>
+        </a:ln>
+        <a:effectLst/>
+      </c:spPr>
+      <c:txPr>
+        <a:bodyPr rot="0" spcFirstLastPara="1" vertOverflow="ellipsis" vert="horz" wrap="square" anchor="ctr" anchorCtr="1"/>
+        <a:lstStyle/>
+        <a:p>
+          <a:pPr>
+            <a:defRPr sz="1600" b="1" i="0" u="none" strike="noStrike" kern="1200" spc="100" baseline="0">
+              <a:solidFill>
+                <a:schemeClr val="lt1">
+                  <a:lumMod val="95000"/>
+                </a:schemeClr>
+              </a:solidFill>
+              <a:effectLst>
+                <a:outerShdw blurRad="50800" dist="38100" dir="5400000" algn="t" rotWithShape="0">
+                  <a:prstClr val="black">
+                    <a:alpha val="40000"/>
+                  </a:prstClr>
+                </a:outerShdw>
+              </a:effectLst>
+              <a:latin typeface="+mn-lt"/>
+              <a:ea typeface="+mn-ea"/>
+              <a:cs typeface="+mn-cs"/>
+            </a:defRPr>
+          </a:pPr>
+          <a:endParaRPr lang="ru-RU"/>
+        </a:p>
+      </c:txPr>
+    </c:title>
+    <c:autoTitleDeleted val="0"/>
+    <c:plotArea>
+      <c:layout/>
+      <c:barChart>
+        <c:barDir val="col"/>
+        <c:grouping val="clustered"/>
+        <c:varyColors val="0"/>
+        <c:ser>
+          <c:idx val="0"/>
+          <c:order val="0"/>
+          <c:tx>
+            <c:strRef>
+              <c:f>Sheet1!$A$6</c:f>
+              <c:strCache>
+                <c:ptCount val="1"/>
+                <c:pt idx="0">
+                  <c:v>Data_recieved, MB</c:v>
+                </c:pt>
+              </c:strCache>
+            </c:strRef>
+          </c:tx>
+          <c:spPr>
+            <a:gradFill rotWithShape="1">
+              <a:gsLst>
+                <a:gs pos="0">
+                  <a:schemeClr val="accent1">
+                    <a:satMod val="103000"/>
+                    <a:lumMod val="102000"/>
+                    <a:tint val="94000"/>
+                  </a:schemeClr>
+                </a:gs>
+                <a:gs pos="50000">
+                  <a:schemeClr val="accent1">
+                    <a:satMod val="110000"/>
+                    <a:lumMod val="100000"/>
+                    <a:shade val="100000"/>
+                  </a:schemeClr>
+                </a:gs>
+                <a:gs pos="100000">
+                  <a:schemeClr val="accent1">
+                    <a:lumMod val="99000"/>
+                    <a:satMod val="120000"/>
+                    <a:shade val="78000"/>
+                  </a:schemeClr>
+                </a:gs>
+              </a:gsLst>
+              <a:lin ang="5400000" scaled="0"/>
+            </a:gradFill>
+            <a:ln>
+              <a:noFill/>
+            </a:ln>
+            <a:effectLst>
+              <a:outerShdw blurRad="57150" dist="19050" dir="5400000" algn="ctr" rotWithShape="0">
+                <a:srgbClr val="000000">
+                  <a:alpha val="63000"/>
+                </a:srgbClr>
+              </a:outerShdw>
+            </a:effectLst>
+          </c:spPr>
+          <c:invertIfNegative val="0"/>
+          <c:cat>
+            <c:strRef>
+              <c:f>Sheet1!$B$5:$C$5</c:f>
+              <c:strCache>
+                <c:ptCount val="2"/>
+                <c:pt idx="0">
+                  <c:v>ASP.NET CORE 7</c:v>
+                </c:pt>
+                <c:pt idx="1">
+                  <c:v>SPRINGBOOT JAVA 18</c:v>
+                </c:pt>
+              </c:strCache>
+            </c:strRef>
+          </c:cat>
+          <c:val>
+            <c:numRef>
+              <c:f>Sheet1!$B$6:$C$6</c:f>
+              <c:numCache>
+                <c:formatCode>General</c:formatCode>
+                <c:ptCount val="2"/>
+                <c:pt idx="0">
+                  <c:v>845</c:v>
+                </c:pt>
+                <c:pt idx="1">
+                  <c:v>373</c:v>
+                </c:pt>
+              </c:numCache>
+            </c:numRef>
+          </c:val>
+          <c:extLst>
+            <c:ext xmlns:c16="http://schemas.microsoft.com/office/drawing/2014/chart" uri="{C3380CC4-5D6E-409C-BE32-E72D297353CC}">
+              <c16:uniqueId val="{00000000-49B8-4998-B799-CAEE71B4699C}"/>
+            </c:ext>
+          </c:extLst>
+        </c:ser>
+        <c:ser>
+          <c:idx val="1"/>
+          <c:order val="1"/>
+          <c:tx>
+            <c:strRef>
+              <c:f>Sheet1!$A$7</c:f>
+              <c:strCache>
+                <c:ptCount val="1"/>
+                <c:pt idx="0">
+                  <c:v>Data_sent, MB</c:v>
+                </c:pt>
+              </c:strCache>
+            </c:strRef>
+          </c:tx>
+          <c:spPr>
+            <a:gradFill rotWithShape="1">
+              <a:gsLst>
+                <a:gs pos="0">
+                  <a:schemeClr val="accent2">
+                    <a:satMod val="103000"/>
+                    <a:lumMod val="102000"/>
+                    <a:tint val="94000"/>
+                  </a:schemeClr>
+                </a:gs>
+                <a:gs pos="50000">
+                  <a:schemeClr val="accent2">
+                    <a:satMod val="110000"/>
+                    <a:lumMod val="100000"/>
+                    <a:shade val="100000"/>
+                  </a:schemeClr>
+                </a:gs>
+                <a:gs pos="100000">
+                  <a:schemeClr val="accent2">
+                    <a:lumMod val="99000"/>
+                    <a:satMod val="120000"/>
+                    <a:shade val="78000"/>
+                  </a:schemeClr>
+                </a:gs>
+              </a:gsLst>
+              <a:lin ang="5400000" scaled="0"/>
+            </a:gradFill>
+            <a:ln>
+              <a:noFill/>
+            </a:ln>
+            <a:effectLst>
+              <a:outerShdw blurRad="57150" dist="19050" dir="5400000" algn="ctr" rotWithShape="0">
+                <a:srgbClr val="000000">
+                  <a:alpha val="63000"/>
+                </a:srgbClr>
+              </a:outerShdw>
+            </a:effectLst>
+          </c:spPr>
+          <c:invertIfNegative val="0"/>
+          <c:cat>
+            <c:strRef>
+              <c:f>Sheet1!$B$5:$C$5</c:f>
+              <c:strCache>
+                <c:ptCount val="2"/>
+                <c:pt idx="0">
+                  <c:v>ASP.NET CORE 7</c:v>
+                </c:pt>
+                <c:pt idx="1">
+                  <c:v>SPRINGBOOT JAVA 18</c:v>
+                </c:pt>
+              </c:strCache>
+            </c:strRef>
+          </c:cat>
+          <c:val>
+            <c:numRef>
+              <c:f>Sheet1!$B$7:$C$7</c:f>
+              <c:numCache>
+                <c:formatCode>General</c:formatCode>
+                <c:ptCount val="2"/>
+                <c:pt idx="0">
+                  <c:v>743</c:v>
+                </c:pt>
+                <c:pt idx="1">
+                  <c:v>392</c:v>
+                </c:pt>
+              </c:numCache>
+            </c:numRef>
+          </c:val>
+          <c:extLst>
+            <c:ext xmlns:c16="http://schemas.microsoft.com/office/drawing/2014/chart" uri="{C3380CC4-5D6E-409C-BE32-E72D297353CC}">
+              <c16:uniqueId val="{00000001-49B8-4998-B799-CAEE71B4699C}"/>
+            </c:ext>
+          </c:extLst>
+        </c:ser>
+        <c:dLbls>
+          <c:showLegendKey val="0"/>
+          <c:showVal val="0"/>
+          <c:showCatName val="0"/>
+          <c:showSerName val="0"/>
+          <c:showPercent val="0"/>
+          <c:showBubbleSize val="0"/>
+        </c:dLbls>
+        <c:gapWidth val="150"/>
+        <c:axId val="1007994752"/>
+        <c:axId val="1008005568"/>
+      </c:barChart>
+      <c:barChart>
+        <c:barDir val="col"/>
+        <c:grouping val="clustered"/>
+        <c:varyColors val="0"/>
+        <c:ser>
+          <c:idx val="2"/>
+          <c:order val="2"/>
+          <c:tx>
+            <c:strRef>
+              <c:f>Sheet1!$A$8</c:f>
+              <c:strCache>
+                <c:ptCount val="1"/>
+                <c:pt idx="0">
+                  <c:v>Http_reqs</c:v>
+                </c:pt>
+              </c:strCache>
+            </c:strRef>
+          </c:tx>
+          <c:spPr>
+            <a:gradFill rotWithShape="1">
+              <a:gsLst>
+                <a:gs pos="0">
+                  <a:schemeClr val="accent3">
+                    <a:satMod val="103000"/>
+                    <a:lumMod val="102000"/>
+                    <a:tint val="94000"/>
+                  </a:schemeClr>
+                </a:gs>
+                <a:gs pos="50000">
+                  <a:schemeClr val="accent3">
+                    <a:satMod val="110000"/>
+                    <a:lumMod val="100000"/>
+                    <a:shade val="100000"/>
+                  </a:schemeClr>
+                </a:gs>
+                <a:gs pos="100000">
+                  <a:schemeClr val="accent3">
+                    <a:lumMod val="99000"/>
+                    <a:satMod val="120000"/>
+                    <a:shade val="78000"/>
+                  </a:schemeClr>
+                </a:gs>
+              </a:gsLst>
+              <a:lin ang="5400000" scaled="0"/>
+            </a:gradFill>
+            <a:ln>
+              <a:noFill/>
+            </a:ln>
+            <a:effectLst>
+              <a:outerShdw blurRad="57150" dist="19050" dir="5400000" algn="ctr" rotWithShape="0">
+                <a:srgbClr val="000000">
+                  <a:alpha val="63000"/>
+                </a:srgbClr>
+              </a:outerShdw>
+            </a:effectLst>
+          </c:spPr>
+          <c:invertIfNegative val="0"/>
+          <c:dPt>
+            <c:idx val="0"/>
+            <c:invertIfNegative val="0"/>
+            <c:bubble3D val="0"/>
+            <c:spPr>
+              <a:gradFill rotWithShape="1">
+                <a:gsLst>
+                  <a:gs pos="0">
+                    <a:schemeClr val="accent3">
+                      <a:satMod val="103000"/>
+                      <a:lumMod val="102000"/>
+                      <a:tint val="94000"/>
+                    </a:schemeClr>
+                  </a:gs>
+                  <a:gs pos="50000">
+                    <a:schemeClr val="accent3">
+                      <a:satMod val="110000"/>
+                      <a:lumMod val="100000"/>
+                      <a:shade val="100000"/>
+                    </a:schemeClr>
+                  </a:gs>
+                  <a:gs pos="100000">
+                    <a:schemeClr val="accent3">
+                      <a:lumMod val="99000"/>
+                      <a:satMod val="120000"/>
+                      <a:shade val="78000"/>
+                    </a:schemeClr>
+                  </a:gs>
+                </a:gsLst>
+                <a:lin ang="5400000" scaled="0"/>
+              </a:gradFill>
+              <a:ln>
+                <a:noFill/>
+              </a:ln>
+              <a:effectLst>
+                <a:outerShdw blurRad="57150" dist="19050" dir="5400000" algn="ctr" rotWithShape="0">
+                  <a:srgbClr val="000000">
+                    <a:alpha val="63000"/>
+                  </a:srgbClr>
+                </a:outerShdw>
+              </a:effectLst>
+            </c:spPr>
+            <c:extLst>
+              <c:ext xmlns:c16="http://schemas.microsoft.com/office/drawing/2014/chart" uri="{C3380CC4-5D6E-409C-BE32-E72D297353CC}">
+                <c16:uniqueId val="{00000003-49B8-4998-B799-CAEE71B4699C}"/>
+              </c:ext>
+            </c:extLst>
+          </c:dPt>
+          <c:dPt>
+            <c:idx val="1"/>
+            <c:invertIfNegative val="0"/>
+            <c:bubble3D val="0"/>
+            <c:extLst>
+              <c:ext xmlns:c16="http://schemas.microsoft.com/office/drawing/2014/chart" uri="{C3380CC4-5D6E-409C-BE32-E72D297353CC}">
+                <c16:uniqueId val="{00000004-49B8-4998-B799-CAEE71B4699C}"/>
+              </c:ext>
+            </c:extLst>
+          </c:dPt>
+          <c:cat>
+            <c:strRef>
+              <c:f>Sheet1!$B$5:$C$5</c:f>
+              <c:strCache>
+                <c:ptCount val="2"/>
+                <c:pt idx="0">
+                  <c:v>ASP.NET CORE 7</c:v>
+                </c:pt>
+                <c:pt idx="1">
+                  <c:v>SPRINGBOOT JAVA 18</c:v>
+                </c:pt>
+              </c:strCache>
+            </c:strRef>
+          </c:cat>
+          <c:val>
+            <c:numRef>
+              <c:f>Sheet1!$B$8:$C$8</c:f>
+              <c:numCache>
+                <c:formatCode>General</c:formatCode>
+                <c:ptCount val="2"/>
+                <c:pt idx="0">
+                  <c:v>4084163</c:v>
+                </c:pt>
+                <c:pt idx="1">
+                  <c:v>2152070</c:v>
+                </c:pt>
+              </c:numCache>
+            </c:numRef>
+          </c:val>
+          <c:extLst>
+            <c:ext xmlns:c16="http://schemas.microsoft.com/office/drawing/2014/chart" uri="{C3380CC4-5D6E-409C-BE32-E72D297353CC}">
+              <c16:uniqueId val="{00000005-49B8-4998-B799-CAEE71B4699C}"/>
+            </c:ext>
+          </c:extLst>
+        </c:ser>
+        <c:dLbls>
+          <c:showLegendKey val="0"/>
+          <c:showVal val="0"/>
+          <c:showCatName val="0"/>
+          <c:showSerName val="0"/>
+          <c:showPercent val="0"/>
+          <c:showBubbleSize val="0"/>
+        </c:dLbls>
+        <c:gapWidth val="325"/>
+        <c:axId val="1093060464"/>
+        <c:axId val="1093066288"/>
+      </c:barChart>
+      <c:catAx>
+        <c:axId val="1007994752"/>
+        <c:scaling>
+          <c:orientation val="minMax"/>
+        </c:scaling>
+        <c:delete val="0"/>
+        <c:axPos val="b"/>
+        <c:numFmt formatCode="General" sourceLinked="1"/>
+        <c:majorTickMark val="none"/>
+        <c:minorTickMark val="none"/>
+        <c:tickLblPos val="nextTo"/>
+        <c:spPr>
+          <a:noFill/>
+          <a:ln w="12700" cap="flat" cmpd="sng" algn="ctr">
+            <a:solidFill>
+              <a:schemeClr val="lt1">
+                <a:lumMod val="95000"/>
+                <a:alpha val="54000"/>
+              </a:schemeClr>
+            </a:solidFill>
+            <a:round/>
+          </a:ln>
+          <a:effectLst/>
+        </c:spPr>
+        <c:txPr>
+          <a:bodyPr rot="-60000000" spcFirstLastPara="1" vertOverflow="ellipsis" vert="horz" wrap="square" anchor="ctr" anchorCtr="1"/>
+          <a:lstStyle/>
+          <a:p>
+            <a:pPr>
+              <a:defRPr sz="900" b="0" i="0" u="none" strike="noStrike" kern="1200" baseline="0">
+                <a:solidFill>
+                  <a:schemeClr val="lt1">
+                    <a:lumMod val="85000"/>
+                  </a:schemeClr>
+                </a:solidFill>
+                <a:latin typeface="+mn-lt"/>
+                <a:ea typeface="+mn-ea"/>
+                <a:cs typeface="+mn-cs"/>
+              </a:defRPr>
+            </a:pPr>
+            <a:endParaRPr lang="ru-RU"/>
+          </a:p>
+        </c:txPr>
+        <c:crossAx val="1008005568"/>
+        <c:crosses val="autoZero"/>
+        <c:auto val="1"/>
+        <c:lblAlgn val="ctr"/>
+        <c:lblOffset val="100"/>
+        <c:noMultiLvlLbl val="0"/>
+      </c:catAx>
+      <c:valAx>
+        <c:axId val="1008005568"/>
+        <c:scaling>
+          <c:orientation val="minMax"/>
+        </c:scaling>
+        <c:delete val="0"/>
+        <c:axPos val="l"/>
+        <c:majorGridlines>
+          <c:spPr>
+            <a:ln w="9525" cap="flat" cmpd="sng" algn="ctr">
+              <a:solidFill>
+                <a:schemeClr val="lt1">
+                  <a:lumMod val="95000"/>
+                  <a:alpha val="10000"/>
+                </a:schemeClr>
+              </a:solidFill>
+              <a:round/>
+            </a:ln>
+            <a:effectLst/>
+          </c:spPr>
+        </c:majorGridlines>
+        <c:numFmt formatCode="General" sourceLinked="1"/>
+        <c:majorTickMark val="none"/>
+        <c:minorTickMark val="none"/>
+        <c:tickLblPos val="nextTo"/>
+        <c:spPr>
+          <a:noFill/>
+          <a:ln>
+            <a:noFill/>
+          </a:ln>
+          <a:effectLst/>
+        </c:spPr>
+        <c:txPr>
+          <a:bodyPr rot="-60000000" spcFirstLastPara="1" vertOverflow="ellipsis" vert="horz" wrap="square" anchor="ctr" anchorCtr="1"/>
+          <a:lstStyle/>
+          <a:p>
+            <a:pPr>
+              <a:defRPr sz="900" b="0" i="0" u="none" strike="noStrike" kern="1200" baseline="0">
+                <a:solidFill>
+                  <a:schemeClr val="lt1">
+                    <a:lumMod val="85000"/>
+                  </a:schemeClr>
+                </a:solidFill>
+                <a:latin typeface="+mn-lt"/>
+                <a:ea typeface="+mn-ea"/>
+                <a:cs typeface="+mn-cs"/>
+              </a:defRPr>
+            </a:pPr>
+            <a:endParaRPr lang="ru-RU"/>
+          </a:p>
+        </c:txPr>
+        <c:crossAx val="1007994752"/>
+        <c:crosses val="autoZero"/>
+        <c:crossBetween val="between"/>
+      </c:valAx>
+      <c:valAx>
+        <c:axId val="1093066288"/>
+        <c:scaling>
+          <c:orientation val="minMax"/>
+        </c:scaling>
+        <c:delete val="0"/>
+        <c:axPos val="r"/>
+        <c:numFmt formatCode="General" sourceLinked="1"/>
+        <c:majorTickMark val="out"/>
+        <c:minorTickMark val="none"/>
+        <c:tickLblPos val="nextTo"/>
+        <c:spPr>
+          <a:noFill/>
+          <a:ln>
+            <a:noFill/>
+          </a:ln>
+          <a:effectLst/>
+        </c:spPr>
+        <c:txPr>
+          <a:bodyPr rot="-60000000" spcFirstLastPara="1" vertOverflow="ellipsis" vert="horz" wrap="square" anchor="ctr" anchorCtr="1"/>
+          <a:lstStyle/>
+          <a:p>
+            <a:pPr>
+              <a:defRPr sz="900" b="0" i="0" u="none" strike="noStrike" kern="1200" baseline="0">
+                <a:solidFill>
+                  <a:schemeClr val="lt1">
+                    <a:lumMod val="85000"/>
+                  </a:schemeClr>
+                </a:solidFill>
+                <a:latin typeface="+mn-lt"/>
+                <a:ea typeface="+mn-ea"/>
+                <a:cs typeface="+mn-cs"/>
+              </a:defRPr>
+            </a:pPr>
+            <a:endParaRPr lang="ru-RU"/>
+          </a:p>
+        </c:txPr>
+        <c:crossAx val="1093060464"/>
+        <c:crosses val="max"/>
+        <c:crossBetween val="between"/>
+      </c:valAx>
+      <c:catAx>
+        <c:axId val="1093060464"/>
+        <c:scaling>
+          <c:orientation val="minMax"/>
+        </c:scaling>
+        <c:delete val="1"/>
+        <c:axPos val="b"/>
+        <c:numFmt formatCode="General" sourceLinked="1"/>
+        <c:majorTickMark val="out"/>
+        <c:minorTickMark val="none"/>
+        <c:tickLblPos val="nextTo"/>
+        <c:crossAx val="1093066288"/>
+        <c:crosses val="autoZero"/>
+        <c:auto val="1"/>
+        <c:lblAlgn val="ctr"/>
+        <c:lblOffset val="100"/>
+        <c:noMultiLvlLbl val="0"/>
+      </c:catAx>
+      <c:dTable>
+        <c:showHorzBorder val="1"/>
+        <c:showVertBorder val="1"/>
+        <c:showOutline val="1"/>
+        <c:showKeys val="1"/>
+        <c:spPr>
+          <a:noFill/>
+          <a:ln w="9525">
+            <a:solidFill>
+              <a:schemeClr val="lt1">
+                <a:lumMod val="95000"/>
+                <a:alpha val="54000"/>
+              </a:schemeClr>
+            </a:solidFill>
+          </a:ln>
+          <a:effectLst/>
+        </c:spPr>
+        <c:txPr>
+          <a:bodyPr rot="0" spcFirstLastPara="1" vertOverflow="ellipsis" vert="horz" wrap="square" anchor="ctr" anchorCtr="1"/>
+          <a:lstStyle/>
+          <a:p>
+            <a:pPr rtl="0">
+              <a:defRPr sz="900" b="0" i="0" u="none" strike="noStrike" kern="1200" baseline="0">
+                <a:solidFill>
+                  <a:schemeClr val="lt1">
+                    <a:lumMod val="85000"/>
+                  </a:schemeClr>
+                </a:solidFill>
+                <a:latin typeface="+mn-lt"/>
+                <a:ea typeface="+mn-ea"/>
+                <a:cs typeface="+mn-cs"/>
+              </a:defRPr>
+            </a:pPr>
+            <a:endParaRPr lang="ru-RU"/>
+          </a:p>
+        </c:txPr>
+      </c:dTable>
+      <c:spPr>
+        <a:noFill/>
+        <a:ln>
+          <a:noFill/>
+        </a:ln>
+        <a:effectLst/>
+      </c:spPr>
+    </c:plotArea>
+    <c:plotVisOnly val="1"/>
+    <c:dispBlanksAs val="gap"/>
+    <c:showDLblsOverMax val="0"/>
+  </c:chart>
+  <c:spPr>
+    <a:gradFill flip="none" rotWithShape="1">
+      <a:gsLst>
+        <a:gs pos="0">
+          <a:schemeClr val="dk1">
+            <a:lumMod val="65000"/>
+            <a:lumOff val="35000"/>
+          </a:schemeClr>
+        </a:gs>
+        <a:gs pos="100000">
+          <a:schemeClr val="dk1">
+            <a:lumMod val="85000"/>
+            <a:lumOff val="15000"/>
+          </a:schemeClr>
+        </a:gs>
+      </a:gsLst>
+      <a:path path="circle">
+        <a:fillToRect l="50000" t="50000" r="50000" b="50000"/>
+      </a:path>
+      <a:tileRect/>
+    </a:gradFill>
+    <a:ln>
+      <a:noFill/>
+    </a:ln>
+    <a:effectLst/>
+  </c:spPr>
+  <c:txPr>
+    <a:bodyPr/>
+    <a:lstStyle/>
+    <a:p>
+      <a:pPr>
+        <a:defRPr/>
+      </a:pPr>
+      <a:endParaRPr lang="ru-RU"/>
+    </a:p>
+  </c:txPr>
+  <c:externalData r:id="rId3">
+    <c:autoUpdate val="0"/>
+  </c:externalData>
+</c:chartSpace>
+</file>
+
+<file path=ppt/charts/colors1.xml><?xml version="1.0" encoding="utf-8"?>
+<cs:colorStyle xmlns:cs="http://schemas.microsoft.com/office/drawing/2012/chartStyle" xmlns:a="http://schemas.openxmlformats.org/drawingml/2006/main" meth="cycle" id="10">
+  <a:schemeClr val="accent1"/>
+  <a:schemeClr val="accent2"/>
+  <a:schemeClr val="accent3"/>
+  <a:schemeClr val="accent4"/>
+  <a:schemeClr val="accent5"/>
+  <a:schemeClr val="accent6"/>
+  <cs:variation/>
+  <cs:variation>
+    <a:lumMod val="60000"/>
+  </cs:variation>
+  <cs:variation>
+    <a:lumMod val="80000"/>
+    <a:lumOff val="20000"/>
+  </cs:variation>
+  <cs:variation>
+    <a:lumMod val="80000"/>
+  </cs:variation>
+  <cs:variation>
+    <a:lumMod val="60000"/>
+    <a:lumOff val="40000"/>
+  </cs:variation>
+  <cs:variation>
+    <a:lumMod val="50000"/>
+  </cs:variation>
+  <cs:variation>
+    <a:lumMod val="70000"/>
+    <a:lumOff val="30000"/>
+  </cs:variation>
+  <cs:variation>
+    <a:lumMod val="70000"/>
+  </cs:variation>
+  <cs:variation>
+    <a:lumMod val="50000"/>
+    <a:lumOff val="50000"/>
+  </cs:variation>
+</cs:colorStyle>
+</file>
+
+<file path=ppt/charts/style1.xml><?xml version="1.0" encoding="utf-8"?>
+<cs:chartStyle xmlns:cs="http://schemas.microsoft.com/office/drawing/2012/chartStyle" xmlns:a="http://schemas.openxmlformats.org/drawingml/2006/main" id="209">
+  <cs:axisTitle>
+    <cs:lnRef idx="0"/>
+    <cs:fillRef idx="0"/>
+    <cs:effectRef idx="0"/>
+    <cs:fontRef idx="minor">
+      <a:schemeClr val="lt1">
+        <a:lumMod val="85000"/>
+      </a:schemeClr>
+    </cs:fontRef>
+    <cs:defRPr sz="900" b="1" kern="1200" cap="all"/>
+  </cs:axisTitle>
+  <cs:categoryAxis>
+    <cs:lnRef idx="0"/>
+    <cs:fillRef idx="0"/>
+    <cs:effectRef idx="0"/>
+    <cs:fontRef idx="minor">
+      <a:schemeClr val="lt1">
+        <a:lumMod val="85000"/>
+      </a:schemeClr>
+    </cs:fontRef>
+    <cs:spPr>
+      <a:ln w="12700" cap="flat" cmpd="sng" algn="ctr">
+        <a:solidFill>
+          <a:schemeClr val="lt1">
+            <a:lumMod val="95000"/>
+            <a:alpha val="54000"/>
+          </a:schemeClr>
+        </a:solidFill>
+        <a:round/>
+      </a:ln>
+    </cs:spPr>
+    <cs:defRPr sz="900" kern="1200"/>
+  </cs:categoryAxis>
+  <cs:chartArea>
+    <cs:lnRef idx="0"/>
+    <cs:fillRef idx="0"/>
+    <cs:effectRef idx="0"/>
+    <cs:fontRef idx="minor">
+      <a:schemeClr val="dk1"/>
+    </cs:fontRef>
+    <cs:spPr>
+      <a:gradFill flip="none" rotWithShape="1">
+        <a:gsLst>
+          <a:gs pos="0">
+            <a:schemeClr val="dk1">
+              <a:lumMod val="65000"/>
+              <a:lumOff val="35000"/>
+            </a:schemeClr>
+          </a:gs>
+          <a:gs pos="100000">
+            <a:schemeClr val="dk1">
+              <a:lumMod val="85000"/>
+              <a:lumOff val="15000"/>
+            </a:schemeClr>
+          </a:gs>
+        </a:gsLst>
+        <a:path path="circle">
+          <a:fillToRect l="50000" t="50000" r="50000" b="50000"/>
+        </a:path>
+        <a:tileRect/>
+      </a:gradFill>
+    </cs:spPr>
+    <cs:defRPr sz="1000" kern="1200"/>
+  </cs:chartArea>
+  <cs:dataLabel>
+    <cs:lnRef idx="0"/>
+    <cs:fillRef idx="0"/>
+    <cs:effectRef idx="0"/>
+    <cs:fontRef idx="minor">
+      <a:schemeClr val="lt1">
+        <a:lumMod val="85000"/>
+      </a:schemeClr>
+    </cs:fontRef>
+    <cs:defRPr sz="900" kern="1200"/>
+  </cs:dataLabel>
+  <cs:dataLabelCallout>
+    <cs:lnRef idx="0"/>
+    <cs:fillRef idx="0"/>
+    <cs:effectRef idx="0"/>
+    <cs:fontRef idx="minor">
+      <a:schemeClr val="dk1">
+        <a:lumMod val="65000"/>
+        <a:lumOff val="35000"/>
+      </a:schemeClr>
+    </cs:fontRef>
+    <cs:spPr>
+      <a:solidFill>
+        <a:schemeClr val="lt1"/>
+      </a:solidFill>
+    </cs:spPr>
+    <cs:defRPr sz="900" kern="1200"/>
+    <cs:bodyPr rot="0" spcFirstLastPara="1" vertOverflow="clip" horzOverflow="clip" vert="horz" wrap="square" lIns="36576" tIns="18288" rIns="36576" bIns="18288" anchor="ctr" anchorCtr="1">
+      <a:spAutoFit/>
+    </cs:bodyPr>
+  </cs:dataLabelCallout>
+  <cs:dataPoint>
+    <cs:lnRef idx="0"/>
+    <cs:fillRef idx="3">
+      <cs:styleClr val="auto"/>
+    </cs:fillRef>
+    <cs:effectRef idx="3"/>
+    <cs:fontRef idx="minor">
+      <a:schemeClr val="lt1"/>
+    </cs:fontRef>
+  </cs:dataPoint>
+  <cs:dataPoint3D>
+    <cs:lnRef idx="0"/>
+    <cs:fillRef idx="3">
+      <cs:styleClr val="auto"/>
+    </cs:fillRef>
+    <cs:effectRef idx="3"/>
+    <cs:fontRef idx="minor">
+      <a:schemeClr val="lt1"/>
+    </cs:fontRef>
+  </cs:dataPoint3D>
+  <cs:dataPointLine>
+    <cs:lnRef idx="0">
+      <cs:styleClr val="auto"/>
+    </cs:lnRef>
+    <cs:fillRef idx="3"/>
+    <cs:effectRef idx="3"/>
+    <cs:fontRef idx="minor">
+      <a:schemeClr val="lt1"/>
+    </cs:fontRef>
+    <cs:spPr>
+      <a:ln w="34925" cap="rnd">
+        <a:solidFill>
+          <a:schemeClr val="phClr"/>
+        </a:solidFill>
+        <a:round/>
+      </a:ln>
+    </cs:spPr>
+  </cs:dataPointLine>
+  <cs:dataPointMarker>
+    <cs:lnRef idx="0">
+      <cs:styleClr val="auto"/>
+    </cs:lnRef>
+    <cs:fillRef idx="3">
+      <cs:styleClr val="auto"/>
+    </cs:fillRef>
+    <cs:effectRef idx="3"/>
+    <cs:fontRef idx="minor">
+      <a:schemeClr val="lt1"/>
+    </cs:fontRef>
+    <cs:spPr>
+      <a:ln w="9525">
+        <a:solidFill>
+          <a:schemeClr val="phClr"/>
+        </a:solidFill>
+        <a:round/>
+      </a:ln>
+    </cs:spPr>
+  </cs:dataPointMarker>
+  <cs:dataPointMarkerLayout symbol="circle" size="6"/>
+  <cs:dataPointWireframe>
+    <cs:lnRef idx="0">
+      <cs:styleClr val="auto"/>
+    </cs:lnRef>
+    <cs:fillRef idx="3"/>
+    <cs:effectRef idx="3"/>
+    <cs:fontRef idx="minor">
+      <a:schemeClr val="lt1"/>
+    </cs:fontRef>
+    <cs:spPr>
+      <a:ln w="9525" cap="rnd">
+        <a:solidFill>
+          <a:schemeClr val="phClr"/>
+        </a:solidFill>
+        <a:round/>
+      </a:ln>
+    </cs:spPr>
+  </cs:dataPointWireframe>
+  <cs:dataTable>
+    <cs:lnRef idx="0"/>
+    <cs:fillRef idx="0"/>
+    <cs:effectRef idx="0"/>
+    <cs:fontRef idx="minor">
+      <a:schemeClr val="lt1">
+        <a:lumMod val="85000"/>
+      </a:schemeClr>
+    </cs:fontRef>
+    <cs:spPr>
+      <a:ln w="9525">
+        <a:solidFill>
+          <a:schemeClr val="lt1">
+            <a:lumMod val="95000"/>
+            <a:alpha val="54000"/>
+          </a:schemeClr>
+        </a:solidFill>
+      </a:ln>
+    </cs:spPr>
+    <cs:defRPr sz="900" kern="1200"/>
+  </cs:dataTable>
+  <cs:downBar>
+    <cs:lnRef idx="0"/>
+    <cs:fillRef idx="0"/>
+    <cs:effectRef idx="0"/>
+    <cs:fontRef idx="minor">
+      <a:schemeClr val="lt1"/>
+    </cs:fontRef>
+    <cs:spPr>
+      <a:solidFill>
+        <a:schemeClr val="dk1">
+          <a:lumMod val="75000"/>
+          <a:lumOff val="25000"/>
+        </a:schemeClr>
+      </a:solidFill>
+      <a:ln w="9525">
+        <a:solidFill>
+          <a:schemeClr val="lt1">
+            <a:lumMod val="95000"/>
+            <a:alpha val="54000"/>
+          </a:schemeClr>
+        </a:solidFill>
+      </a:ln>
+    </cs:spPr>
+  </cs:downBar>
+  <cs:dropLine>
+    <cs:lnRef idx="0"/>
+    <cs:fillRef idx="0"/>
+    <cs:effectRef idx="0"/>
+    <cs:fontRef idx="minor">
+      <a:schemeClr val="lt1"/>
+    </cs:fontRef>
+    <cs:spPr>
+      <a:ln w="9525">
+        <a:solidFill>
+          <a:schemeClr val="lt1">
+            <a:lumMod val="95000"/>
+            <a:alpha val="54000"/>
+          </a:schemeClr>
+        </a:solidFill>
+        <a:prstDash val="dash"/>
+      </a:ln>
+    </cs:spPr>
+  </cs:dropLine>
+  <cs:errorBar>
+    <cs:lnRef idx="0"/>
+    <cs:fillRef idx="0"/>
+    <cs:effectRef idx="0"/>
+    <cs:fontRef idx="minor">
+      <a:schemeClr val="lt1"/>
+    </cs:fontRef>
+    <cs:spPr>
+      <a:ln w="9525" cap="flat" cmpd="sng" algn="ctr">
+        <a:solidFill>
+          <a:schemeClr val="lt1">
+            <a:lumMod val="95000"/>
+          </a:schemeClr>
+        </a:solidFill>
+        <a:round/>
+      </a:ln>
+    </cs:spPr>
+  </cs:errorBar>
+  <cs:floor>
+    <cs:lnRef idx="0"/>
+    <cs:fillRef idx="0"/>
+    <cs:effectRef idx="0"/>
+    <cs:fontRef idx="minor">
+      <a:schemeClr val="lt1"/>
+    </cs:fontRef>
+  </cs:floor>
+  <cs:gridlineMajor>
+    <cs:lnRef idx="0"/>
+    <cs:fillRef idx="0"/>
+    <cs:effectRef idx="0"/>
+    <cs:fontRef idx="minor">
+      <a:schemeClr val="lt1"/>
+    </cs:fontRef>
+    <cs:spPr>
+      <a:ln w="9525" cap="flat" cmpd="sng" algn="ctr">
+        <a:solidFill>
+          <a:schemeClr val="lt1">
+            <a:lumMod val="95000"/>
+            <a:alpha val="10000"/>
+          </a:schemeClr>
+        </a:solidFill>
+        <a:round/>
+      </a:ln>
+    </cs:spPr>
+  </cs:gridlineMajor>
+  <cs:gridlineMinor>
+    <cs:lnRef idx="0"/>
+    <cs:fillRef idx="0"/>
+    <cs:effectRef idx="0"/>
+    <cs:fontRef idx="minor">
+      <a:schemeClr val="lt1"/>
+    </cs:fontRef>
+    <cs:spPr>
+      <a:ln>
+        <a:solidFill>
+          <a:schemeClr val="lt1">
+            <a:lumMod val="95000"/>
+            <a:alpha val="5000"/>
+          </a:schemeClr>
+        </a:solidFill>
+      </a:ln>
+    </cs:spPr>
+  </cs:gridlineMinor>
+  <cs:hiLoLine>
+    <cs:lnRef idx="0"/>
+    <cs:fillRef idx="0"/>
+    <cs:effectRef idx="0"/>
+    <cs:fontRef idx="minor">
+      <a:schemeClr val="lt1"/>
+    </cs:fontRef>
+    <cs:spPr>
+      <a:ln w="9525">
+        <a:solidFill>
+          <a:schemeClr val="lt1">
+            <a:lumMod val="95000"/>
+            <a:alpha val="54000"/>
+          </a:schemeClr>
+        </a:solidFill>
+        <a:prstDash val="dash"/>
+      </a:ln>
+    </cs:spPr>
+  </cs:hiLoLine>
+  <cs:leaderLine>
+    <cs:lnRef idx="0"/>
+    <cs:fillRef idx="0"/>
+    <cs:effectRef idx="0"/>
+    <cs:fontRef idx="minor">
+      <a:schemeClr val="lt1"/>
+    </cs:fontRef>
+    <cs:spPr>
+      <a:ln w="9525">
+        <a:solidFill>
+          <a:schemeClr val="lt1">
+            <a:lumMod val="95000"/>
+            <a:alpha val="54000"/>
+          </a:schemeClr>
+        </a:solidFill>
+      </a:ln>
+    </cs:spPr>
+  </cs:leaderLine>
+  <cs:legend>
+    <cs:lnRef idx="0"/>
+    <cs:fillRef idx="0"/>
+    <cs:effectRef idx="0"/>
+    <cs:fontRef idx="minor">
+      <a:schemeClr val="lt1">
+        <a:lumMod val="85000"/>
+      </a:schemeClr>
+    </cs:fontRef>
+    <cs:defRPr sz="900" kern="1200"/>
+  </cs:legend>
+  <cs:plotArea>
+    <cs:lnRef idx="0"/>
+    <cs:fillRef idx="0"/>
+    <cs:effectRef idx="0"/>
+    <cs:fontRef idx="minor">
+      <a:schemeClr val="lt1"/>
+    </cs:fontRef>
+  </cs:plotArea>
+  <cs:plotArea3D>
+    <cs:lnRef idx="0"/>
+    <cs:fillRef idx="0"/>
+    <cs:effectRef idx="0"/>
+    <cs:fontRef idx="minor">
+      <a:schemeClr val="lt1"/>
+    </cs:fontRef>
+  </cs:plotArea3D>
+  <cs:seriesAxis>
+    <cs:lnRef idx="0"/>
+    <cs:fillRef idx="0"/>
+    <cs:effectRef idx="0"/>
+    <cs:fontRef idx="minor">
+      <a:schemeClr val="lt1">
+        <a:lumMod val="85000"/>
+      </a:schemeClr>
+    </cs:fontRef>
+    <cs:spPr>
+      <a:ln w="12700" cap="flat" cmpd="sng" algn="ctr">
+        <a:solidFill>
+          <a:schemeClr val="lt1">
+            <a:lumMod val="95000"/>
+            <a:alpha val="54000"/>
+          </a:schemeClr>
+        </a:solidFill>
+        <a:round/>
+      </a:ln>
+    </cs:spPr>
+    <cs:defRPr sz="900" kern="1200"/>
+  </cs:seriesAxis>
+  <cs:seriesLine>
+    <cs:lnRef idx="0"/>
+    <cs:fillRef idx="0"/>
+    <cs:effectRef idx="0"/>
+    <cs:fontRef idx="minor">
+      <a:schemeClr val="lt1"/>
+    </cs:fontRef>
+    <cs:spPr>
+      <a:ln w="9525" cap="flat" cmpd="sng" algn="ctr">
+        <a:solidFill>
+          <a:schemeClr val="lt1">
+            <a:lumMod val="95000"/>
+            <a:alpha val="54000"/>
+          </a:schemeClr>
+        </a:solidFill>
+        <a:round/>
+      </a:ln>
+    </cs:spPr>
+  </cs:seriesLine>
+  <cs:title>
+    <cs:lnRef idx="0"/>
+    <cs:fillRef idx="0"/>
+    <cs:effectRef idx="0"/>
+    <cs:fontRef idx="minor">
+      <a:schemeClr val="lt1">
+        <a:lumMod val="95000"/>
+      </a:schemeClr>
+    </cs:fontRef>
+    <cs:defRPr sz="1600" b="1" kern="1200" spc="100" baseline="0">
+      <a:effectLst>
+        <a:outerShdw blurRad="50800" dist="38100" dir="5400000" algn="t" rotWithShape="0">
+          <a:prstClr val="black">
+            <a:alpha val="40000"/>
+          </a:prstClr>
+        </a:outerShdw>
+      </a:effectLst>
+    </cs:defRPr>
+  </cs:title>
+  <cs:trendline>
+    <cs:lnRef idx="0">
+      <cs:styleClr val="auto"/>
+    </cs:lnRef>
+    <cs:fillRef idx="0"/>
+    <cs:effectRef idx="0"/>
+    <cs:fontRef idx="minor">
+      <a:schemeClr val="lt1"/>
+    </cs:fontRef>
+    <cs:spPr>
+      <a:ln w="19050" cap="rnd">
+        <a:solidFill>
+          <a:schemeClr val="phClr"/>
+        </a:solidFill>
+      </a:ln>
+    </cs:spPr>
+  </cs:trendline>
+  <cs:trendlineLabel>
+    <cs:lnRef idx="0"/>
+    <cs:fillRef idx="0"/>
+    <cs:effectRef idx="0"/>
+    <cs:fontRef idx="minor">
+      <a:schemeClr val="lt1">
+        <a:lumMod val="85000"/>
+      </a:schemeClr>
+    </cs:fontRef>
+    <cs:defRPr sz="900" kern="1200"/>
+  </cs:trendlineLabel>
+  <cs:upBar>
+    <cs:lnRef idx="0"/>
+    <cs:fillRef idx="0"/>
+    <cs:effectRef idx="0"/>
+    <cs:fontRef idx="minor">
+      <a:schemeClr val="lt1"/>
+    </cs:fontRef>
+    <cs:spPr>
+      <a:solidFill>
+        <a:schemeClr val="lt1"/>
+      </a:solidFill>
+      <a:ln w="9525">
+        <a:solidFill>
+          <a:schemeClr val="lt1">
+            <a:lumMod val="95000"/>
+            <a:alpha val="54000"/>
+          </a:schemeClr>
+        </a:solidFill>
+      </a:ln>
+    </cs:spPr>
+  </cs:upBar>
+  <cs:valueAxis>
+    <cs:lnRef idx="0"/>
+    <cs:fillRef idx="0"/>
+    <cs:effectRef idx="0"/>
+    <cs:fontRef idx="minor">
+      <a:schemeClr val="lt1">
+        <a:lumMod val="85000"/>
+      </a:schemeClr>
+    </cs:fontRef>
+    <cs:defRPr sz="900" kern="1200"/>
+  </cs:valueAxis>
+  <cs:wall>
+    <cs:lnRef idx="0"/>
+    <cs:fillRef idx="0"/>
+    <cs:effectRef idx="0"/>
+    <cs:fontRef idx="minor">
+      <a:schemeClr val="lt1"/>
+    </cs:fontRef>
+  </cs:wall>
+</cs:chartStyle>
+</file>
+
 <file path=ppt/slideLayouts/slideLayout1.xml><?xml version="1.0" encoding="utf-8"?>
 <p:sldLayout xmlns:a="http://schemas.openxmlformats.org/drawingml/2006/main" xmlns:r="http://schemas.openxmlformats.org/officeDocument/2006/relationships" xmlns:p="http://schemas.openxmlformats.org/presentationml/2006/main" showMasterSp="0" type="title" preserve="1">
   <p:cSld name="Титульный слайд">
@@ -170,7 +1399,7 @@
           <a:noFill/>
           <a:extLst>
             <a:ext uri="{909E8E84-426E-40dd-AFC4-6F175D3DCCD1}">
-              <a14:hiddenFill xmlns="" xmlns:a14="http://schemas.microsoft.com/office/drawing/2010/main">
+              <a14:hiddenFill xmlns:a14="http://schemas.microsoft.com/office/drawing/2010/main" xmlns="">
                 <a:solidFill>
                   <a:srgbClr val="FFFFFF"/>
                 </a:solidFill>
@@ -230,7 +1459,7 @@
             </a:ln>
             <a:extLst>
               <a:ext uri="{91240B29-F687-4f45-9708-019B960494DF}">
-                <a14:hiddenLine xmlns="" xmlns:a14="http://schemas.microsoft.com/office/drawing/2010/main" w="9525">
+                <a14:hiddenLine xmlns:a14="http://schemas.microsoft.com/office/drawing/2010/main" xmlns="" w="9525">
                   <a:solidFill>
                     <a:srgbClr val="000000"/>
                   </a:solidFill>
@@ -320,7 +1549,7 @@
             </a:ln>
             <a:extLst>
               <a:ext uri="{91240B29-F687-4f45-9708-019B960494DF}">
-                <a14:hiddenLine xmlns="" xmlns:a14="http://schemas.microsoft.com/office/drawing/2010/main" w="9525">
+                <a14:hiddenLine xmlns:a14="http://schemas.microsoft.com/office/drawing/2010/main" xmlns="" w="9525">
                   <a:solidFill>
                     <a:srgbClr val="000000"/>
                   </a:solidFill>
@@ -410,7 +1639,7 @@
             </a:ln>
             <a:extLst>
               <a:ext uri="{91240B29-F687-4f45-9708-019B960494DF}">
-                <a14:hiddenLine xmlns="" xmlns:a14="http://schemas.microsoft.com/office/drawing/2010/main" w="9525">
+                <a14:hiddenLine xmlns:a14="http://schemas.microsoft.com/office/drawing/2010/main" xmlns="" w="9525">
                   <a:solidFill>
                     <a:srgbClr val="000000"/>
                   </a:solidFill>
@@ -444,7 +1673,7 @@
             </a:ln>
             <a:extLst>
               <a:ext uri="{91240B29-F687-4f45-9708-019B960494DF}">
-                <a14:hiddenLine xmlns="" xmlns:a14="http://schemas.microsoft.com/office/drawing/2010/main" w="9525">
+                <a14:hiddenLine xmlns:a14="http://schemas.microsoft.com/office/drawing/2010/main" xmlns="" w="9525">
                   <a:solidFill>
                     <a:srgbClr val="000000"/>
                   </a:solidFill>
@@ -534,7 +1763,7 @@
             </a:ln>
             <a:extLst>
               <a:ext uri="{91240B29-F687-4f45-9708-019B960494DF}">
-                <a14:hiddenLine xmlns="" xmlns:a14="http://schemas.microsoft.com/office/drawing/2010/main" w="9525">
+                <a14:hiddenLine xmlns:a14="http://schemas.microsoft.com/office/drawing/2010/main" xmlns="" w="9525">
                   <a:solidFill>
                     <a:srgbClr val="000000"/>
                   </a:solidFill>
@@ -596,7 +1825,7 @@
             </a:ln>
             <a:extLst>
               <a:ext uri="{91240B29-F687-4f45-9708-019B960494DF}">
-                <a14:hiddenLine xmlns="" xmlns:a14="http://schemas.microsoft.com/office/drawing/2010/main" w="9525">
+                <a14:hiddenLine xmlns:a14="http://schemas.microsoft.com/office/drawing/2010/main" xmlns="" w="9525">
                   <a:solidFill>
                     <a:srgbClr val="000000"/>
                   </a:solidFill>
@@ -658,7 +1887,7 @@
             </a:ln>
             <a:extLst>
               <a:ext uri="{91240B29-F687-4f45-9708-019B960494DF}">
-                <a14:hiddenLine xmlns="" xmlns:a14="http://schemas.microsoft.com/office/drawing/2010/main" w="9525">
+                <a14:hiddenLine xmlns:a14="http://schemas.microsoft.com/office/drawing/2010/main" xmlns="" w="9525">
                   <a:solidFill>
                     <a:srgbClr val="000000"/>
                   </a:solidFill>
@@ -748,7 +1977,7 @@
             </a:ln>
             <a:extLst>
               <a:ext uri="{91240B29-F687-4f45-9708-019B960494DF}">
-                <a14:hiddenLine xmlns="" xmlns:a14="http://schemas.microsoft.com/office/drawing/2010/main" w="9525">
+                <a14:hiddenLine xmlns:a14="http://schemas.microsoft.com/office/drawing/2010/main" xmlns="" w="9525">
                   <a:solidFill>
                     <a:srgbClr val="000000"/>
                   </a:solidFill>
@@ -810,7 +2039,7 @@
             </a:ln>
             <a:extLst>
               <a:ext uri="{91240B29-F687-4f45-9708-019B960494DF}">
-                <a14:hiddenLine xmlns="" xmlns:a14="http://schemas.microsoft.com/office/drawing/2010/main" w="9525">
+                <a14:hiddenLine xmlns:a14="http://schemas.microsoft.com/office/drawing/2010/main" xmlns="" w="9525">
                   <a:solidFill>
                     <a:srgbClr val="000000"/>
                   </a:solidFill>
@@ -872,7 +2101,7 @@
             </a:ln>
             <a:extLst>
               <a:ext uri="{91240B29-F687-4f45-9708-019B960494DF}">
-                <a14:hiddenLine xmlns="" xmlns:a14="http://schemas.microsoft.com/office/drawing/2010/main" w="9525">
+                <a14:hiddenLine xmlns:a14="http://schemas.microsoft.com/office/drawing/2010/main" xmlns="" w="9525">
                   <a:solidFill>
                     <a:srgbClr val="000000"/>
                   </a:solidFill>
@@ -962,7 +2191,7 @@
             </a:ln>
             <a:extLst>
               <a:ext uri="{91240B29-F687-4f45-9708-019B960494DF}">
-                <a14:hiddenLine xmlns="" xmlns:a14="http://schemas.microsoft.com/office/drawing/2010/main" w="9525">
+                <a14:hiddenLine xmlns:a14="http://schemas.microsoft.com/office/drawing/2010/main" xmlns="" w="9525">
                   <a:solidFill>
                     <a:srgbClr val="000000"/>
                   </a:solidFill>
@@ -1052,7 +2281,7 @@
             </a:ln>
             <a:extLst>
               <a:ext uri="{91240B29-F687-4f45-9708-019B960494DF}">
-                <a14:hiddenLine xmlns="" xmlns:a14="http://schemas.microsoft.com/office/drawing/2010/main" w="9525">
+                <a14:hiddenLine xmlns:a14="http://schemas.microsoft.com/office/drawing/2010/main" xmlns="" w="9525">
                   <a:solidFill>
                     <a:srgbClr val="000000"/>
                   </a:solidFill>
@@ -1114,7 +2343,7 @@
             </a:ln>
             <a:extLst>
               <a:ext uri="{91240B29-F687-4f45-9708-019B960494DF}">
-                <a14:hiddenLine xmlns="" xmlns:a14="http://schemas.microsoft.com/office/drawing/2010/main" w="9525">
+                <a14:hiddenLine xmlns:a14="http://schemas.microsoft.com/office/drawing/2010/main" xmlns="" w="9525">
                   <a:solidFill>
                     <a:srgbClr val="000000"/>
                   </a:solidFill>
@@ -1224,7 +2453,7 @@
             </a:ln>
             <a:extLst>
               <a:ext uri="{91240B29-F687-4f45-9708-019B960494DF}">
-                <a14:hiddenLine xmlns="" xmlns:a14="http://schemas.microsoft.com/office/drawing/2010/main" w="9525">
+                <a14:hiddenLine xmlns:a14="http://schemas.microsoft.com/office/drawing/2010/main" xmlns="" w="9525">
                   <a:solidFill>
                     <a:srgbClr val="000000"/>
                   </a:solidFill>
@@ -1286,7 +2515,7 @@
             </a:ln>
             <a:extLst>
               <a:ext uri="{91240B29-F687-4f45-9708-019B960494DF}">
-                <a14:hiddenLine xmlns="" xmlns:a14="http://schemas.microsoft.com/office/drawing/2010/main" w="9525">
+                <a14:hiddenLine xmlns:a14="http://schemas.microsoft.com/office/drawing/2010/main" xmlns="" w="9525">
                   <a:solidFill>
                     <a:srgbClr val="000000"/>
                   </a:solidFill>
@@ -1376,7 +2605,7 @@
             </a:ln>
             <a:extLst>
               <a:ext uri="{91240B29-F687-4f45-9708-019B960494DF}">
-                <a14:hiddenLine xmlns="" xmlns:a14="http://schemas.microsoft.com/office/drawing/2010/main" w="9525">
+                <a14:hiddenLine xmlns:a14="http://schemas.microsoft.com/office/drawing/2010/main" xmlns="" w="9525">
                   <a:solidFill>
                     <a:srgbClr val="000000"/>
                   </a:solidFill>
@@ -1466,7 +2695,7 @@
             </a:ln>
             <a:extLst>
               <a:ext uri="{91240B29-F687-4f45-9708-019B960494DF}">
-                <a14:hiddenLine xmlns="" xmlns:a14="http://schemas.microsoft.com/office/drawing/2010/main" w="9525">
+                <a14:hiddenLine xmlns:a14="http://schemas.microsoft.com/office/drawing/2010/main" xmlns="" w="9525">
                   <a:solidFill>
                     <a:srgbClr val="000000"/>
                   </a:solidFill>
@@ -1528,7 +2757,7 @@
             </a:ln>
             <a:extLst>
               <a:ext uri="{91240B29-F687-4f45-9708-019B960494DF}">
-                <a14:hiddenLine xmlns="" xmlns:a14="http://schemas.microsoft.com/office/drawing/2010/main" w="9525">
+                <a14:hiddenLine xmlns:a14="http://schemas.microsoft.com/office/drawing/2010/main" xmlns="" w="9525">
                   <a:solidFill>
                     <a:srgbClr val="000000"/>
                   </a:solidFill>
@@ -1618,7 +2847,7 @@
             </a:ln>
             <a:extLst>
               <a:ext uri="{91240B29-F687-4f45-9708-019B960494DF}">
-                <a14:hiddenLine xmlns="" xmlns:a14="http://schemas.microsoft.com/office/drawing/2010/main" w="9525">
+                <a14:hiddenLine xmlns:a14="http://schemas.microsoft.com/office/drawing/2010/main" xmlns="" w="9525">
                   <a:solidFill>
                     <a:srgbClr val="000000"/>
                   </a:solidFill>
@@ -1708,7 +2937,7 @@
             </a:ln>
             <a:extLst>
               <a:ext uri="{91240B29-F687-4f45-9708-019B960494DF}">
-                <a14:hiddenLine xmlns="" xmlns:a14="http://schemas.microsoft.com/office/drawing/2010/main" w="9525">
+                <a14:hiddenLine xmlns:a14="http://schemas.microsoft.com/office/drawing/2010/main" xmlns="" w="9525">
                   <a:solidFill>
                     <a:srgbClr val="000000"/>
                   </a:solidFill>
@@ -1764,7 +2993,7 @@
             </a:ln>
             <a:extLst>
               <a:ext uri="{91240B29-F687-4f45-9708-019B960494DF}">
-                <a14:hiddenLine xmlns="" xmlns:a14="http://schemas.microsoft.com/office/drawing/2010/main" w="9525">
+                <a14:hiddenLine xmlns:a14="http://schemas.microsoft.com/office/drawing/2010/main" xmlns="" w="9525">
                   <a:solidFill>
                     <a:srgbClr val="000000"/>
                   </a:solidFill>
@@ -1854,7 +3083,7 @@
             </a:ln>
             <a:extLst>
               <a:ext uri="{91240B29-F687-4f45-9708-019B960494DF}">
-                <a14:hiddenLine xmlns="" xmlns:a14="http://schemas.microsoft.com/office/drawing/2010/main" w="9525">
+                <a14:hiddenLine xmlns:a14="http://schemas.microsoft.com/office/drawing/2010/main" xmlns="" w="9525">
                   <a:solidFill>
                     <a:srgbClr val="000000"/>
                   </a:solidFill>
@@ -1910,7 +3139,7 @@
             </a:ln>
             <a:extLst>
               <a:ext uri="{91240B29-F687-4f45-9708-019B960494DF}">
-                <a14:hiddenLine xmlns="" xmlns:a14="http://schemas.microsoft.com/office/drawing/2010/main" w="9525">
+                <a14:hiddenLine xmlns:a14="http://schemas.microsoft.com/office/drawing/2010/main" xmlns="" w="9525">
                   <a:solidFill>
                     <a:srgbClr val="000000"/>
                   </a:solidFill>
@@ -2000,7 +3229,7 @@
             </a:ln>
             <a:extLst>
               <a:ext uri="{91240B29-F687-4f45-9708-019B960494DF}">
-                <a14:hiddenLine xmlns="" xmlns:a14="http://schemas.microsoft.com/office/drawing/2010/main" w="9525">
+                <a14:hiddenLine xmlns:a14="http://schemas.microsoft.com/office/drawing/2010/main" xmlns="" w="9525">
                   <a:solidFill>
                     <a:srgbClr val="000000"/>
                   </a:solidFill>
@@ -2068,7 +3297,7 @@
             </a:ln>
             <a:extLst>
               <a:ext uri="{91240B29-F687-4f45-9708-019B960494DF}">
-                <a14:hiddenLine xmlns="" xmlns:a14="http://schemas.microsoft.com/office/drawing/2010/main" w="9525">
+                <a14:hiddenLine xmlns:a14="http://schemas.microsoft.com/office/drawing/2010/main" xmlns="" w="9525">
                   <a:solidFill>
                     <a:srgbClr val="000000"/>
                   </a:solidFill>
@@ -2158,7 +3387,7 @@
             </a:ln>
             <a:extLst>
               <a:ext uri="{91240B29-F687-4f45-9708-019B960494DF}">
-                <a14:hiddenLine xmlns="" xmlns:a14="http://schemas.microsoft.com/office/drawing/2010/main" w="9525">
+                <a14:hiddenLine xmlns:a14="http://schemas.microsoft.com/office/drawing/2010/main" xmlns="" w="9525">
                   <a:solidFill>
                     <a:srgbClr val="000000"/>
                   </a:solidFill>
@@ -2226,7 +3455,7 @@
             </a:ln>
             <a:extLst>
               <a:ext uri="{91240B29-F687-4f45-9708-019B960494DF}">
-                <a14:hiddenLine xmlns="" xmlns:a14="http://schemas.microsoft.com/office/drawing/2010/main" w="9525">
+                <a14:hiddenLine xmlns:a14="http://schemas.microsoft.com/office/drawing/2010/main" xmlns="" w="9525">
                   <a:solidFill>
                     <a:srgbClr val="000000"/>
                   </a:solidFill>
@@ -2316,7 +3545,7 @@
             </a:ln>
             <a:extLst>
               <a:ext uri="{91240B29-F687-4f45-9708-019B960494DF}">
-                <a14:hiddenLine xmlns="" xmlns:a14="http://schemas.microsoft.com/office/drawing/2010/main" w="9525">
+                <a14:hiddenLine xmlns:a14="http://schemas.microsoft.com/office/drawing/2010/main" xmlns="" w="9525">
                   <a:solidFill>
                     <a:srgbClr val="000000"/>
                   </a:solidFill>
@@ -2350,7 +3579,7 @@
             </a:ln>
             <a:extLst>
               <a:ext uri="{91240B29-F687-4f45-9708-019B960494DF}">
-                <a14:hiddenLine xmlns="" xmlns:a14="http://schemas.microsoft.com/office/drawing/2010/main" w="9525">
+                <a14:hiddenLine xmlns:a14="http://schemas.microsoft.com/office/drawing/2010/main" xmlns="" w="9525">
                   <a:solidFill>
                     <a:srgbClr val="000000"/>
                   </a:solidFill>
@@ -2440,7 +3669,7 @@
             </a:ln>
             <a:extLst>
               <a:ext uri="{91240B29-F687-4f45-9708-019B960494DF}">
-                <a14:hiddenLine xmlns="" xmlns:a14="http://schemas.microsoft.com/office/drawing/2010/main" w="9525">
+                <a14:hiddenLine xmlns:a14="http://schemas.microsoft.com/office/drawing/2010/main" xmlns="" w="9525">
                   <a:solidFill>
                     <a:srgbClr val="000000"/>
                   </a:solidFill>
@@ -2502,7 +3731,7 @@
             </a:ln>
             <a:extLst>
               <a:ext uri="{91240B29-F687-4f45-9708-019B960494DF}">
-                <a14:hiddenLine xmlns="" xmlns:a14="http://schemas.microsoft.com/office/drawing/2010/main" w="9525">
+                <a14:hiddenLine xmlns:a14="http://schemas.microsoft.com/office/drawing/2010/main" xmlns="" w="9525">
                   <a:solidFill>
                     <a:srgbClr val="000000"/>
                   </a:solidFill>
@@ -2564,7 +3793,7 @@
             </a:ln>
             <a:extLst>
               <a:ext uri="{91240B29-F687-4f45-9708-019B960494DF}">
-                <a14:hiddenLine xmlns="" xmlns:a14="http://schemas.microsoft.com/office/drawing/2010/main" w="9525">
+                <a14:hiddenLine xmlns:a14="http://schemas.microsoft.com/office/drawing/2010/main" xmlns="" w="9525">
                   <a:solidFill>
                     <a:srgbClr val="000000"/>
                   </a:solidFill>
@@ -2654,7 +3883,7 @@
             </a:ln>
             <a:extLst>
               <a:ext uri="{91240B29-F687-4f45-9708-019B960494DF}">
-                <a14:hiddenLine xmlns="" xmlns:a14="http://schemas.microsoft.com/office/drawing/2010/main" w="9525">
+                <a14:hiddenLine xmlns:a14="http://schemas.microsoft.com/office/drawing/2010/main" xmlns="" w="9525">
                   <a:solidFill>
                     <a:srgbClr val="000000"/>
                   </a:solidFill>
@@ -2722,7 +3951,7 @@
             </a:ln>
             <a:extLst>
               <a:ext uri="{91240B29-F687-4f45-9708-019B960494DF}">
-                <a14:hiddenLine xmlns="" xmlns:a14="http://schemas.microsoft.com/office/drawing/2010/main" w="9525">
+                <a14:hiddenLine xmlns:a14="http://schemas.microsoft.com/office/drawing/2010/main" xmlns="" w="9525">
                   <a:solidFill>
                     <a:srgbClr val="000000"/>
                   </a:solidFill>
@@ -2784,7 +4013,7 @@
             </a:ln>
             <a:extLst>
               <a:ext uri="{91240B29-F687-4f45-9708-019B960494DF}">
-                <a14:hiddenLine xmlns="" xmlns:a14="http://schemas.microsoft.com/office/drawing/2010/main" w="9525">
+                <a14:hiddenLine xmlns:a14="http://schemas.microsoft.com/office/drawing/2010/main" xmlns="" w="9525">
                   <a:solidFill>
                     <a:srgbClr val="000000"/>
                   </a:solidFill>
@@ -2874,7 +4103,7 @@
             </a:ln>
             <a:extLst>
               <a:ext uri="{91240B29-F687-4f45-9708-019B960494DF}">
-                <a14:hiddenLine xmlns="" xmlns:a14="http://schemas.microsoft.com/office/drawing/2010/main" w="9525">
+                <a14:hiddenLine xmlns:a14="http://schemas.microsoft.com/office/drawing/2010/main" xmlns="" w="9525">
                   <a:solidFill>
                     <a:srgbClr val="000000"/>
                   </a:solidFill>
@@ -2936,7 +4165,7 @@
             </a:ln>
             <a:extLst>
               <a:ext uri="{91240B29-F687-4f45-9708-019B960494DF}">
-                <a14:hiddenLine xmlns="" xmlns:a14="http://schemas.microsoft.com/office/drawing/2010/main" w="9525">
+                <a14:hiddenLine xmlns:a14="http://schemas.microsoft.com/office/drawing/2010/main" xmlns="" w="9525">
                   <a:solidFill>
                     <a:srgbClr val="000000"/>
                   </a:solidFill>
@@ -3026,7 +4255,7 @@
             </a:ln>
             <a:extLst>
               <a:ext uri="{91240B29-F687-4f45-9708-019B960494DF}">
-                <a14:hiddenLine xmlns="" xmlns:a14="http://schemas.microsoft.com/office/drawing/2010/main" w="9525">
+                <a14:hiddenLine xmlns:a14="http://schemas.microsoft.com/office/drawing/2010/main" xmlns="" w="9525">
                   <a:solidFill>
                     <a:srgbClr val="000000"/>
                   </a:solidFill>
@@ -3088,7 +4317,7 @@
             </a:ln>
             <a:extLst>
               <a:ext uri="{91240B29-F687-4f45-9708-019B960494DF}">
-                <a14:hiddenLine xmlns="" xmlns:a14="http://schemas.microsoft.com/office/drawing/2010/main" w="9525">
+                <a14:hiddenLine xmlns:a14="http://schemas.microsoft.com/office/drawing/2010/main" xmlns="" w="9525">
                   <a:solidFill>
                     <a:srgbClr val="000000"/>
                   </a:solidFill>
@@ -3178,7 +4407,7 @@
             </a:ln>
             <a:extLst>
               <a:ext uri="{91240B29-F687-4f45-9708-019B960494DF}">
-                <a14:hiddenLine xmlns="" xmlns:a14="http://schemas.microsoft.com/office/drawing/2010/main" w="9525">
+                <a14:hiddenLine xmlns:a14="http://schemas.microsoft.com/office/drawing/2010/main" xmlns="" w="9525">
                   <a:solidFill>
                     <a:srgbClr val="000000"/>
                   </a:solidFill>
@@ -3212,7 +4441,7 @@
             </a:ln>
             <a:extLst>
               <a:ext uri="{91240B29-F687-4f45-9708-019B960494DF}">
-                <a14:hiddenLine xmlns="" xmlns:a14="http://schemas.microsoft.com/office/drawing/2010/main" w="9525">
+                <a14:hiddenLine xmlns:a14="http://schemas.microsoft.com/office/drawing/2010/main" xmlns="" w="9525">
                   <a:solidFill>
                     <a:srgbClr val="000000"/>
                   </a:solidFill>
@@ -3277,7 +4506,7 @@
             </a:ln>
             <a:extLst>
               <a:ext uri="{91240B29-F687-4f45-9708-019B960494DF}">
-                <a14:hiddenLine xmlns="" xmlns:a14="http://schemas.microsoft.com/office/drawing/2010/main" w="9525">
+                <a14:hiddenLine xmlns:a14="http://schemas.microsoft.com/office/drawing/2010/main" xmlns="" w="9525">
                   <a:solidFill>
                     <a:srgbClr val="000000"/>
                   </a:solidFill>
@@ -3367,7 +4596,7 @@
             </a:ln>
             <a:extLst>
               <a:ext uri="{91240B29-F687-4f45-9708-019B960494DF}">
-                <a14:hiddenLine xmlns="" xmlns:a14="http://schemas.microsoft.com/office/drawing/2010/main" w="9525">
+                <a14:hiddenLine xmlns:a14="http://schemas.microsoft.com/office/drawing/2010/main" xmlns="" w="9525">
                   <a:solidFill>
                     <a:srgbClr val="000000"/>
                   </a:solidFill>
@@ -3429,7 +4658,7 @@
             </a:ln>
             <a:extLst>
               <a:ext uri="{91240B29-F687-4f45-9708-019B960494DF}">
-                <a14:hiddenLine xmlns="" xmlns:a14="http://schemas.microsoft.com/office/drawing/2010/main" w="9525">
+                <a14:hiddenLine xmlns:a14="http://schemas.microsoft.com/office/drawing/2010/main" xmlns="" w="9525">
                   <a:solidFill>
                     <a:srgbClr val="000000"/>
                   </a:solidFill>
@@ -3519,7 +4748,7 @@
             </a:ln>
             <a:extLst>
               <a:ext uri="{91240B29-F687-4f45-9708-019B960494DF}">
-                <a14:hiddenLine xmlns="" xmlns:a14="http://schemas.microsoft.com/office/drawing/2010/main" w="9525">
+                <a14:hiddenLine xmlns:a14="http://schemas.microsoft.com/office/drawing/2010/main" xmlns="" w="9525">
                   <a:solidFill>
                     <a:srgbClr val="000000"/>
                   </a:solidFill>
@@ -3609,7 +4838,7 @@
             </a:ln>
             <a:extLst>
               <a:ext uri="{91240B29-F687-4f45-9708-019B960494DF}">
-                <a14:hiddenLine xmlns="" xmlns:a14="http://schemas.microsoft.com/office/drawing/2010/main" w="9525">
+                <a14:hiddenLine xmlns:a14="http://schemas.microsoft.com/office/drawing/2010/main" xmlns="" w="9525">
                   <a:solidFill>
                     <a:srgbClr val="000000"/>
                   </a:solidFill>
@@ -3674,7 +4903,7 @@
             </a:ln>
             <a:extLst>
               <a:ext uri="{91240B29-F687-4f45-9708-019B960494DF}">
-                <a14:hiddenLine xmlns="" xmlns:a14="http://schemas.microsoft.com/office/drawing/2010/main" w="9525">
+                <a14:hiddenLine xmlns:a14="http://schemas.microsoft.com/office/drawing/2010/main" xmlns="" w="9525">
                   <a:solidFill>
                     <a:srgbClr val="000000"/>
                   </a:solidFill>
@@ -3736,7 +4965,7 @@
             </a:ln>
             <a:extLst>
               <a:ext uri="{91240B29-F687-4f45-9708-019B960494DF}">
-                <a14:hiddenLine xmlns="" xmlns:a14="http://schemas.microsoft.com/office/drawing/2010/main" w="9525">
+                <a14:hiddenLine xmlns:a14="http://schemas.microsoft.com/office/drawing/2010/main" xmlns="" w="9525">
                   <a:solidFill>
                     <a:srgbClr val="000000"/>
                   </a:solidFill>
@@ -3826,7 +5055,7 @@
             </a:ln>
             <a:extLst>
               <a:ext uri="{91240B29-F687-4f45-9708-019B960494DF}">
-                <a14:hiddenLine xmlns="" xmlns:a14="http://schemas.microsoft.com/office/drawing/2010/main" w="9525">
+                <a14:hiddenLine xmlns:a14="http://schemas.microsoft.com/office/drawing/2010/main" xmlns="" w="9525">
                   <a:solidFill>
                     <a:srgbClr val="000000"/>
                   </a:solidFill>
@@ -3916,7 +5145,7 @@
             </a:ln>
             <a:extLst>
               <a:ext uri="{91240B29-F687-4f45-9708-019B960494DF}">
-                <a14:hiddenLine xmlns="" xmlns:a14="http://schemas.microsoft.com/office/drawing/2010/main" w="9525">
+                <a14:hiddenLine xmlns:a14="http://schemas.microsoft.com/office/drawing/2010/main" xmlns="" w="9525">
                   <a:solidFill>
                     <a:srgbClr val="000000"/>
                   </a:solidFill>
@@ -3978,7 +5207,7 @@
             </a:ln>
             <a:extLst>
               <a:ext uri="{91240B29-F687-4f45-9708-019B960494DF}">
-                <a14:hiddenLine xmlns="" xmlns:a14="http://schemas.microsoft.com/office/drawing/2010/main" w="9525">
+                <a14:hiddenLine xmlns:a14="http://schemas.microsoft.com/office/drawing/2010/main" xmlns="" w="9525">
                   <a:solidFill>
                     <a:srgbClr val="000000"/>
                   </a:solidFill>
@@ -4098,7 +5327,7 @@
             </a:ln>
             <a:extLst>
               <a:ext uri="{91240B29-F687-4f45-9708-019B960494DF}">
-                <a14:hiddenLine xmlns="" xmlns:a14="http://schemas.microsoft.com/office/drawing/2010/main" w="9525">
+                <a14:hiddenLine xmlns:a14="http://schemas.microsoft.com/office/drawing/2010/main" xmlns="" w="9525">
                   <a:solidFill>
                     <a:srgbClr val="000000"/>
                   </a:solidFill>
@@ -4166,7 +5395,7 @@
             </a:ln>
             <a:extLst>
               <a:ext uri="{91240B29-F687-4f45-9708-019B960494DF}">
-                <a14:hiddenLine xmlns="" xmlns:a14="http://schemas.microsoft.com/office/drawing/2010/main" w="9525">
+                <a14:hiddenLine xmlns:a14="http://schemas.microsoft.com/office/drawing/2010/main" xmlns="" w="9525">
                   <a:solidFill>
                     <a:srgbClr val="000000"/>
                   </a:solidFill>
@@ -4256,7 +5485,7 @@
             </a:ln>
             <a:extLst>
               <a:ext uri="{91240B29-F687-4f45-9708-019B960494DF}">
-                <a14:hiddenLine xmlns="" xmlns:a14="http://schemas.microsoft.com/office/drawing/2010/main" w="9525">
+                <a14:hiddenLine xmlns:a14="http://schemas.microsoft.com/office/drawing/2010/main" xmlns="" w="9525">
                   <a:solidFill>
                     <a:srgbClr val="000000"/>
                   </a:solidFill>
@@ -4396,7 +5625,7 @@
           <a:p>
             <a:fld id="{3CBAB496-CE9C-4532-BAC3-814C160FBAA9}" type="datetimeFigureOut">
               <a:rPr lang="ru-RU" smtClean="0"/>
-              <a:t>28.10.2023</a:t>
+              <a:t>30.10.2023</a:t>
             </a:fld>
             <a:endParaRPr lang="ru-RU"/>
           </a:p>
@@ -4663,7 +5892,7 @@
           <a:p>
             <a:fld id="{3CBAB496-CE9C-4532-BAC3-814C160FBAA9}" type="datetimeFigureOut">
               <a:rPr lang="ru-RU" smtClean="0"/>
-              <a:t>28.10.2023</a:t>
+              <a:t>30.10.2023</a:t>
             </a:fld>
             <a:endParaRPr lang="ru-RU"/>
           </a:p>
@@ -4859,7 +6088,7 @@
           <a:p>
             <a:fld id="{3CBAB496-CE9C-4532-BAC3-814C160FBAA9}" type="datetimeFigureOut">
               <a:rPr lang="ru-RU" smtClean="0"/>
-              <a:t>28.10.2023</a:t>
+              <a:t>30.10.2023</a:t>
             </a:fld>
             <a:endParaRPr lang="ru-RU"/>
           </a:p>
@@ -5122,7 +6351,7 @@
           <a:p>
             <a:fld id="{3CBAB496-CE9C-4532-BAC3-814C160FBAA9}" type="datetimeFigureOut">
               <a:rPr lang="ru-RU" smtClean="0"/>
-              <a:t>28.10.2023</a:t>
+              <a:t>30.10.2023</a:t>
             </a:fld>
             <a:endParaRPr lang="ru-RU"/>
           </a:p>
@@ -5556,7 +6785,7 @@
           <a:p>
             <a:fld id="{3CBAB496-CE9C-4532-BAC3-814C160FBAA9}" type="datetimeFigureOut">
               <a:rPr lang="ru-RU" smtClean="0"/>
-              <a:t>28.10.2023</a:t>
+              <a:t>30.10.2023</a:t>
             </a:fld>
             <a:endParaRPr lang="ru-RU"/>
           </a:p>
@@ -6102,7 +7331,7 @@
           <a:p>
             <a:fld id="{3CBAB496-CE9C-4532-BAC3-814C160FBAA9}" type="datetimeFigureOut">
               <a:rPr lang="ru-RU" smtClean="0"/>
-              <a:t>28.10.2023</a:t>
+              <a:t>30.10.2023</a:t>
             </a:fld>
             <a:endParaRPr lang="ru-RU"/>
           </a:p>
@@ -6822,7 +8051,7 @@
           <a:p>
             <a:fld id="{3CBAB496-CE9C-4532-BAC3-814C160FBAA9}" type="datetimeFigureOut">
               <a:rPr lang="ru-RU" smtClean="0"/>
-              <a:t>28.10.2023</a:t>
+              <a:t>30.10.2023</a:t>
             </a:fld>
             <a:endParaRPr lang="ru-RU"/>
           </a:p>
@@ -6992,7 +8221,7 @@
           <a:p>
             <a:fld id="{3CBAB496-CE9C-4532-BAC3-814C160FBAA9}" type="datetimeFigureOut">
               <a:rPr lang="ru-RU" smtClean="0"/>
-              <a:t>28.10.2023</a:t>
+              <a:t>30.10.2023</a:t>
             </a:fld>
             <a:endParaRPr lang="ru-RU"/>
           </a:p>
@@ -7172,7 +8401,7 @@
           <a:p>
             <a:fld id="{3CBAB496-CE9C-4532-BAC3-814C160FBAA9}" type="datetimeFigureOut">
               <a:rPr lang="ru-RU" smtClean="0"/>
-              <a:t>28.10.2023</a:t>
+              <a:t>30.10.2023</a:t>
             </a:fld>
             <a:endParaRPr lang="ru-RU"/>
           </a:p>
@@ -7342,7 +8571,7 @@
           <a:p>
             <a:fld id="{3CBAB496-CE9C-4532-BAC3-814C160FBAA9}" type="datetimeFigureOut">
               <a:rPr lang="ru-RU" smtClean="0"/>
-              <a:t>28.10.2023</a:t>
+              <a:t>30.10.2023</a:t>
             </a:fld>
             <a:endParaRPr lang="ru-RU"/>
           </a:p>
@@ -7592,7 +8821,7 @@
           <a:p>
             <a:fld id="{3CBAB496-CE9C-4532-BAC3-814C160FBAA9}" type="datetimeFigureOut">
               <a:rPr lang="ru-RU" smtClean="0"/>
-              <a:t>28.10.2023</a:t>
+              <a:t>30.10.2023</a:t>
             </a:fld>
             <a:endParaRPr lang="ru-RU"/>
           </a:p>
@@ -7824,7 +9053,7 @@
           <a:p>
             <a:fld id="{3CBAB496-CE9C-4532-BAC3-814C160FBAA9}" type="datetimeFigureOut">
               <a:rPr lang="ru-RU" smtClean="0"/>
-              <a:t>28.10.2023</a:t>
+              <a:t>30.10.2023</a:t>
             </a:fld>
             <a:endParaRPr lang="ru-RU"/>
           </a:p>
@@ -8205,7 +9434,7 @@
           <a:p>
             <a:fld id="{3CBAB496-CE9C-4532-BAC3-814C160FBAA9}" type="datetimeFigureOut">
               <a:rPr lang="ru-RU" smtClean="0"/>
-              <a:t>28.10.2023</a:t>
+              <a:t>30.10.2023</a:t>
             </a:fld>
             <a:endParaRPr lang="ru-RU"/>
           </a:p>
@@ -8323,7 +9552,7 @@
           <a:p>
             <a:fld id="{3CBAB496-CE9C-4532-BAC3-814C160FBAA9}" type="datetimeFigureOut">
               <a:rPr lang="ru-RU" smtClean="0"/>
-              <a:t>28.10.2023</a:t>
+              <a:t>30.10.2023</a:t>
             </a:fld>
             <a:endParaRPr lang="ru-RU"/>
           </a:p>
@@ -8418,7 +9647,7 @@
           <a:p>
             <a:fld id="{3CBAB496-CE9C-4532-BAC3-814C160FBAA9}" type="datetimeFigureOut">
               <a:rPr lang="ru-RU" smtClean="0"/>
-              <a:t>28.10.2023</a:t>
+              <a:t>30.10.2023</a:t>
             </a:fld>
             <a:endParaRPr lang="ru-RU"/>
           </a:p>
@@ -8667,7 +9896,7 @@
           <a:p>
             <a:fld id="{3CBAB496-CE9C-4532-BAC3-814C160FBAA9}" type="datetimeFigureOut">
               <a:rPr lang="ru-RU" smtClean="0"/>
-              <a:t>28.10.2023</a:t>
+              <a:t>30.10.2023</a:t>
             </a:fld>
             <a:endParaRPr lang="ru-RU"/>
           </a:p>
@@ -8947,7 +10176,7 @@
           <a:p>
             <a:fld id="{3CBAB496-CE9C-4532-BAC3-814C160FBAA9}" type="datetimeFigureOut">
               <a:rPr lang="ru-RU" smtClean="0"/>
-              <a:t>28.10.2023</a:t>
+              <a:t>30.10.2023</a:t>
             </a:fld>
             <a:endParaRPr lang="ru-RU"/>
           </a:p>
@@ -9063,7 +10292,7 @@
           <a:noFill/>
           <a:extLst>
             <a:ext uri="{909E8E84-426E-40dd-AFC4-6F175D3DCCD1}">
-              <a14:hiddenFill xmlns="" xmlns:a14="http://schemas.microsoft.com/office/drawing/2010/main">
+              <a14:hiddenFill xmlns:a14="http://schemas.microsoft.com/office/drawing/2010/main" xmlns="">
                 <a:solidFill>
                   <a:srgbClr val="FFFFFF"/>
                 </a:solidFill>
@@ -9137,7 +10366,7 @@
               </a:ln>
               <a:extLst>
                 <a:ext uri="{91240B29-F687-4f45-9708-019B960494DF}">
-                  <a14:hiddenLine xmlns="" xmlns:a14="http://schemas.microsoft.com/office/drawing/2010/main" w="9525">
+                  <a14:hiddenLine xmlns:a14="http://schemas.microsoft.com/office/drawing/2010/main" xmlns="" w="9525">
                     <a:solidFill>
                       <a:srgbClr val="000000"/>
                     </a:solidFill>
@@ -9227,7 +10456,7 @@
               </a:ln>
               <a:extLst>
                 <a:ext uri="{91240B29-F687-4f45-9708-019B960494DF}">
-                  <a14:hiddenLine xmlns="" xmlns:a14="http://schemas.microsoft.com/office/drawing/2010/main" w="9525">
+                  <a14:hiddenLine xmlns:a14="http://schemas.microsoft.com/office/drawing/2010/main" xmlns="" w="9525">
                     <a:solidFill>
                       <a:srgbClr val="000000"/>
                     </a:solidFill>
@@ -9317,7 +10546,7 @@
               </a:ln>
               <a:extLst>
                 <a:ext uri="{91240B29-F687-4f45-9708-019B960494DF}">
-                  <a14:hiddenLine xmlns="" xmlns:a14="http://schemas.microsoft.com/office/drawing/2010/main" w="9525">
+                  <a14:hiddenLine xmlns:a14="http://schemas.microsoft.com/office/drawing/2010/main" xmlns="" w="9525">
                     <a:solidFill>
                       <a:srgbClr val="000000"/>
                     </a:solidFill>
@@ -9379,7 +10608,7 @@
               </a:ln>
               <a:extLst>
                 <a:ext uri="{91240B29-F687-4f45-9708-019B960494DF}">
-                  <a14:hiddenLine xmlns="" xmlns:a14="http://schemas.microsoft.com/office/drawing/2010/main" w="9525">
+                  <a14:hiddenLine xmlns:a14="http://schemas.microsoft.com/office/drawing/2010/main" xmlns="" w="9525">
                     <a:solidFill>
                       <a:srgbClr val="000000"/>
                     </a:solidFill>
@@ -9469,7 +10698,7 @@
               </a:ln>
               <a:extLst>
                 <a:ext uri="{91240B29-F687-4f45-9708-019B960494DF}">
-                  <a14:hiddenLine xmlns="" xmlns:a14="http://schemas.microsoft.com/office/drawing/2010/main" w="9525">
+                  <a14:hiddenLine xmlns:a14="http://schemas.microsoft.com/office/drawing/2010/main" xmlns="" w="9525">
                     <a:solidFill>
                       <a:srgbClr val="000000"/>
                     </a:solidFill>
@@ -9531,7 +10760,7 @@
               </a:ln>
               <a:extLst>
                 <a:ext uri="{91240B29-F687-4f45-9708-019B960494DF}">
-                  <a14:hiddenLine xmlns="" xmlns:a14="http://schemas.microsoft.com/office/drawing/2010/main" w="9525">
+                  <a14:hiddenLine xmlns:a14="http://schemas.microsoft.com/office/drawing/2010/main" xmlns="" w="9525">
                     <a:solidFill>
                       <a:srgbClr val="000000"/>
                     </a:solidFill>
@@ -9593,7 +10822,7 @@
               </a:ln>
               <a:extLst>
                 <a:ext uri="{91240B29-F687-4f45-9708-019B960494DF}">
-                  <a14:hiddenLine xmlns="" xmlns:a14="http://schemas.microsoft.com/office/drawing/2010/main" w="9525">
+                  <a14:hiddenLine xmlns:a14="http://schemas.microsoft.com/office/drawing/2010/main" xmlns="" w="9525">
                     <a:solidFill>
                       <a:srgbClr val="000000"/>
                     </a:solidFill>
@@ -9683,7 +10912,7 @@
               </a:ln>
               <a:extLst>
                 <a:ext uri="{91240B29-F687-4f45-9708-019B960494DF}">
-                  <a14:hiddenLine xmlns="" xmlns:a14="http://schemas.microsoft.com/office/drawing/2010/main" w="9525">
+                  <a14:hiddenLine xmlns:a14="http://schemas.microsoft.com/office/drawing/2010/main" xmlns="" w="9525">
                     <a:solidFill>
                       <a:srgbClr val="000000"/>
                     </a:solidFill>
@@ -9773,7 +11002,7 @@
               </a:ln>
               <a:extLst>
                 <a:ext uri="{91240B29-F687-4f45-9708-019B960494DF}">
-                  <a14:hiddenLine xmlns="" xmlns:a14="http://schemas.microsoft.com/office/drawing/2010/main" w="9525">
+                  <a14:hiddenLine xmlns:a14="http://schemas.microsoft.com/office/drawing/2010/main" xmlns="" w="9525">
                     <a:solidFill>
                       <a:srgbClr val="000000"/>
                     </a:solidFill>
@@ -9835,7 +11064,7 @@
               </a:ln>
               <a:extLst>
                 <a:ext uri="{91240B29-F687-4f45-9708-019B960494DF}">
-                  <a14:hiddenLine xmlns="" xmlns:a14="http://schemas.microsoft.com/office/drawing/2010/main" w="9525">
+                  <a14:hiddenLine xmlns:a14="http://schemas.microsoft.com/office/drawing/2010/main" xmlns="" w="9525">
                     <a:solidFill>
                       <a:srgbClr val="000000"/>
                     </a:solidFill>
@@ -9945,7 +11174,7 @@
               </a:ln>
               <a:extLst>
                 <a:ext uri="{91240B29-F687-4f45-9708-019B960494DF}">
-                  <a14:hiddenLine xmlns="" xmlns:a14="http://schemas.microsoft.com/office/drawing/2010/main" w="9525">
+                  <a14:hiddenLine xmlns:a14="http://schemas.microsoft.com/office/drawing/2010/main" xmlns="" w="9525">
                     <a:solidFill>
                       <a:srgbClr val="000000"/>
                     </a:solidFill>
@@ -10029,7 +11258,7 @@
               </a:ln>
               <a:extLst>
                 <a:ext uri="{91240B29-F687-4f45-9708-019B960494DF}">
-                  <a14:hiddenLine xmlns="" xmlns:a14="http://schemas.microsoft.com/office/drawing/2010/main" w="9525">
+                  <a14:hiddenLine xmlns:a14="http://schemas.microsoft.com/office/drawing/2010/main" xmlns="" w="9525">
                     <a:solidFill>
                       <a:srgbClr val="000000"/>
                     </a:solidFill>
@@ -10091,7 +11320,7 @@
               </a:ln>
               <a:extLst>
                 <a:ext uri="{91240B29-F687-4f45-9708-019B960494DF}">
-                  <a14:hiddenLine xmlns="" xmlns:a14="http://schemas.microsoft.com/office/drawing/2010/main" w="9525">
+                  <a14:hiddenLine xmlns:a14="http://schemas.microsoft.com/office/drawing/2010/main" xmlns="" w="9525">
                     <a:solidFill>
                       <a:srgbClr val="000000"/>
                     </a:solidFill>
@@ -10153,7 +11382,7 @@
               </a:ln>
               <a:extLst>
                 <a:ext uri="{91240B29-F687-4f45-9708-019B960494DF}">
-                  <a14:hiddenLine xmlns="" xmlns:a14="http://schemas.microsoft.com/office/drawing/2010/main" w="9525">
+                  <a14:hiddenLine xmlns:a14="http://schemas.microsoft.com/office/drawing/2010/main" xmlns="" w="9525">
                     <a:solidFill>
                       <a:srgbClr val="000000"/>
                     </a:solidFill>
@@ -10243,7 +11472,7 @@
               </a:ln>
               <a:extLst>
                 <a:ext uri="{91240B29-F687-4f45-9708-019B960494DF}">
-                  <a14:hiddenLine xmlns="" xmlns:a14="http://schemas.microsoft.com/office/drawing/2010/main" w="9525">
+                  <a14:hiddenLine xmlns:a14="http://schemas.microsoft.com/office/drawing/2010/main" xmlns="" w="9525">
                     <a:solidFill>
                       <a:srgbClr val="000000"/>
                     </a:solidFill>
@@ -10277,7 +11506,7 @@
               </a:ln>
               <a:extLst>
                 <a:ext uri="{91240B29-F687-4f45-9708-019B960494DF}">
-                  <a14:hiddenLine xmlns="" xmlns:a14="http://schemas.microsoft.com/office/drawing/2010/main" w="9525">
+                  <a14:hiddenLine xmlns:a14="http://schemas.microsoft.com/office/drawing/2010/main" xmlns="" w="9525">
                     <a:solidFill>
                       <a:srgbClr val="000000"/>
                     </a:solidFill>
@@ -10342,7 +11571,7 @@
               </a:ln>
               <a:extLst>
                 <a:ext uri="{91240B29-F687-4f45-9708-019B960494DF}">
-                  <a14:hiddenLine xmlns="" xmlns:a14="http://schemas.microsoft.com/office/drawing/2010/main" w="9525">
+                  <a14:hiddenLine xmlns:a14="http://schemas.microsoft.com/office/drawing/2010/main" xmlns="" w="9525">
                     <a:solidFill>
                       <a:srgbClr val="000000"/>
                     </a:solidFill>
@@ -10432,7 +11661,7 @@
               </a:ln>
               <a:extLst>
                 <a:ext uri="{91240B29-F687-4f45-9708-019B960494DF}">
-                  <a14:hiddenLine xmlns="" xmlns:a14="http://schemas.microsoft.com/office/drawing/2010/main" w="9525">
+                  <a14:hiddenLine xmlns:a14="http://schemas.microsoft.com/office/drawing/2010/main" xmlns="" w="9525">
                     <a:solidFill>
                       <a:srgbClr val="000000"/>
                     </a:solidFill>
@@ -10494,7 +11723,7 @@
               </a:ln>
               <a:extLst>
                 <a:ext uri="{91240B29-F687-4f45-9708-019B960494DF}">
-                  <a14:hiddenLine xmlns="" xmlns:a14="http://schemas.microsoft.com/office/drawing/2010/main" w="9525">
+                  <a14:hiddenLine xmlns:a14="http://schemas.microsoft.com/office/drawing/2010/main" xmlns="" w="9525">
                     <a:solidFill>
                       <a:srgbClr val="000000"/>
                     </a:solidFill>
@@ -10584,7 +11813,7 @@
               </a:ln>
               <a:extLst>
                 <a:ext uri="{91240B29-F687-4f45-9708-019B960494DF}">
-                  <a14:hiddenLine xmlns="" xmlns:a14="http://schemas.microsoft.com/office/drawing/2010/main" w="9525">
+                  <a14:hiddenLine xmlns:a14="http://schemas.microsoft.com/office/drawing/2010/main" xmlns="" w="9525">
                     <a:solidFill>
                       <a:srgbClr val="000000"/>
                     </a:solidFill>
@@ -10649,7 +11878,7 @@
               </a:ln>
               <a:extLst>
                 <a:ext uri="{91240B29-F687-4f45-9708-019B960494DF}">
-                  <a14:hiddenLine xmlns="" xmlns:a14="http://schemas.microsoft.com/office/drawing/2010/main" w="9525">
+                  <a14:hiddenLine xmlns:a14="http://schemas.microsoft.com/office/drawing/2010/main" xmlns="" w="9525">
                     <a:solidFill>
                       <a:srgbClr val="000000"/>
                     </a:solidFill>
@@ -10711,7 +11940,7 @@
               </a:ln>
               <a:extLst>
                 <a:ext uri="{91240B29-F687-4f45-9708-019B960494DF}">
-                  <a14:hiddenLine xmlns="" xmlns:a14="http://schemas.microsoft.com/office/drawing/2010/main" w="9525">
+                  <a14:hiddenLine xmlns:a14="http://schemas.microsoft.com/office/drawing/2010/main" xmlns="" w="9525">
                     <a:solidFill>
                       <a:srgbClr val="000000"/>
                     </a:solidFill>
@@ -10801,7 +12030,7 @@
               </a:ln>
               <a:extLst>
                 <a:ext uri="{91240B29-F687-4f45-9708-019B960494DF}">
-                  <a14:hiddenLine xmlns="" xmlns:a14="http://schemas.microsoft.com/office/drawing/2010/main" w="9525">
+                  <a14:hiddenLine xmlns:a14="http://schemas.microsoft.com/office/drawing/2010/main" xmlns="" w="9525">
                     <a:solidFill>
                       <a:srgbClr val="000000"/>
                     </a:solidFill>
@@ -10891,7 +12120,7 @@
               </a:ln>
               <a:extLst>
                 <a:ext uri="{91240B29-F687-4f45-9708-019B960494DF}">
-                  <a14:hiddenLine xmlns="" xmlns:a14="http://schemas.microsoft.com/office/drawing/2010/main" w="9525">
+                  <a14:hiddenLine xmlns:a14="http://schemas.microsoft.com/office/drawing/2010/main" xmlns="" w="9525">
                     <a:solidFill>
                       <a:srgbClr val="000000"/>
                     </a:solidFill>
@@ -10956,7 +12185,7 @@
               </a:ln>
               <a:extLst>
                 <a:ext uri="{91240B29-F687-4f45-9708-019B960494DF}">
-                  <a14:hiddenLine xmlns="" xmlns:a14="http://schemas.microsoft.com/office/drawing/2010/main" w="9525">
+                  <a14:hiddenLine xmlns:a14="http://schemas.microsoft.com/office/drawing/2010/main" xmlns="" w="9525">
                     <a:solidFill>
                       <a:srgbClr val="000000"/>
                     </a:solidFill>
@@ -11076,7 +12305,7 @@
               </a:ln>
               <a:extLst>
                 <a:ext uri="{91240B29-F687-4f45-9708-019B960494DF}">
-                  <a14:hiddenLine xmlns="" xmlns:a14="http://schemas.microsoft.com/office/drawing/2010/main" w="9525">
+                  <a14:hiddenLine xmlns:a14="http://schemas.microsoft.com/office/drawing/2010/main" xmlns="" w="9525">
                     <a:solidFill>
                       <a:srgbClr val="000000"/>
                     </a:solidFill>
@@ -11174,7 +12403,7 @@
               </a:ln>
               <a:extLst>
                 <a:ext uri="{91240B29-F687-4f45-9708-019B960494DF}">
-                  <a14:hiddenLine xmlns="" xmlns:a14="http://schemas.microsoft.com/office/drawing/2010/main" w="9525">
+                  <a14:hiddenLine xmlns:a14="http://schemas.microsoft.com/office/drawing/2010/main" xmlns="" w="9525">
                     <a:solidFill>
                       <a:srgbClr val="000000"/>
                     </a:solidFill>
@@ -11289,7 +12518,7 @@
               </a:ln>
               <a:extLst>
                 <a:ext uri="{91240B29-F687-4f45-9708-019B960494DF}">
-                  <a14:hiddenLine xmlns="" xmlns:a14="http://schemas.microsoft.com/office/drawing/2010/main" w="9525">
+                  <a14:hiddenLine xmlns:a14="http://schemas.microsoft.com/office/drawing/2010/main" xmlns="" w="9525">
                     <a:solidFill>
                       <a:srgbClr val="000000"/>
                     </a:solidFill>
@@ -11379,7 +12608,7 @@
               </a:ln>
               <a:extLst>
                 <a:ext uri="{91240B29-F687-4f45-9708-019B960494DF}">
-                  <a14:hiddenLine xmlns="" xmlns:a14="http://schemas.microsoft.com/office/drawing/2010/main" w="9525">
+                  <a14:hiddenLine xmlns:a14="http://schemas.microsoft.com/office/drawing/2010/main" xmlns="" w="9525">
                     <a:solidFill>
                       <a:srgbClr val="000000"/>
                     </a:solidFill>
@@ -11444,7 +12673,7 @@
               </a:ln>
               <a:extLst>
                 <a:ext uri="{91240B29-F687-4f45-9708-019B960494DF}">
-                  <a14:hiddenLine xmlns="" xmlns:a14="http://schemas.microsoft.com/office/drawing/2010/main" w="9525">
+                  <a14:hiddenLine xmlns:a14="http://schemas.microsoft.com/office/drawing/2010/main" xmlns="" w="9525">
                     <a:solidFill>
                       <a:srgbClr val="000000"/>
                     </a:solidFill>
@@ -11534,7 +12763,7 @@
               </a:ln>
               <a:extLst>
                 <a:ext uri="{91240B29-F687-4f45-9708-019B960494DF}">
-                  <a14:hiddenLine xmlns="" xmlns:a14="http://schemas.microsoft.com/office/drawing/2010/main" w="9525">
+                  <a14:hiddenLine xmlns:a14="http://schemas.microsoft.com/office/drawing/2010/main" xmlns="" w="9525">
                     <a:solidFill>
                       <a:srgbClr val="000000"/>
                     </a:solidFill>
@@ -11602,7 +12831,7 @@
               </a:ln>
               <a:extLst>
                 <a:ext uri="{91240B29-F687-4f45-9708-019B960494DF}">
-                  <a14:hiddenLine xmlns="" xmlns:a14="http://schemas.microsoft.com/office/drawing/2010/main" w="9525">
+                  <a14:hiddenLine xmlns:a14="http://schemas.microsoft.com/office/drawing/2010/main" xmlns="" w="9525">
                     <a:solidFill>
                       <a:srgbClr val="000000"/>
                     </a:solidFill>
@@ -11692,7 +12921,7 @@
               </a:ln>
               <a:extLst>
                 <a:ext uri="{91240B29-F687-4f45-9708-019B960494DF}">
-                  <a14:hiddenLine xmlns="" xmlns:a14="http://schemas.microsoft.com/office/drawing/2010/main" w="9525">
+                  <a14:hiddenLine xmlns:a14="http://schemas.microsoft.com/office/drawing/2010/main" xmlns="" w="9525">
                     <a:solidFill>
                       <a:srgbClr val="000000"/>
                     </a:solidFill>
@@ -11760,7 +12989,7 @@
               </a:ln>
               <a:extLst>
                 <a:ext uri="{91240B29-F687-4f45-9708-019B960494DF}">
-                  <a14:hiddenLine xmlns="" xmlns:a14="http://schemas.microsoft.com/office/drawing/2010/main" w="9525">
+                  <a14:hiddenLine xmlns:a14="http://schemas.microsoft.com/office/drawing/2010/main" xmlns="" w="9525">
                     <a:solidFill>
                       <a:srgbClr val="000000"/>
                     </a:solidFill>
@@ -11850,7 +13079,7 @@
               </a:ln>
               <a:extLst>
                 <a:ext uri="{91240B29-F687-4f45-9708-019B960494DF}">
-                  <a14:hiddenLine xmlns="" xmlns:a14="http://schemas.microsoft.com/office/drawing/2010/main" w="9525">
+                  <a14:hiddenLine xmlns:a14="http://schemas.microsoft.com/office/drawing/2010/main" xmlns="" w="9525">
                     <a:solidFill>
                       <a:srgbClr val="000000"/>
                     </a:solidFill>
@@ -11884,7 +13113,7 @@
               </a:ln>
               <a:extLst>
                 <a:ext uri="{91240B29-F687-4f45-9708-019B960494DF}">
-                  <a14:hiddenLine xmlns="" xmlns:a14="http://schemas.microsoft.com/office/drawing/2010/main" w="9525">
+                  <a14:hiddenLine xmlns:a14="http://schemas.microsoft.com/office/drawing/2010/main" xmlns="" w="9525">
                     <a:solidFill>
                       <a:srgbClr val="000000"/>
                     </a:solidFill>
@@ -12024,7 +13253,7 @@
           <a:p>
             <a:fld id="{3CBAB496-CE9C-4532-BAC3-814C160FBAA9}" type="datetimeFigureOut">
               <a:rPr lang="ru-RU" smtClean="0"/>
-              <a:t>28.10.2023</a:t>
+              <a:t>30.10.2023</a:t>
             </a:fld>
             <a:endParaRPr lang="ru-RU"/>
           </a:p>
@@ -12469,22 +13698,6 @@
               <a:rPr lang="en-US" dirty="0" err="1"/>
               <a:t>WAYdo</a:t>
             </a:r>
-            <a:r>
-              <a:rPr lang="en-US" dirty="0"/>
-              <a:t>. </a:t>
-            </a:r>
-            <a:r>
-              <a:rPr lang="en-US" dirty="0" err="1"/>
-              <a:t>Api</a:t>
-            </a:r>
-            <a:r>
-              <a:rPr lang="en-US" dirty="0"/>
-              <a:t> &amp; </a:t>
-            </a:r>
-            <a:r>
-              <a:rPr lang="en-US" dirty="0" err="1"/>
-              <a:t>orm</a:t>
-            </a:r>
             <a:endParaRPr lang="ru-RU" dirty="0"/>
           </a:p>
         </p:txBody>
@@ -13043,7 +14256,7 @@
         </p:blipFill>
         <p:spPr>
           <a:xfrm>
-            <a:off x="7568395" y="2301935"/>
+            <a:off x="4354904" y="1882867"/>
             <a:ext cx="3479016" cy="810420"/>
           </a:xfrm>
           <a:prstGeom prst="rect">
@@ -13079,7 +14292,7 @@
         </p:blipFill>
         <p:spPr>
           <a:xfrm>
-            <a:off x="7145963" y="3745645"/>
+            <a:off x="4211098" y="2450203"/>
             <a:ext cx="3901448" cy="2194564"/>
           </a:xfrm>
           <a:prstGeom prst="rect">
@@ -13118,8 +14331,80 @@
         </p:blipFill>
         <p:spPr>
           <a:xfrm>
-            <a:off x="4529819" y="3112355"/>
+            <a:off x="4364988" y="4711862"/>
             <a:ext cx="2299851" cy="1149926"/>
+          </a:xfrm>
+          <a:prstGeom prst="rect">
+            <a:avLst/>
+          </a:prstGeom>
+        </p:spPr>
+      </p:pic>
+      <p:pic>
+        <p:nvPicPr>
+          <p:cNvPr id="8" name="Picture 7">
+            <a:extLst>
+              <a:ext uri="{FF2B5EF4-FFF2-40B4-BE49-F238E27FC236}">
+                <a16:creationId xmlns:a16="http://schemas.microsoft.com/office/drawing/2014/main" id="{7DBB9E3A-49B6-425C-AD9A-EFB005307C89}"/>
+              </a:ext>
+            </a:extLst>
+          </p:cNvPr>
+          <p:cNvPicPr>
+            <a:picLocks noChangeAspect="1"/>
+          </p:cNvPicPr>
+          <p:nvPr/>
+        </p:nvPicPr>
+        <p:blipFill>
+          <a:blip r:embed="rId8">
+            <a:extLst>
+              <a:ext uri="{28A0092B-C50C-407E-A947-70E740481C1C}">
+                <a14:useLocalDpi xmlns:a14="http://schemas.microsoft.com/office/drawing/2010/main" val="0"/>
+              </a:ext>
+            </a:extLst>
+          </a:blip>
+          <a:stretch>
+            <a:fillRect/>
+          </a:stretch>
+        </p:blipFill>
+        <p:spPr>
+          <a:xfrm>
+            <a:off x="8574660" y="980778"/>
+            <a:ext cx="2938851" cy="2938851"/>
+          </a:xfrm>
+          <a:prstGeom prst="rect">
+            <a:avLst/>
+          </a:prstGeom>
+        </p:spPr>
+      </p:pic>
+      <p:pic>
+        <p:nvPicPr>
+          <p:cNvPr id="12" name="Picture 11">
+            <a:extLst>
+              <a:ext uri="{FF2B5EF4-FFF2-40B4-BE49-F238E27FC236}">
+                <a16:creationId xmlns:a16="http://schemas.microsoft.com/office/drawing/2014/main" id="{84B0E5DA-FB37-49B7-8C5A-6C4E8E387584}"/>
+              </a:ext>
+            </a:extLst>
+          </p:cNvPr>
+          <p:cNvPicPr>
+            <a:picLocks noChangeAspect="1"/>
+          </p:cNvPicPr>
+          <p:nvPr/>
+        </p:nvPicPr>
+        <p:blipFill>
+          <a:blip r:embed="rId9">
+            <a:extLst>
+              <a:ext uri="{28A0092B-C50C-407E-A947-70E740481C1C}">
+                <a14:useLocalDpi xmlns:a14="http://schemas.microsoft.com/office/drawing/2010/main" val="0"/>
+              </a:ext>
+            </a:extLst>
+          </a:blip>
+          <a:stretch>
+            <a:fillRect/>
+          </a:stretch>
+        </p:blipFill>
+        <p:spPr>
+          <a:xfrm>
+            <a:off x="7238733" y="4502698"/>
+            <a:ext cx="5610704" cy="2104014"/>
           </a:xfrm>
           <a:prstGeom prst="rect">
             <a:avLst/>
@@ -13158,10 +14443,10 @@
       </p:grpSpPr>
       <p:sp>
         <p:nvSpPr>
-          <p:cNvPr id="2" name="Заголовок 1">
+          <p:cNvPr id="2" name="Title 1">
             <a:extLst>
               <a:ext uri="{FF2B5EF4-FFF2-40B4-BE49-F238E27FC236}">
-                <a16:creationId xmlns:a16="http://schemas.microsoft.com/office/drawing/2014/main" id="{7C8C40E3-9E62-421A-BFEF-69919B8F5242}"/>
+                <a16:creationId xmlns:a16="http://schemas.microsoft.com/office/drawing/2014/main" id="{CDB711B5-D790-4840-B145-390F4008CCEF}"/>
               </a:ext>
             </a:extLst>
           </p:cNvPr>
@@ -13178,215 +14463,55 @@
           <a:lstStyle/>
           <a:p>
             <a:r>
-              <a:rPr lang="uk-UA" dirty="0"/>
-              <a:t>Чому саме ці?</a:t>
-            </a:r>
-            <a:endParaRPr lang="ru-RU" dirty="0"/>
+              <a:rPr lang="ru-RU" dirty="0"/>
+              <a:t>Загальна структура проекту</a:t>
+            </a:r>
           </a:p>
         </p:txBody>
       </p:sp>
-      <p:sp>
-        <p:nvSpPr>
-          <p:cNvPr id="3" name="Текст 2">
+      <p:pic>
+        <p:nvPicPr>
+          <p:cNvPr id="16" name="Graphic 15">
             <a:extLst>
               <a:ext uri="{FF2B5EF4-FFF2-40B4-BE49-F238E27FC236}">
-                <a16:creationId xmlns:a16="http://schemas.microsoft.com/office/drawing/2014/main" id="{F6395544-6C91-4AA9-891F-2A086B307BE2}"/>
+                <a16:creationId xmlns:a16="http://schemas.microsoft.com/office/drawing/2014/main" id="{E49EAC16-308E-440D-8DDC-94A8E30BA650}"/>
               </a:ext>
             </a:extLst>
           </p:cNvPr>
-          <p:cNvSpPr>
-            <a:spLocks noGrp="1"/>
-          </p:cNvSpPr>
-          <p:nvPr>
-            <p:ph type="body" idx="1"/>
-          </p:nvPr>
-        </p:nvSpPr>
-        <p:spPr/>
-        <p:txBody>
-          <a:bodyPr/>
-          <a:lstStyle/>
-          <a:p>
-            <a:r>
-              <a:rPr lang="en-US" dirty="0"/>
-              <a:t>ASP </a:t>
-            </a:r>
-            <a:r>
-              <a:rPr lang="en-US" dirty="0" err="1"/>
-              <a:t>.net</a:t>
-            </a:r>
-            <a:endParaRPr lang="ru-RU" dirty="0"/>
-          </a:p>
-        </p:txBody>
-      </p:sp>
-      <p:sp>
-        <p:nvSpPr>
-          <p:cNvPr id="4" name="Объект 3">
+          <p:cNvPicPr>
+            <a:picLocks noChangeAspect="1"/>
+          </p:cNvPicPr>
+          <p:nvPr/>
+        </p:nvPicPr>
+        <p:blipFill>
+          <a:blip r:embed="rId2">
             <a:extLst>
-              <a:ext uri="{FF2B5EF4-FFF2-40B4-BE49-F238E27FC236}">
-                <a16:creationId xmlns:a16="http://schemas.microsoft.com/office/drawing/2014/main" id="{035D65D3-1EBF-4C16-A293-108972F07E04}"/>
+              <a:ext uri="{28A0092B-C50C-407E-A947-70E740481C1C}">
+                <a14:useLocalDpi xmlns:a14="http://schemas.microsoft.com/office/drawing/2010/main" val="0"/>
+              </a:ext>
+              <a:ext uri="{96DAC541-7B7A-43D3-8B79-37D633B846F1}">
+                <asvg:svgBlip xmlns:asvg="http://schemas.microsoft.com/office/drawing/2016/SVG/main" r:embed="rId3"/>
               </a:ext>
             </a:extLst>
-          </p:cNvPr>
-          <p:cNvSpPr>
-            <a:spLocks noGrp="1"/>
-          </p:cNvSpPr>
-          <p:nvPr>
-            <p:ph sz="half" idx="2"/>
-          </p:nvPr>
-        </p:nvSpPr>
-        <p:spPr/>
-        <p:txBody>
-          <a:bodyPr/>
-          <a:lstStyle/>
-          <a:p>
-            <a:r>
-              <a:rPr lang="ru-RU" dirty="0" err="1"/>
-              <a:t>Безпека</a:t>
-            </a:r>
-            <a:endParaRPr lang="ru-RU" dirty="0"/>
-          </a:p>
-          <a:p>
-            <a:r>
-              <a:rPr lang="ru-RU" dirty="0" err="1"/>
-              <a:t>Масштабування</a:t>
-            </a:r>
-            <a:endParaRPr lang="ru-RU" dirty="0"/>
-          </a:p>
-          <a:p>
-            <a:r>
-              <a:rPr lang="ru-RU" dirty="0" err="1"/>
-              <a:t>Багатий</a:t>
-            </a:r>
-            <a:r>
-              <a:rPr lang="uk-UA" dirty="0"/>
-              <a:t> набір </a:t>
-            </a:r>
-            <a:r>
-              <a:rPr lang="uk-UA" dirty="0" err="1"/>
-              <a:t>інтрументів</a:t>
-            </a:r>
-            <a:endParaRPr lang="uk-UA" dirty="0"/>
-          </a:p>
-          <a:p>
-            <a:r>
-              <a:rPr lang="uk-UA" dirty="0"/>
-              <a:t>Велике суспільство</a:t>
-            </a:r>
-            <a:endParaRPr lang="ru-RU" dirty="0"/>
-          </a:p>
-        </p:txBody>
-      </p:sp>
-      <p:sp>
-        <p:nvSpPr>
-          <p:cNvPr id="5" name="Текст 4">
-            <a:extLst>
-              <a:ext uri="{FF2B5EF4-FFF2-40B4-BE49-F238E27FC236}">
-                <a16:creationId xmlns:a16="http://schemas.microsoft.com/office/drawing/2014/main" id="{113C0C95-834F-4B50-908F-6AB4F77F534E}"/>
-              </a:ext>
-            </a:extLst>
-          </p:cNvPr>
-          <p:cNvSpPr>
-            <a:spLocks noGrp="1"/>
-          </p:cNvSpPr>
-          <p:nvPr>
-            <p:ph type="body" sz="quarter" idx="3"/>
-          </p:nvPr>
-        </p:nvSpPr>
-        <p:spPr/>
-        <p:txBody>
-          <a:bodyPr/>
-          <a:lstStyle/>
-          <a:p>
-            <a:r>
-              <a:rPr lang="en-US" dirty="0" err="1"/>
-              <a:t>.net</a:t>
-            </a:r>
-            <a:r>
-              <a:rPr lang="en-US" dirty="0"/>
-              <a:t> core</a:t>
-            </a:r>
-            <a:endParaRPr lang="ru-RU" dirty="0"/>
-          </a:p>
-        </p:txBody>
-      </p:sp>
-      <p:sp>
-        <p:nvSpPr>
-          <p:cNvPr id="6" name="Объект 5">
-            <a:extLst>
-              <a:ext uri="{FF2B5EF4-FFF2-40B4-BE49-F238E27FC236}">
-                <a16:creationId xmlns:a16="http://schemas.microsoft.com/office/drawing/2014/main" id="{53AACDE4-A63F-456E-BDBF-D8D6298B1C3E}"/>
-              </a:ext>
-            </a:extLst>
-          </p:cNvPr>
-          <p:cNvSpPr>
-            <a:spLocks noGrp="1"/>
-          </p:cNvSpPr>
-          <p:nvPr>
-            <p:ph sz="quarter" idx="4"/>
-          </p:nvPr>
-        </p:nvSpPr>
-        <p:spPr/>
-        <p:txBody>
-          <a:bodyPr/>
-          <a:lstStyle/>
-          <a:p>
-            <a:r>
-              <a:rPr lang="uk-UA" dirty="0" err="1"/>
-              <a:t>Кросплатформеність</a:t>
-            </a:r>
-            <a:endParaRPr lang="uk-UA" dirty="0"/>
-          </a:p>
-          <a:p>
-            <a:r>
-              <a:rPr lang="ru-RU" dirty="0" err="1"/>
-              <a:t>Швидкість</a:t>
-            </a:r>
-            <a:endParaRPr lang="ru-RU" dirty="0"/>
-          </a:p>
-          <a:p>
-            <a:r>
-              <a:rPr lang="ru-RU" dirty="0" err="1"/>
-              <a:t>Гнучкість</a:t>
-            </a:r>
-            <a:r>
-              <a:rPr lang="ru-RU" dirty="0"/>
-              <a:t> та </a:t>
-            </a:r>
-            <a:r>
-              <a:rPr lang="ru-RU" dirty="0" err="1"/>
-              <a:t>модульність</a:t>
-            </a:r>
-            <a:endParaRPr lang="ru-RU" dirty="0"/>
-          </a:p>
-          <a:p>
-            <a:r>
-              <a:rPr lang="ru-RU" dirty="0" err="1"/>
-              <a:t>Підтримка</a:t>
-            </a:r>
-            <a:r>
-              <a:rPr lang="ru-RU" dirty="0"/>
-              <a:t> </a:t>
-            </a:r>
-            <a:r>
-              <a:rPr lang="ru-RU" dirty="0" err="1"/>
-              <a:t>сучасних</a:t>
-            </a:r>
-            <a:r>
-              <a:rPr lang="ru-RU" dirty="0"/>
-              <a:t> </a:t>
-            </a:r>
-            <a:r>
-              <a:rPr lang="ru-RU" dirty="0" err="1"/>
-              <a:t>технологій</a:t>
-            </a:r>
-            <a:endParaRPr lang="ru-RU" dirty="0"/>
-          </a:p>
-        </p:txBody>
-      </p:sp>
+          </a:blip>
+          <a:stretch>
+            <a:fillRect/>
+          </a:stretch>
+        </p:blipFill>
+        <p:spPr>
+          <a:xfrm>
+            <a:off x="-4359155" y="1591646"/>
+            <a:ext cx="14213448" cy="5136767"/>
+          </a:xfrm>
+          <a:prstGeom prst="rect">
+            <a:avLst/>
+          </a:prstGeom>
+        </p:spPr>
+      </p:pic>
     </p:spTree>
     <p:extLst>
       <p:ext uri="{BB962C8B-B14F-4D97-AF65-F5344CB8AC3E}">
-        <p14:creationId xmlns:p14="http://schemas.microsoft.com/office/powerpoint/2010/main" val="2844455249"/>
+        <p14:creationId xmlns:p14="http://schemas.microsoft.com/office/powerpoint/2010/main" val="3933637219"/>
       </p:ext>
     </p:extLst>
   </p:cSld>
@@ -13415,10 +14540,10 @@
       </p:grpSpPr>
       <p:sp>
         <p:nvSpPr>
-          <p:cNvPr id="2" name="Заголовок 1">
+          <p:cNvPr id="2" name="Title 1">
             <a:extLst>
               <a:ext uri="{FF2B5EF4-FFF2-40B4-BE49-F238E27FC236}">
-                <a16:creationId xmlns:a16="http://schemas.microsoft.com/office/drawing/2014/main" id="{3C1E0340-010E-4CD3-B6F3-BDD3606BFB87}"/>
+                <a16:creationId xmlns:a16="http://schemas.microsoft.com/office/drawing/2014/main" id="{62E744E7-5351-4786-BCC3-BD0FA0F5A3A9}"/>
               </a:ext>
             </a:extLst>
           </p:cNvPr>
@@ -13436,352 +14561,242 @@
           <a:p>
             <a:r>
               <a:rPr lang="uk-UA" dirty="0"/>
-              <a:t>Чому саме ці?</a:t>
-            </a:r>
-            <a:endParaRPr lang="ru-RU" dirty="0"/>
+              <a:t>Чому</a:t>
+            </a:r>
+            <a:r>
+              <a:rPr lang="en-US" dirty="0"/>
+              <a:t> ASP.NET Web</a:t>
+            </a:r>
+            <a:r>
+              <a:rPr lang="ru-RU" dirty="0"/>
+              <a:t> </a:t>
+            </a:r>
+            <a:r>
+              <a:rPr lang="en-US" dirty="0"/>
+              <a:t>API </a:t>
+            </a:r>
+            <a:r>
+              <a:rPr lang="ru-RU" dirty="0"/>
+              <a:t>та </a:t>
+            </a:r>
+            <a:r>
+              <a:rPr lang="en-US" dirty="0"/>
+              <a:t>REACT JS, </a:t>
+            </a:r>
+            <a:r>
+              <a:rPr lang="ru-RU" dirty="0"/>
+              <a:t>ОКРЕМО?</a:t>
+            </a:r>
           </a:p>
         </p:txBody>
       </p:sp>
       <p:sp>
         <p:nvSpPr>
-          <p:cNvPr id="3" name="Текст 2">
+          <p:cNvPr id="3" name="TextBox 2">
             <a:extLst>
               <a:ext uri="{FF2B5EF4-FFF2-40B4-BE49-F238E27FC236}">
-                <a16:creationId xmlns:a16="http://schemas.microsoft.com/office/drawing/2014/main" id="{B6009D98-46BC-4F47-84A2-B58D4065D34A}"/>
+                <a16:creationId xmlns:a16="http://schemas.microsoft.com/office/drawing/2014/main" id="{64426B64-5CC9-400E-81F4-427275DD0E40}"/>
               </a:ext>
             </a:extLst>
           </p:cNvPr>
-          <p:cNvSpPr>
-            <a:spLocks noGrp="1"/>
-          </p:cNvSpPr>
-          <p:nvPr>
-            <p:ph type="body" idx="1"/>
-          </p:nvPr>
+          <p:cNvSpPr txBox="1"/>
+          <p:nvPr/>
         </p:nvSpPr>
-        <p:spPr/>
+        <p:spPr>
+          <a:xfrm>
+            <a:off x="1379620" y="2201285"/>
+            <a:ext cx="4170948" cy="1477328"/>
+          </a:xfrm>
+          <a:prstGeom prst="rect">
+            <a:avLst/>
+          </a:prstGeom>
+          <a:noFill/>
+        </p:spPr>
         <p:txBody>
-          <a:bodyPr/>
+          <a:bodyPr wrap="square" rtlCol="0">
+            <a:spAutoFit/>
+          </a:bodyPr>
           <a:lstStyle/>
           <a:p>
             <a:r>
-              <a:rPr lang="en-US" dirty="0" err="1"/>
-              <a:t>braintree</a:t>
+              <a:rPr lang="en-US" dirty="0"/>
+              <a:t>React JS – </a:t>
+            </a:r>
+            <a:r>
+              <a:rPr lang="ru-RU" dirty="0"/>
+              <a:t>найб</a:t>
+            </a:r>
+            <a:r>
+              <a:rPr lang="uk-UA" dirty="0"/>
+              <a:t>ільш популярний фреймворк по закачкам.</a:t>
+            </a:r>
+          </a:p>
+          <a:p>
+            <a:r>
+              <a:rPr lang="uk-UA" dirty="0"/>
+              <a:t>Це означає, що фреймворк має поширену документацію, велику кількість бібліотек, інструментів тощо</a:t>
             </a:r>
             <a:endParaRPr lang="ru-RU" dirty="0"/>
+          </a:p>
+        </p:txBody>
+      </p:sp>
+      <p:pic>
+        <p:nvPicPr>
+          <p:cNvPr id="1026" name="Picture 2">
+            <a:extLst>
+              <a:ext uri="{FF2B5EF4-FFF2-40B4-BE49-F238E27FC236}">
+                <a16:creationId xmlns:a16="http://schemas.microsoft.com/office/drawing/2014/main" id="{A5571708-2A1A-40BC-9FE8-EF8E7E78B999}"/>
+              </a:ext>
+            </a:extLst>
+          </p:cNvPr>
+          <p:cNvPicPr>
+            <a:picLocks noChangeAspect="1" noChangeArrowheads="1"/>
+          </p:cNvPicPr>
+          <p:nvPr/>
+        </p:nvPicPr>
+        <p:blipFill>
+          <a:blip r:embed="rId2">
+            <a:extLst>
+              <a:ext uri="{28A0092B-C50C-407E-A947-70E740481C1C}">
+                <a14:useLocalDpi xmlns:a14="http://schemas.microsoft.com/office/drawing/2010/main" val="0"/>
+              </a:ext>
+            </a:extLst>
+          </a:blip>
+          <a:srcRect/>
+          <a:stretch>
+            <a:fillRect/>
+          </a:stretch>
+        </p:blipFill>
+        <p:spPr bwMode="auto">
+          <a:xfrm>
+            <a:off x="1451811" y="3918051"/>
+            <a:ext cx="5313203" cy="2081696"/>
+          </a:xfrm>
+          <a:prstGeom prst="rect">
+            <a:avLst/>
+          </a:prstGeom>
+          <a:noFill/>
+          <a:extLst>
+            <a:ext uri="{909E8E84-426E-40DD-AFC4-6F175D3DCCD1}">
+              <a14:hiddenFill xmlns:a14="http://schemas.microsoft.com/office/drawing/2010/main">
+                <a:solidFill>
+                  <a:srgbClr val="FFFFFF"/>
+                </a:solidFill>
+              </a14:hiddenFill>
+            </a:ext>
+          </a:extLst>
+        </p:spPr>
+      </p:pic>
+      <p:sp>
+        <p:nvSpPr>
+          <p:cNvPr id="6" name="TextBox 5">
+            <a:extLst>
+              <a:ext uri="{FF2B5EF4-FFF2-40B4-BE49-F238E27FC236}">
+                <a16:creationId xmlns:a16="http://schemas.microsoft.com/office/drawing/2014/main" id="{8DE5097D-0F8C-4985-AEE8-89EDCD04F818}"/>
+              </a:ext>
+            </a:extLst>
+          </p:cNvPr>
+          <p:cNvSpPr txBox="1"/>
+          <p:nvPr/>
+        </p:nvSpPr>
+        <p:spPr>
+          <a:xfrm>
+            <a:off x="1379620" y="1777181"/>
+            <a:ext cx="6104020" cy="369332"/>
+          </a:xfrm>
+          <a:prstGeom prst="rect">
+            <a:avLst/>
+          </a:prstGeom>
+          <a:noFill/>
+        </p:spPr>
+        <p:txBody>
+          <a:bodyPr wrap="square">
+            <a:spAutoFit/>
+          </a:bodyPr>
+          <a:lstStyle/>
+          <a:p>
+            <a:r>
+              <a:rPr lang="en-US" b="1" dirty="0"/>
+              <a:t>REACT JS</a:t>
+            </a:r>
+            <a:r>
+              <a:rPr lang="ru-RU" b="1" dirty="0"/>
+              <a:t>: ПОПУЛЯРН</a:t>
+            </a:r>
+            <a:r>
+              <a:rPr lang="uk-UA" b="1" dirty="0"/>
+              <a:t>ІСТЬ ТА ПРОСТОТА</a:t>
+            </a:r>
           </a:p>
         </p:txBody>
       </p:sp>
       <p:sp>
         <p:nvSpPr>
-          <p:cNvPr id="4" name="Текст 3">
+          <p:cNvPr id="10" name="TextBox 9">
             <a:extLst>
               <a:ext uri="{FF2B5EF4-FFF2-40B4-BE49-F238E27FC236}">
-                <a16:creationId xmlns:a16="http://schemas.microsoft.com/office/drawing/2014/main" id="{E6CC03EE-5059-4A26-829B-5741E9080C57}"/>
+                <a16:creationId xmlns:a16="http://schemas.microsoft.com/office/drawing/2014/main" id="{01422587-CCE2-41D3-9C48-9F51C1BF871E}"/>
               </a:ext>
             </a:extLst>
           </p:cNvPr>
-          <p:cNvSpPr>
-            <a:spLocks noGrp="1"/>
-          </p:cNvSpPr>
-          <p:nvPr>
-            <p:ph type="body" sz="half" idx="15"/>
-          </p:nvPr>
+          <p:cNvSpPr txBox="1"/>
+          <p:nvPr/>
         </p:nvSpPr>
-        <p:spPr/>
+        <p:spPr>
+          <a:xfrm>
+            <a:off x="7322426" y="2201285"/>
+            <a:ext cx="3950368" cy="2031325"/>
+          </a:xfrm>
+          <a:prstGeom prst="rect">
+            <a:avLst/>
+          </a:prstGeom>
+          <a:noFill/>
+        </p:spPr>
         <p:txBody>
-          <a:bodyPr/>
+          <a:bodyPr wrap="square">
+            <a:spAutoFit/>
+          </a:bodyPr>
           <a:lstStyle/>
           <a:p>
-            <a:pPr marL="285750" indent="-285750">
-              <a:buFont typeface="Arial" panose="020B0604020202020204" pitchFamily="34" charset="0"/>
-              <a:buChar char="•"/>
-            </a:pPr>
-            <a:r>
-              <a:rPr lang="ru-RU" dirty="0" err="1"/>
-              <a:t>Гнучк</a:t>
-            </a:r>
-            <a:r>
-              <a:rPr lang="uk-UA" dirty="0" err="1"/>
-              <a:t>ість</a:t>
-            </a:r>
-            <a:r>
-              <a:rPr lang="uk-UA" dirty="0"/>
-              <a:t> інтеграції</a:t>
-            </a:r>
-          </a:p>
-          <a:p>
-            <a:pPr marL="285750" indent="-285750">
-              <a:buFont typeface="Arial" panose="020B0604020202020204" pitchFamily="34" charset="0"/>
-              <a:buChar char="•"/>
-            </a:pPr>
-            <a:r>
-              <a:rPr lang="uk-UA" dirty="0"/>
-              <a:t>Безпека	 і відповідність стандартам</a:t>
-            </a:r>
-          </a:p>
-          <a:p>
-            <a:pPr marL="285750" indent="-285750">
-              <a:buFont typeface="Arial" panose="020B0604020202020204" pitchFamily="34" charset="0"/>
-              <a:buChar char="•"/>
-            </a:pPr>
-            <a:r>
-              <a:rPr lang="uk-UA" dirty="0"/>
-              <a:t>Надійність та підтримка</a:t>
-            </a:r>
-          </a:p>
-          <a:p>
-            <a:pPr marL="285750" indent="-285750">
-              <a:buFont typeface="Arial" panose="020B0604020202020204" pitchFamily="34" charset="0"/>
-              <a:buChar char="•"/>
-            </a:pPr>
-            <a:r>
-              <a:rPr lang="uk-UA" dirty="0"/>
-              <a:t>Широкий функціонал</a:t>
-            </a:r>
-          </a:p>
-          <a:p>
-            <a:pPr marL="285750" indent="-285750">
-              <a:buFont typeface="Arial" panose="020B0604020202020204" pitchFamily="34" charset="0"/>
-              <a:buChar char="•"/>
-            </a:pPr>
-            <a:r>
-              <a:rPr lang="ru-RU" dirty="0" err="1"/>
-              <a:t>Підтримка</a:t>
+            <a:r>
+              <a:rPr lang="en-US" dirty="0"/>
+              <a:t>React JS - </a:t>
             </a:r>
             <a:r>
               <a:rPr lang="ru-RU" dirty="0"/>
-              <a:t> </a:t>
-            </a:r>
-            <a:r>
-              <a:rPr lang="ru-RU" dirty="0" err="1"/>
-              <a:t>міжнародних</a:t>
+              <a:t>це дуже простий і зрозумілий фреймворк інтерфейсу, порівняно з іншими, такими як </a:t>
+            </a:r>
+            <a:r>
+              <a:rPr lang="en-US" dirty="0"/>
+              <a:t>Vue </a:t>
             </a:r>
             <a:r>
               <a:rPr lang="ru-RU" dirty="0"/>
-              <a:t> </a:t>
-            </a:r>
-            <a:r>
-              <a:rPr lang="ru-RU" dirty="0" err="1"/>
-              <a:t>платіжок</a:t>
-            </a:r>
-            <a:endParaRPr lang="ru-RU" dirty="0"/>
-          </a:p>
-        </p:txBody>
-      </p:sp>
-      <p:sp>
-        <p:nvSpPr>
-          <p:cNvPr id="5" name="Текст 4">
-            <a:extLst>
-              <a:ext uri="{FF2B5EF4-FFF2-40B4-BE49-F238E27FC236}">
-                <a16:creationId xmlns:a16="http://schemas.microsoft.com/office/drawing/2014/main" id="{FF741833-06E0-478C-A6C3-AE762A817E93}"/>
-              </a:ext>
-            </a:extLst>
-          </p:cNvPr>
-          <p:cNvSpPr>
-            <a:spLocks noGrp="1"/>
-          </p:cNvSpPr>
-          <p:nvPr>
-            <p:ph type="body" sz="quarter" idx="3"/>
-          </p:nvPr>
-        </p:nvSpPr>
-        <p:spPr/>
-        <p:txBody>
-          <a:bodyPr/>
-          <a:lstStyle/>
-          <a:p>
-            <a:r>
-              <a:rPr lang="en-US" dirty="0" err="1"/>
-              <a:t>mongodb</a:t>
-            </a:r>
-            <a:endParaRPr lang="ru-RU" dirty="0"/>
-          </a:p>
-        </p:txBody>
-      </p:sp>
-      <p:sp>
-        <p:nvSpPr>
-          <p:cNvPr id="6" name="Текст 5">
-            <a:extLst>
-              <a:ext uri="{FF2B5EF4-FFF2-40B4-BE49-F238E27FC236}">
-                <a16:creationId xmlns:a16="http://schemas.microsoft.com/office/drawing/2014/main" id="{29CC0385-45A9-4AC0-9EF8-64844C56D337}"/>
-              </a:ext>
-            </a:extLst>
-          </p:cNvPr>
-          <p:cNvSpPr>
-            <a:spLocks noGrp="1"/>
-          </p:cNvSpPr>
-          <p:nvPr>
-            <p:ph type="body" sz="half" idx="16"/>
-          </p:nvPr>
-        </p:nvSpPr>
-        <p:spPr/>
-        <p:txBody>
-          <a:bodyPr/>
-          <a:lstStyle/>
-          <a:p>
-            <a:pPr marL="285750" indent="-285750">
-              <a:buFont typeface="Arial" panose="020B0604020202020204" pitchFamily="34" charset="0"/>
-              <a:buChar char="•"/>
-            </a:pPr>
-            <a:r>
-              <a:rPr lang="ru-RU" dirty="0" err="1"/>
-              <a:t>Гнучк</a:t>
-            </a:r>
-            <a:r>
-              <a:rPr lang="uk-UA" dirty="0" err="1"/>
-              <a:t>ість</a:t>
-            </a:r>
-            <a:endParaRPr lang="uk-UA" dirty="0"/>
-          </a:p>
-          <a:p>
-            <a:pPr marL="285750" indent="-285750">
-              <a:buFont typeface="Arial" panose="020B0604020202020204" pitchFamily="34" charset="0"/>
-              <a:buChar char="•"/>
-            </a:pPr>
-            <a:r>
-              <a:rPr lang="uk-UA" dirty="0"/>
-              <a:t>Зручність зі складними моделями</a:t>
-            </a:r>
-          </a:p>
-          <a:p>
-            <a:pPr marL="285750" indent="-285750">
-              <a:buFont typeface="Arial" panose="020B0604020202020204" pitchFamily="34" charset="0"/>
-              <a:buChar char="•"/>
-            </a:pPr>
-            <a:r>
-              <a:rPr lang="ru-RU" dirty="0" err="1"/>
-              <a:t>Висока</a:t>
+              <a:t>або </a:t>
+            </a:r>
+            <a:r>
+              <a:rPr lang="en-US" dirty="0"/>
+              <a:t>Angular. </a:t>
             </a:r>
             <a:r>
               <a:rPr lang="ru-RU" dirty="0"/>
-              <a:t> </a:t>
-            </a:r>
-            <a:r>
-              <a:rPr lang="ru-RU" dirty="0" err="1"/>
-              <a:t>швидкість</a:t>
-            </a:r>
-            <a:endParaRPr lang="ru-RU" dirty="0"/>
-          </a:p>
-          <a:p>
-            <a:pPr marL="285750" indent="-285750">
-              <a:buFont typeface="Arial" panose="020B0604020202020204" pitchFamily="34" charset="0"/>
-              <a:buChar char="•"/>
-            </a:pPr>
-            <a:endParaRPr lang="ru-RU" dirty="0"/>
-          </a:p>
-        </p:txBody>
-      </p:sp>
-      <p:sp>
-        <p:nvSpPr>
-          <p:cNvPr id="7" name="Текст 6">
-            <a:extLst>
-              <a:ext uri="{FF2B5EF4-FFF2-40B4-BE49-F238E27FC236}">
-                <a16:creationId xmlns:a16="http://schemas.microsoft.com/office/drawing/2014/main" id="{FAE5150D-F14C-4FA7-A207-0418906F72EA}"/>
-              </a:ext>
-            </a:extLst>
-          </p:cNvPr>
-          <p:cNvSpPr>
-            <a:spLocks noGrp="1"/>
-          </p:cNvSpPr>
-          <p:nvPr>
-            <p:ph type="body" sz="quarter" idx="13"/>
-          </p:nvPr>
-        </p:nvSpPr>
-        <p:spPr/>
-        <p:txBody>
-          <a:bodyPr/>
-          <a:lstStyle/>
-          <a:p>
+              <a:t>Оскільки його легко вивчити, а також зрозуміти, розробка додатків з використанням </a:t>
+            </a:r>
             <a:r>
               <a:rPr lang="en-US" dirty="0"/>
-              <a:t>Json web token (</a:t>
-            </a:r>
-            <a:r>
-              <a:rPr lang="en-US" dirty="0" err="1"/>
-              <a:t>jwt</a:t>
-            </a:r>
-            <a:r>
-              <a:rPr lang="en-US" dirty="0"/>
-              <a:t> auth)</a:t>
-            </a:r>
-            <a:endParaRPr lang="ru-RU" dirty="0"/>
-          </a:p>
-        </p:txBody>
-      </p:sp>
-      <p:sp>
-        <p:nvSpPr>
-          <p:cNvPr id="8" name="Текст 7">
-            <a:extLst>
-              <a:ext uri="{FF2B5EF4-FFF2-40B4-BE49-F238E27FC236}">
-                <a16:creationId xmlns:a16="http://schemas.microsoft.com/office/drawing/2014/main" id="{8408376E-2C8C-48B9-BC39-A8DC68D2DC81}"/>
-              </a:ext>
-            </a:extLst>
-          </p:cNvPr>
-          <p:cNvSpPr>
-            <a:spLocks noGrp="1"/>
-          </p:cNvSpPr>
-          <p:nvPr>
-            <p:ph type="body" sz="half" idx="17"/>
-          </p:nvPr>
-        </p:nvSpPr>
-        <p:spPr/>
-        <p:txBody>
-          <a:bodyPr/>
-          <a:lstStyle/>
-          <a:p>
-            <a:pPr marL="285750" indent="-285750">
-              <a:buFont typeface="Arial" panose="020B0604020202020204" pitchFamily="34" charset="0"/>
-              <a:buChar char="•"/>
-            </a:pPr>
+              <a:t>ReactJS </a:t>
+            </a:r>
             <a:r>
               <a:rPr lang="ru-RU" dirty="0"/>
-              <a:t>Простота</a:t>
-            </a:r>
-          </a:p>
-          <a:p>
-            <a:pPr marL="285750" indent="-285750">
-              <a:buFont typeface="Arial" panose="020B0604020202020204" pitchFamily="34" charset="0"/>
-              <a:buChar char="•"/>
-            </a:pPr>
-            <a:r>
-              <a:rPr lang="ru-RU" dirty="0" err="1"/>
-              <a:t>Можлив</a:t>
-            </a:r>
-            <a:r>
-              <a:rPr lang="uk-UA" dirty="0" err="1"/>
-              <a:t>ість</a:t>
-            </a:r>
-            <a:r>
-              <a:rPr lang="uk-UA" dirty="0"/>
-              <a:t> легкого розширення</a:t>
-            </a:r>
-          </a:p>
-          <a:p>
-            <a:pPr marL="285750" indent="-285750">
-              <a:buFont typeface="Arial" panose="020B0604020202020204" pitchFamily="34" charset="0"/>
-              <a:buChar char="•"/>
-            </a:pPr>
-            <a:r>
-              <a:rPr lang="uk-UA" dirty="0"/>
-              <a:t>Універсальність</a:t>
-            </a:r>
-          </a:p>
-          <a:p>
-            <a:pPr marL="285750" indent="-285750">
-              <a:buFont typeface="Arial" panose="020B0604020202020204" pitchFamily="34" charset="0"/>
-              <a:buChar char="•"/>
-            </a:pPr>
-            <a:r>
-              <a:rPr lang="uk-UA" dirty="0"/>
-              <a:t>Незалежність від стану сервера</a:t>
-            </a:r>
-            <a:endParaRPr lang="ru-RU" dirty="0"/>
+              <a:t>є швидшою та менш трудомісткою.</a:t>
+            </a:r>
           </a:p>
         </p:txBody>
       </p:sp>
     </p:spTree>
     <p:extLst>
       <p:ext uri="{BB962C8B-B14F-4D97-AF65-F5344CB8AC3E}">
-        <p14:creationId xmlns:p14="http://schemas.microsoft.com/office/powerpoint/2010/main" val="572669126"/>
+        <p14:creationId xmlns:p14="http://schemas.microsoft.com/office/powerpoint/2010/main" val="2617834436"/>
       </p:ext>
     </p:extLst>
   </p:cSld>
@@ -13810,10 +14825,10 @@
       </p:grpSpPr>
       <p:sp>
         <p:nvSpPr>
-          <p:cNvPr id="2" name="Заголовок 1">
+          <p:cNvPr id="2" name="Title 1">
             <a:extLst>
               <a:ext uri="{FF2B5EF4-FFF2-40B4-BE49-F238E27FC236}">
-                <a16:creationId xmlns:a16="http://schemas.microsoft.com/office/drawing/2014/main" id="{41308439-E49C-4150-B292-9ACFF2565B92}"/>
+                <a16:creationId xmlns:a16="http://schemas.microsoft.com/office/drawing/2014/main" id="{62E744E7-5351-4786-BCC3-BD0FA0F5A3A9}"/>
               </a:ext>
             </a:extLst>
           </p:cNvPr>
@@ -13831,49 +14846,364 @@
           <a:p>
             <a:r>
               <a:rPr lang="uk-UA" dirty="0"/>
-              <a:t>А насправді…</a:t>
-            </a:r>
-            <a:endParaRPr lang="ru-RU" dirty="0"/>
+              <a:t>Чому</a:t>
+            </a:r>
+            <a:r>
+              <a:rPr lang="en-US" dirty="0"/>
+              <a:t> ASP.NET CORE RESTful</a:t>
+            </a:r>
+            <a:r>
+              <a:rPr lang="ru-RU" dirty="0"/>
+              <a:t> </a:t>
+            </a:r>
+            <a:r>
+              <a:rPr lang="en-US" dirty="0"/>
+              <a:t>API </a:t>
+            </a:r>
+            <a:r>
+              <a:rPr lang="ru-RU" dirty="0"/>
+              <a:t>та </a:t>
+            </a:r>
+            <a:r>
+              <a:rPr lang="en-US" dirty="0"/>
+              <a:t>REACT JS, </a:t>
+            </a:r>
+            <a:r>
+              <a:rPr lang="ru-RU" dirty="0"/>
+              <a:t>ОКРЕМО?</a:t>
+            </a:r>
           </a:p>
         </p:txBody>
       </p:sp>
       <p:sp>
         <p:nvSpPr>
-          <p:cNvPr id="3" name="Текст 2">
+          <p:cNvPr id="6" name="TextBox 5">
             <a:extLst>
               <a:ext uri="{FF2B5EF4-FFF2-40B4-BE49-F238E27FC236}">
-                <a16:creationId xmlns:a16="http://schemas.microsoft.com/office/drawing/2014/main" id="{B84061B0-381B-47EE-B80A-D2579246D5F5}"/>
+                <a16:creationId xmlns:a16="http://schemas.microsoft.com/office/drawing/2014/main" id="{8DE5097D-0F8C-4985-AEE8-89EDCD04F818}"/>
               </a:ext>
             </a:extLst>
           </p:cNvPr>
-          <p:cNvSpPr>
-            <a:spLocks noGrp="1"/>
-          </p:cNvSpPr>
+          <p:cNvSpPr txBox="1"/>
+          <p:nvPr/>
+        </p:nvSpPr>
+        <p:spPr>
+          <a:xfrm>
+            <a:off x="1395662" y="1912422"/>
+            <a:ext cx="10371222" cy="646331"/>
+          </a:xfrm>
+          <a:prstGeom prst="rect">
+            <a:avLst/>
+          </a:prstGeom>
+          <a:noFill/>
+        </p:spPr>
+        <p:txBody>
+          <a:bodyPr wrap="square">
+            <a:spAutoFit/>
+          </a:bodyPr>
+          <a:lstStyle/>
+          <a:p>
+            <a:r>
+              <a:rPr lang="en-US" b="1" dirty="0"/>
+              <a:t>ASP. NET CORE: </a:t>
+            </a:r>
+            <a:r>
+              <a:rPr lang="ru-RU" b="1" dirty="0"/>
+              <a:t>БАГАТИЙ </a:t>
+            </a:r>
+            <a:r>
+              <a:rPr lang="uk-UA" b="1" dirty="0"/>
+              <a:t>ІНСТРУМЕНТАРІЙ, ШВИДКІСТЬ</a:t>
+            </a:r>
+            <a:r>
+              <a:rPr lang="en-US" b="1" dirty="0"/>
+              <a:t>,</a:t>
+            </a:r>
+            <a:r>
+              <a:rPr lang="ru-RU" b="1" dirty="0"/>
+              <a:t> ДЕТАЛЬНА ДОКУМЕНТАЦ</a:t>
+            </a:r>
+            <a:r>
+              <a:rPr lang="uk-UA" b="1" dirty="0"/>
+              <a:t>ІЯ</a:t>
+            </a:r>
+            <a:r>
+              <a:rPr lang="en-US" b="1" dirty="0"/>
+              <a:t>,</a:t>
+            </a:r>
+            <a:r>
+              <a:rPr lang="ru-RU" b="1" dirty="0"/>
+              <a:t> КРОСПЛАТФОРМЕН</a:t>
+            </a:r>
+            <a:r>
+              <a:rPr lang="uk-UA" b="1" dirty="0"/>
+              <a:t>ІСТЬ</a:t>
+            </a:r>
+          </a:p>
+        </p:txBody>
+      </p:sp>
+      <p:sp>
+        <p:nvSpPr>
+          <p:cNvPr id="9" name="TextBox 8">
+            <a:extLst>
+              <a:ext uri="{FF2B5EF4-FFF2-40B4-BE49-F238E27FC236}">
+                <a16:creationId xmlns:a16="http://schemas.microsoft.com/office/drawing/2014/main" id="{74DFB8F1-43F1-4DBB-BCBB-57EB28B78B31}"/>
+              </a:ext>
+            </a:extLst>
+          </p:cNvPr>
+          <p:cNvSpPr txBox="1"/>
+          <p:nvPr/>
+        </p:nvSpPr>
+        <p:spPr>
+          <a:xfrm>
+            <a:off x="1395662" y="2567923"/>
+            <a:ext cx="4825237" cy="923330"/>
+          </a:xfrm>
+          <a:prstGeom prst="rect">
+            <a:avLst/>
+          </a:prstGeom>
+          <a:noFill/>
+        </p:spPr>
+        <p:txBody>
+          <a:bodyPr wrap="square" rtlCol="0">
+            <a:spAutoFit/>
+          </a:bodyPr>
+          <a:lstStyle/>
+          <a:p>
+            <a:r>
+              <a:rPr lang="en-US" dirty="0"/>
+              <a:t>ASP.NET </a:t>
+            </a:r>
+            <a:r>
+              <a:rPr lang="ru-RU" dirty="0"/>
+              <a:t>- це надійний і багатофункціональний фреймворк, що надає функції для розробки надшвидких </a:t>
+            </a:r>
+            <a:r>
+              <a:rPr lang="en-US" dirty="0"/>
+              <a:t>API </a:t>
+            </a:r>
+            <a:r>
+              <a:rPr lang="ru-RU" dirty="0"/>
+              <a:t>для веб-додатків.</a:t>
+            </a:r>
+          </a:p>
+        </p:txBody>
+      </p:sp>
+      <p:graphicFrame>
+        <p:nvGraphicFramePr>
+          <p:cNvPr id="11" name="Chart 10">
+            <a:extLst>
+              <a:ext uri="{FF2B5EF4-FFF2-40B4-BE49-F238E27FC236}">
+                <a16:creationId xmlns:a16="http://schemas.microsoft.com/office/drawing/2014/main" id="{F79DAE67-6D1D-4705-86E3-7FE34A66F514}"/>
+              </a:ext>
+            </a:extLst>
+          </p:cNvPr>
+          <p:cNvGraphicFramePr>
+            <a:graphicFrameLocks/>
+          </p:cNvGraphicFramePr>
           <p:nvPr>
-            <p:ph type="body" sz="half" idx="2"/>
+            <p:extLst>
+              <p:ext uri="{D42A27DB-BD31-4B8C-83A1-F6EECF244321}">
+                <p14:modId xmlns:p14="http://schemas.microsoft.com/office/powerpoint/2010/main" val="3167514072"/>
+              </p:ext>
+            </p:extLst>
           </p:nvPr>
+        </p:nvGraphicFramePr>
+        <p:xfrm>
+          <a:off x="1331494" y="3500423"/>
+          <a:ext cx="4572000" cy="2743200"/>
+        </p:xfrm>
+        <a:graphic>
+          <a:graphicData uri="http://schemas.openxmlformats.org/drawingml/2006/chart">
+            <c:chart xmlns:c="http://schemas.openxmlformats.org/drawingml/2006/chart" xmlns:r="http://schemas.openxmlformats.org/officeDocument/2006/relationships" r:id="rId2"/>
+          </a:graphicData>
+        </a:graphic>
+      </p:graphicFrame>
+      <p:sp>
+        <p:nvSpPr>
+          <p:cNvPr id="12" name="TextBox 11">
+            <a:extLst>
+              <a:ext uri="{FF2B5EF4-FFF2-40B4-BE49-F238E27FC236}">
+                <a16:creationId xmlns:a16="http://schemas.microsoft.com/office/drawing/2014/main" id="{B39C4ED0-1E70-454D-9484-FBE810FE9115}"/>
+              </a:ext>
+            </a:extLst>
+          </p:cNvPr>
+          <p:cNvSpPr txBox="1"/>
+          <p:nvPr/>
         </p:nvSpPr>
-        <p:spPr/>
+        <p:spPr>
+          <a:xfrm>
+            <a:off x="1105184" y="6252793"/>
+            <a:ext cx="5406191" cy="553998"/>
+          </a:xfrm>
+          <a:prstGeom prst="rect">
+            <a:avLst/>
+          </a:prstGeom>
+          <a:noFill/>
+        </p:spPr>
         <p:txBody>
-          <a:bodyPr/>
+          <a:bodyPr wrap="square" rtlCol="0">
+            <a:spAutoFit/>
+          </a:bodyPr>
           <a:lstStyle/>
           <a:p>
             <a:r>
+              <a:rPr lang="en-US" sz="1600" dirty="0"/>
+              <a:t>ASP.NET </a:t>
+            </a:r>
+            <a:r>
+              <a:rPr lang="ru-RU" sz="1600" dirty="0"/>
+              <a:t>майже у два рази швидший, н</a:t>
+            </a:r>
+            <a:r>
+              <a:rPr lang="uk-UA" sz="1600" dirty="0"/>
+              <a:t>іж </a:t>
+            </a:r>
+            <a:r>
+              <a:rPr lang="en-US" sz="1600" dirty="0" err="1"/>
+              <a:t>SpringBoot</a:t>
+            </a:r>
+            <a:r>
+              <a:rPr lang="en-US" sz="1600" dirty="0"/>
+              <a:t> Java18</a:t>
+            </a:r>
+          </a:p>
+          <a:p>
+            <a:endParaRPr lang="ru-RU" sz="1400" dirty="0"/>
+          </a:p>
+        </p:txBody>
+      </p:sp>
+      <p:sp>
+        <p:nvSpPr>
+          <p:cNvPr id="16" name="TextBox 15">
+            <a:extLst>
+              <a:ext uri="{FF2B5EF4-FFF2-40B4-BE49-F238E27FC236}">
+                <a16:creationId xmlns:a16="http://schemas.microsoft.com/office/drawing/2014/main" id="{41AFC9B7-0587-4E76-A959-9F31C4E5176D}"/>
+              </a:ext>
+            </a:extLst>
+          </p:cNvPr>
+          <p:cNvSpPr txBox="1"/>
+          <p:nvPr/>
+        </p:nvSpPr>
+        <p:spPr>
+          <a:xfrm>
+            <a:off x="6511375" y="2648134"/>
+            <a:ext cx="4825237" cy="1477328"/>
+          </a:xfrm>
+          <a:prstGeom prst="rect">
+            <a:avLst/>
+          </a:prstGeom>
+          <a:noFill/>
+        </p:spPr>
+        <p:txBody>
+          <a:bodyPr wrap="square" rtlCol="0">
+            <a:spAutoFit/>
+          </a:bodyPr>
+          <a:lstStyle/>
+          <a:p>
+            <a:r>
+              <a:rPr lang="en-US" dirty="0"/>
+              <a:t>ASP.NET Core </a:t>
+            </a:r>
+            <a:r>
+              <a:rPr lang="ru-RU" dirty="0"/>
+              <a:t>ма</a:t>
+            </a:r>
+            <a:r>
               <a:rPr lang="uk-UA" dirty="0"/>
-              <a:t>Тому, що це було мені легше і зручніше</a:t>
+              <a:t>є багатий інструментарій </a:t>
+            </a:r>
+            <a:r>
+              <a:rPr lang="ru-RU" dirty="0"/>
+              <a:t>«з коробки» та у вигляді багатого вибору пакетів </a:t>
             </a:r>
             <a:r>
               <a:rPr lang="en-US" dirty="0"/>
-              <a:t> </a:t>
+              <a:t>NuGet</a:t>
+            </a:r>
+            <a:r>
+              <a:rPr lang="ru-RU" dirty="0"/>
+              <a:t>, що дозволя</a:t>
+            </a:r>
+            <a:r>
+              <a:rPr lang="uk-UA" dirty="0"/>
+              <a:t>є майже завжди знайти необхідний інструмент під конкретну задачу, спрощує код, та скорочує час розробки</a:t>
             </a:r>
             <a:endParaRPr lang="ru-RU" dirty="0"/>
+          </a:p>
+        </p:txBody>
+      </p:sp>
+      <p:sp>
+        <p:nvSpPr>
+          <p:cNvPr id="17" name="TextBox 16">
+            <a:extLst>
+              <a:ext uri="{FF2B5EF4-FFF2-40B4-BE49-F238E27FC236}">
+                <a16:creationId xmlns:a16="http://schemas.microsoft.com/office/drawing/2014/main" id="{214C63BA-9E83-4E25-88B7-E315F34ADF20}"/>
+              </a:ext>
+            </a:extLst>
+          </p:cNvPr>
+          <p:cNvSpPr txBox="1"/>
+          <p:nvPr/>
+        </p:nvSpPr>
+        <p:spPr>
+          <a:xfrm>
+            <a:off x="6463248" y="4370895"/>
+            <a:ext cx="5303636" cy="2031325"/>
+          </a:xfrm>
+          <a:prstGeom prst="rect">
+            <a:avLst/>
+          </a:prstGeom>
+          <a:noFill/>
+        </p:spPr>
+        <p:txBody>
+          <a:bodyPr wrap="square">
+            <a:spAutoFit/>
+          </a:bodyPr>
+          <a:lstStyle/>
+          <a:p>
+            <a:r>
+              <a:rPr lang="uk-UA" b="1" dirty="0"/>
+              <a:t>Чому </a:t>
+            </a:r>
+            <a:r>
+              <a:rPr lang="en-US" b="1" dirty="0"/>
+              <a:t>RESTful API </a:t>
+            </a:r>
+            <a:r>
+              <a:rPr lang="ru-RU" b="1" dirty="0"/>
+              <a:t>та фронт окремо, а не, наприклад, </a:t>
+            </a:r>
+            <a:r>
+              <a:rPr lang="en-US" b="1" dirty="0"/>
+              <a:t>MVC</a:t>
+            </a:r>
+            <a:r>
+              <a:rPr lang="ru-RU" b="1" dirty="0"/>
+              <a:t>?</a:t>
+            </a:r>
+          </a:p>
+          <a:p>
+            <a:endParaRPr lang="uk-UA" dirty="0"/>
+          </a:p>
+          <a:p>
+            <a:r>
+              <a:rPr lang="uk-UA" dirty="0"/>
+              <a:t>Дана архітектура значно зручніша і гнучкіша у нашому випадку розподілу зусиль.</a:t>
+            </a:r>
+          </a:p>
+          <a:p>
+            <a:r>
+              <a:rPr lang="uk-UA" dirty="0"/>
+              <a:t>Фронт можна залити на окремий від беку сервер, що може бути зручніше з точки зору оренди.</a:t>
+            </a:r>
+            <a:endParaRPr lang="en-US" dirty="0"/>
           </a:p>
         </p:txBody>
       </p:sp>
     </p:spTree>
     <p:extLst>
       <p:ext uri="{BB962C8B-B14F-4D97-AF65-F5344CB8AC3E}">
-        <p14:creationId xmlns:p14="http://schemas.microsoft.com/office/powerpoint/2010/main" val="237712075"/>
+        <p14:creationId xmlns:p14="http://schemas.microsoft.com/office/powerpoint/2010/main" val="3801919584"/>
       </p:ext>
     </p:extLst>
   </p:cSld>
@@ -13902,102 +15232,82 @@
       </p:grpSpPr>
       <p:sp>
         <p:nvSpPr>
-          <p:cNvPr id="3" name="TextBox 2">
+          <p:cNvPr id="2" name="Заголовок 1">
             <a:extLst>
               <a:ext uri="{FF2B5EF4-FFF2-40B4-BE49-F238E27FC236}">
-                <a16:creationId xmlns:a16="http://schemas.microsoft.com/office/drawing/2014/main" id="{239FE6CD-7A1E-4F60-9019-C8C635E32CC5}"/>
+                <a16:creationId xmlns:a16="http://schemas.microsoft.com/office/drawing/2014/main" id="{507383DE-0735-45F7-BF7F-455794CF438E}"/>
               </a:ext>
             </a:extLst>
           </p:cNvPr>
-          <p:cNvSpPr txBox="1"/>
-          <p:nvPr/>
+          <p:cNvSpPr>
+            <a:spLocks noGrp="1"/>
+          </p:cNvSpPr>
+          <p:nvPr>
+            <p:ph type="ctrTitle"/>
+          </p:nvPr>
         </p:nvSpPr>
-        <p:spPr>
-          <a:xfrm flipH="1">
-            <a:off x="3313651" y="729842"/>
-            <a:ext cx="5276675" cy="523220"/>
-          </a:xfrm>
-          <a:prstGeom prst="rect">
-            <a:avLst/>
-          </a:prstGeom>
-          <a:noFill/>
-        </p:spPr>
+        <p:spPr/>
         <p:txBody>
-          <a:bodyPr wrap="square" rtlCol="0">
-            <a:spAutoFit/>
-          </a:bodyPr>
+          <a:bodyPr/>
           <a:lstStyle/>
           <a:p>
             <a:r>
-              <a:rPr lang="en-US" sz="2800" dirty="0">
-                <a:latin typeface="+mj-lt"/>
-              </a:rPr>
-              <a:t>USE CASE </a:t>
-            </a:r>
-            <a:r>
-              <a:rPr lang="ru-RU" sz="2800" dirty="0">
-                <a:latin typeface="+mj-lt"/>
-              </a:rPr>
-              <a:t>д</a:t>
-            </a:r>
-            <a:r>
-              <a:rPr lang="uk-UA" sz="2800" dirty="0" err="1">
-                <a:latin typeface="+mj-lt"/>
-              </a:rPr>
-              <a:t>іаграма</a:t>
-            </a:r>
-            <a:r>
-              <a:rPr lang="en-US" sz="2800" dirty="0">
-                <a:latin typeface="+mj-lt"/>
-              </a:rPr>
-              <a:t> </a:t>
-            </a:r>
-            <a:endParaRPr lang="ru-RU" sz="2800" dirty="0">
-              <a:latin typeface="+mj-lt"/>
-            </a:endParaRPr>
+              <a:rPr lang="en-US" dirty="0"/>
+              <a:t>BACKEND. </a:t>
+            </a:r>
+            <a:r>
+              <a:rPr lang="ru-RU" dirty="0"/>
+              <a:t>Детал</a:t>
+            </a:r>
+            <a:r>
+              <a:rPr lang="uk-UA" dirty="0"/>
+              <a:t>і	</a:t>
+            </a:r>
+            <a:endParaRPr lang="ru-RU" dirty="0"/>
           </a:p>
         </p:txBody>
       </p:sp>
-      <p:pic>
-        <p:nvPicPr>
-          <p:cNvPr id="4" name="Picture 3">
+      <p:sp>
+        <p:nvSpPr>
+          <p:cNvPr id="3" name="Подзаголовок 2">
             <a:extLst>
               <a:ext uri="{FF2B5EF4-FFF2-40B4-BE49-F238E27FC236}">
-                <a16:creationId xmlns:a16="http://schemas.microsoft.com/office/drawing/2014/main" id="{696625F6-A8C3-4D26-B203-AD8EB5801401}"/>
+                <a16:creationId xmlns:a16="http://schemas.microsoft.com/office/drawing/2014/main" id="{381B900C-C1E9-4757-B628-611B98EC38AE}"/>
               </a:ext>
             </a:extLst>
           </p:cNvPr>
-          <p:cNvPicPr>
-            <a:picLocks noChangeAspect="1"/>
-          </p:cNvPicPr>
-          <p:nvPr/>
-        </p:nvPicPr>
-        <p:blipFill>
-          <a:blip r:embed="rId2">
-            <a:extLst>
-              <a:ext uri="{28A0092B-C50C-407E-A947-70E740481C1C}">
-                <a14:useLocalDpi xmlns:a14="http://schemas.microsoft.com/office/drawing/2010/main" val="0"/>
-              </a:ext>
-            </a:extLst>
-          </a:blip>
-          <a:stretch>
-            <a:fillRect/>
-          </a:stretch>
-        </p:blipFill>
-        <p:spPr>
-          <a:xfrm>
-            <a:off x="1371599" y="1316196"/>
-            <a:ext cx="7995963" cy="5020436"/>
-          </a:xfrm>
-          <a:prstGeom prst="rect">
-            <a:avLst/>
-          </a:prstGeom>
-        </p:spPr>
-      </p:pic>
+          <p:cNvSpPr>
+            <a:spLocks noGrp="1"/>
+          </p:cNvSpPr>
+          <p:nvPr>
+            <p:ph type="subTitle" idx="1"/>
+          </p:nvPr>
+        </p:nvSpPr>
+        <p:spPr/>
+        <p:txBody>
+          <a:bodyPr/>
+          <a:lstStyle/>
+          <a:p>
+            <a:r>
+              <a:rPr lang="uk-UA" dirty="0"/>
+              <a:t>Підготовив </a:t>
+            </a:r>
+            <a:r>
+              <a:rPr lang="uk-UA" dirty="0" err="1"/>
+              <a:t>Сезін</a:t>
+            </a:r>
+            <a:r>
+              <a:rPr lang="uk-UA" dirty="0"/>
+              <a:t> Д.С.		</a:t>
+            </a:r>
+            <a:endParaRPr lang="ru-RU" dirty="0"/>
+          </a:p>
+        </p:txBody>
+      </p:sp>
     </p:spTree>
     <p:extLst>
       <p:ext uri="{BB962C8B-B14F-4D97-AF65-F5344CB8AC3E}">
-        <p14:creationId xmlns:p14="http://schemas.microsoft.com/office/powerpoint/2010/main" val="2884529714"/>
+        <p14:creationId xmlns:p14="http://schemas.microsoft.com/office/powerpoint/2010/main" val="1779196258"/>
       </p:ext>
     </p:extLst>
   </p:cSld>
@@ -14026,10 +15336,50 @@
       </p:grpSpPr>
       <p:sp>
         <p:nvSpPr>
+          <p:cNvPr id="2" name="Title 1">
+            <a:extLst>
+              <a:ext uri="{FF2B5EF4-FFF2-40B4-BE49-F238E27FC236}">
+                <a16:creationId xmlns:a16="http://schemas.microsoft.com/office/drawing/2014/main" id="{62E744E7-5351-4786-BCC3-BD0FA0F5A3A9}"/>
+              </a:ext>
+            </a:extLst>
+          </p:cNvPr>
+          <p:cNvSpPr>
+            <a:spLocks noGrp="1"/>
+          </p:cNvSpPr>
+          <p:nvPr>
+            <p:ph type="title"/>
+          </p:nvPr>
+        </p:nvSpPr>
+        <p:spPr/>
+        <p:txBody>
+          <a:bodyPr/>
+          <a:lstStyle/>
+          <a:p>
+            <a:r>
+              <a:rPr lang="uk-UA" dirty="0"/>
+              <a:t>Чому</a:t>
+            </a:r>
+            <a:r>
+              <a:rPr lang="en-US" dirty="0"/>
+              <a:t> </a:t>
+            </a:r>
+            <a:r>
+              <a:rPr lang="en-US" dirty="0" err="1"/>
+              <a:t>MOngoDB</a:t>
+            </a:r>
+            <a:r>
+              <a:rPr lang="ru-RU" dirty="0"/>
+              <a:t>?</a:t>
+            </a:r>
+          </a:p>
+        </p:txBody>
+      </p:sp>
+      <p:sp>
+        <p:nvSpPr>
           <p:cNvPr id="3" name="TextBox 2">
             <a:extLst>
               <a:ext uri="{FF2B5EF4-FFF2-40B4-BE49-F238E27FC236}">
-                <a16:creationId xmlns:a16="http://schemas.microsoft.com/office/drawing/2014/main" id="{239FE6CD-7A1E-4F60-9019-C8C635E32CC5}"/>
+                <a16:creationId xmlns:a16="http://schemas.microsoft.com/office/drawing/2014/main" id="{64426B64-5CC9-400E-81F4-427275DD0E40}"/>
               </a:ext>
             </a:extLst>
           </p:cNvPr>
@@ -14037,9 +15387,9 @@
           <p:nvPr/>
         </p:nvSpPr>
         <p:spPr>
-          <a:xfrm flipH="1">
-            <a:off x="3313651" y="729842"/>
-            <a:ext cx="5276675" cy="523220"/>
+          <a:xfrm>
+            <a:off x="1379620" y="2201285"/>
+            <a:ext cx="4170948" cy="1477328"/>
           </a:xfrm>
           <a:prstGeom prst="rect">
             <a:avLst/>
@@ -14053,46 +15403,38 @@
           <a:lstStyle/>
           <a:p>
             <a:r>
-              <a:rPr lang="en-US" sz="2800" dirty="0">
-                <a:latin typeface="+mj-lt"/>
-              </a:rPr>
-              <a:t>USE CASE </a:t>
-            </a:r>
-            <a:r>
-              <a:rPr lang="ru-RU" sz="2800" dirty="0">
-                <a:latin typeface="+mj-lt"/>
-              </a:rPr>
-              <a:t>д</a:t>
-            </a:r>
-            <a:r>
-              <a:rPr lang="uk-UA" sz="2800" dirty="0" err="1">
-                <a:latin typeface="+mj-lt"/>
-              </a:rPr>
-              <a:t>іаграма</a:t>
-            </a:r>
-            <a:r>
-              <a:rPr lang="en-US" sz="2800" dirty="0">
-                <a:latin typeface="+mj-lt"/>
-              </a:rPr>
-              <a:t> </a:t>
-            </a:r>
-            <a:endParaRPr lang="ru-RU" sz="2800" dirty="0">
-              <a:latin typeface="+mj-lt"/>
-            </a:endParaRPr>
+              <a:rPr lang="en-US" dirty="0"/>
+              <a:t>React JS – </a:t>
+            </a:r>
+            <a:r>
+              <a:rPr lang="ru-RU" dirty="0"/>
+              <a:t>найб</a:t>
+            </a:r>
+            <a:r>
+              <a:rPr lang="uk-UA" dirty="0"/>
+              <a:t>ільш популярний фреймворк по закачкам.</a:t>
+            </a:r>
+          </a:p>
+          <a:p>
+            <a:r>
+              <a:rPr lang="uk-UA" dirty="0"/>
+              <a:t>Це означає, що фреймворк має поширену документацію, велику кількість бібліотек, інструментів тощо</a:t>
+            </a:r>
+            <a:endParaRPr lang="ru-RU" dirty="0"/>
           </a:p>
         </p:txBody>
       </p:sp>
       <p:pic>
         <p:nvPicPr>
-          <p:cNvPr id="4" name="Picture 3">
+          <p:cNvPr id="1026" name="Picture 2">
             <a:extLst>
               <a:ext uri="{FF2B5EF4-FFF2-40B4-BE49-F238E27FC236}">
-                <a16:creationId xmlns:a16="http://schemas.microsoft.com/office/drawing/2014/main" id="{097EF514-CB9A-48E0-87D0-3490A688E7B5}"/>
+                <a16:creationId xmlns:a16="http://schemas.microsoft.com/office/drawing/2014/main" id="{A5571708-2A1A-40BC-9FE8-EF8E7E78B999}"/>
               </a:ext>
             </a:extLst>
           </p:cNvPr>
           <p:cNvPicPr>
-            <a:picLocks noChangeAspect="1"/>
+            <a:picLocks noChangeAspect="1" noChangeArrowheads="1"/>
           </p:cNvPicPr>
           <p:nvPr/>
         </p:nvPicPr>
@@ -14104,24 +15446,141 @@
               </a:ext>
             </a:extLst>
           </a:blip>
+          <a:srcRect/>
           <a:stretch>
             <a:fillRect/>
           </a:stretch>
         </p:blipFill>
-        <p:spPr>
+        <p:spPr bwMode="auto">
           <a:xfrm>
-            <a:off x="1630323" y="1253061"/>
-            <a:ext cx="7722223" cy="5433283"/>
+            <a:off x="1451811" y="3918051"/>
+            <a:ext cx="5313203" cy="2081696"/>
           </a:xfrm>
           <a:prstGeom prst="rect">
             <a:avLst/>
           </a:prstGeom>
+          <a:noFill/>
+          <a:extLst>
+            <a:ext uri="{909E8E84-426E-40DD-AFC4-6F175D3DCCD1}">
+              <a14:hiddenFill xmlns:a14="http://schemas.microsoft.com/office/drawing/2010/main">
+                <a:solidFill>
+                  <a:srgbClr val="FFFFFF"/>
+                </a:solidFill>
+              </a14:hiddenFill>
+            </a:ext>
+          </a:extLst>
         </p:spPr>
       </p:pic>
+      <p:sp>
+        <p:nvSpPr>
+          <p:cNvPr id="6" name="TextBox 5">
+            <a:extLst>
+              <a:ext uri="{FF2B5EF4-FFF2-40B4-BE49-F238E27FC236}">
+                <a16:creationId xmlns:a16="http://schemas.microsoft.com/office/drawing/2014/main" id="{8DE5097D-0F8C-4985-AEE8-89EDCD04F818}"/>
+              </a:ext>
+            </a:extLst>
+          </p:cNvPr>
+          <p:cNvSpPr txBox="1"/>
+          <p:nvPr/>
+        </p:nvSpPr>
+        <p:spPr>
+          <a:xfrm>
+            <a:off x="1379620" y="1777181"/>
+            <a:ext cx="6104020" cy="369332"/>
+          </a:xfrm>
+          <a:prstGeom prst="rect">
+            <a:avLst/>
+          </a:prstGeom>
+          <a:noFill/>
+        </p:spPr>
+        <p:txBody>
+          <a:bodyPr wrap="square">
+            <a:spAutoFit/>
+          </a:bodyPr>
+          <a:lstStyle/>
+          <a:p>
+            <a:r>
+              <a:rPr lang="en-US" b="1" dirty="0"/>
+              <a:t>REACT JS</a:t>
+            </a:r>
+            <a:r>
+              <a:rPr lang="ru-RU" b="1" dirty="0"/>
+              <a:t>: ПОПУЛЯРН</a:t>
+            </a:r>
+            <a:r>
+              <a:rPr lang="uk-UA" b="1" dirty="0"/>
+              <a:t>ІСТЬ ТА ПРОСТОТА</a:t>
+            </a:r>
+          </a:p>
+        </p:txBody>
+      </p:sp>
+      <p:sp>
+        <p:nvSpPr>
+          <p:cNvPr id="10" name="TextBox 9">
+            <a:extLst>
+              <a:ext uri="{FF2B5EF4-FFF2-40B4-BE49-F238E27FC236}">
+                <a16:creationId xmlns:a16="http://schemas.microsoft.com/office/drawing/2014/main" id="{01422587-CCE2-41D3-9C48-9F51C1BF871E}"/>
+              </a:ext>
+            </a:extLst>
+          </p:cNvPr>
+          <p:cNvSpPr txBox="1"/>
+          <p:nvPr/>
+        </p:nvSpPr>
+        <p:spPr>
+          <a:xfrm>
+            <a:off x="7322426" y="2201285"/>
+            <a:ext cx="3950368" cy="2031325"/>
+          </a:xfrm>
+          <a:prstGeom prst="rect">
+            <a:avLst/>
+          </a:prstGeom>
+          <a:noFill/>
+        </p:spPr>
+        <p:txBody>
+          <a:bodyPr wrap="square">
+            <a:spAutoFit/>
+          </a:bodyPr>
+          <a:lstStyle/>
+          <a:p>
+            <a:r>
+              <a:rPr lang="en-US" dirty="0"/>
+              <a:t>React JS - </a:t>
+            </a:r>
+            <a:r>
+              <a:rPr lang="ru-RU" dirty="0"/>
+              <a:t>це дуже простий і зрозумілий фреймворк інтерфейсу, порівняно з іншими, такими як </a:t>
+            </a:r>
+            <a:r>
+              <a:rPr lang="en-US" dirty="0"/>
+              <a:t>Vue </a:t>
+            </a:r>
+            <a:r>
+              <a:rPr lang="ru-RU" dirty="0"/>
+              <a:t>або </a:t>
+            </a:r>
+            <a:r>
+              <a:rPr lang="en-US" dirty="0"/>
+              <a:t>Angular. </a:t>
+            </a:r>
+            <a:r>
+              <a:rPr lang="ru-RU" dirty="0"/>
+              <a:t>Оскільки його легко вивчити, а також зрозуміти, розробка додатків з використанням </a:t>
+            </a:r>
+            <a:r>
+              <a:rPr lang="en-US" dirty="0"/>
+              <a:t>ReactJS </a:t>
+            </a:r>
+            <a:r>
+              <a:rPr lang="ru-RU" dirty="0"/>
+              <a:t>є швидшою та менш трудомісткою.</a:t>
+            </a:r>
+          </a:p>
+        </p:txBody>
+      </p:sp>
     </p:spTree>
     <p:extLst>
       <p:ext uri="{BB962C8B-B14F-4D97-AF65-F5344CB8AC3E}">
-        <p14:creationId xmlns:p14="http://schemas.microsoft.com/office/powerpoint/2010/main" val="3675943108"/>
+        <p14:creationId xmlns:p14="http://schemas.microsoft.com/office/powerpoint/2010/main" val="4273175732"/>
       </p:ext>
     </p:extLst>
   </p:cSld>
@@ -14162,7 +15621,7 @@
         </p:nvSpPr>
         <p:spPr>
           <a:xfrm flipH="1">
-            <a:off x="3313651" y="729842"/>
+            <a:off x="3337714" y="721821"/>
             <a:ext cx="5276675" cy="523220"/>
           </a:xfrm>
           <a:prstGeom prst="rect">
